--- a/Presentation1.pptx
+++ b/Presentation1.pptx
@@ -107,6 +107,11 @@
       </a:defRPr>
     </a:lvl9pPr>
   </p:defaultTextStyle>
+  <p:extLst>
+    <p:ext uri="{EFAFB233-063F-42B5-8137-9DF3F51BA10A}">
+      <p15:sldGuideLst xmlns:p15="http://schemas.microsoft.com/office/powerpoint/2012/main"/>
+    </p:ext>
+  </p:extLst>
 </p:presentation>
 </file>
 
@@ -241,7 +246,7 @@
           <a:p>
             <a:fld id="{F686C300-4B60-40C4-85AF-05819ECEBA59}" type="datetimeFigureOut">
               <a:rPr lang="en-US" smtClean="0"/>
-              <a:t>6/20/2017</a:t>
+              <a:t>6/26/2017</a:t>
             </a:fld>
             <a:endParaRPr lang="en-US"/>
           </a:p>
@@ -411,7 +416,7 @@
           <a:p>
             <a:fld id="{F686C300-4B60-40C4-85AF-05819ECEBA59}" type="datetimeFigureOut">
               <a:rPr lang="en-US" smtClean="0"/>
-              <a:t>6/20/2017</a:t>
+              <a:t>6/26/2017</a:t>
             </a:fld>
             <a:endParaRPr lang="en-US"/>
           </a:p>
@@ -591,7 +596,7 @@
           <a:p>
             <a:fld id="{F686C300-4B60-40C4-85AF-05819ECEBA59}" type="datetimeFigureOut">
               <a:rPr lang="en-US" smtClean="0"/>
-              <a:t>6/20/2017</a:t>
+              <a:t>6/26/2017</a:t>
             </a:fld>
             <a:endParaRPr lang="en-US"/>
           </a:p>
@@ -761,7 +766,7 @@
           <a:p>
             <a:fld id="{F686C300-4B60-40C4-85AF-05819ECEBA59}" type="datetimeFigureOut">
               <a:rPr lang="en-US" smtClean="0"/>
-              <a:t>6/20/2017</a:t>
+              <a:t>6/26/2017</a:t>
             </a:fld>
             <a:endParaRPr lang="en-US"/>
           </a:p>
@@ -1007,7 +1012,7 @@
           <a:p>
             <a:fld id="{F686C300-4B60-40C4-85AF-05819ECEBA59}" type="datetimeFigureOut">
               <a:rPr lang="en-US" smtClean="0"/>
-              <a:t>6/20/2017</a:t>
+              <a:t>6/26/2017</a:t>
             </a:fld>
             <a:endParaRPr lang="en-US"/>
           </a:p>
@@ -1239,7 +1244,7 @@
           <a:p>
             <a:fld id="{F686C300-4B60-40C4-85AF-05819ECEBA59}" type="datetimeFigureOut">
               <a:rPr lang="en-US" smtClean="0"/>
-              <a:t>6/20/2017</a:t>
+              <a:t>6/26/2017</a:t>
             </a:fld>
             <a:endParaRPr lang="en-US"/>
           </a:p>
@@ -1606,7 +1611,7 @@
           <a:p>
             <a:fld id="{F686C300-4B60-40C4-85AF-05819ECEBA59}" type="datetimeFigureOut">
               <a:rPr lang="en-US" smtClean="0"/>
-              <a:t>6/20/2017</a:t>
+              <a:t>6/26/2017</a:t>
             </a:fld>
             <a:endParaRPr lang="en-US"/>
           </a:p>
@@ -1724,7 +1729,7 @@
           <a:p>
             <a:fld id="{F686C300-4B60-40C4-85AF-05819ECEBA59}" type="datetimeFigureOut">
               <a:rPr lang="en-US" smtClean="0"/>
-              <a:t>6/20/2017</a:t>
+              <a:t>6/26/2017</a:t>
             </a:fld>
             <a:endParaRPr lang="en-US"/>
           </a:p>
@@ -1819,7 +1824,7 @@
           <a:p>
             <a:fld id="{F686C300-4B60-40C4-85AF-05819ECEBA59}" type="datetimeFigureOut">
               <a:rPr lang="en-US" smtClean="0"/>
-              <a:t>6/20/2017</a:t>
+              <a:t>6/26/2017</a:t>
             </a:fld>
             <a:endParaRPr lang="en-US"/>
           </a:p>
@@ -2096,7 +2101,7 @@
           <a:p>
             <a:fld id="{F686C300-4B60-40C4-85AF-05819ECEBA59}" type="datetimeFigureOut">
               <a:rPr lang="en-US" smtClean="0"/>
-              <a:t>6/20/2017</a:t>
+              <a:t>6/26/2017</a:t>
             </a:fld>
             <a:endParaRPr lang="en-US"/>
           </a:p>
@@ -2349,7 +2354,7 @@
           <a:p>
             <a:fld id="{F686C300-4B60-40C4-85AF-05819ECEBA59}" type="datetimeFigureOut">
               <a:rPr lang="en-US" smtClean="0"/>
-              <a:t>6/20/2017</a:t>
+              <a:t>6/26/2017</a:t>
             </a:fld>
             <a:endParaRPr lang="en-US"/>
           </a:p>
@@ -2562,7 +2567,7 @@
           <a:p>
             <a:fld id="{F686C300-4B60-40C4-85AF-05819ECEBA59}" type="datetimeFigureOut">
               <a:rPr lang="en-US" smtClean="0"/>
-              <a:t>6/20/2017</a:t>
+              <a:t>6/26/2017</a:t>
             </a:fld>
             <a:endParaRPr lang="en-US"/>
           </a:p>
@@ -3884,18 +3889,7 @@
                   <a:ea typeface="Adobe Gothic Std B" panose="020B0800000000000000" pitchFamily="34" charset="-128"/>
                   <a:sym typeface="Wingdings" panose="05000000000000000000" pitchFamily="2" charset="2"/>
                 </a:rPr>
-                <a:t>7.5	</a:t>
-              </a:r>
-              <a:r>
-                <a:rPr lang="en-US" sz="3200" dirty="0" smtClean="0">
-                  <a:solidFill>
-                    <a:srgbClr val="FF0000"/>
-                  </a:solidFill>
-                  <a:latin typeface="Adobe Gothic Std B" panose="020B0800000000000000" pitchFamily="34" charset="-128"/>
-                  <a:ea typeface="Adobe Gothic Std B" panose="020B0800000000000000" pitchFamily="34" charset="-128"/>
-                  <a:sym typeface="Wingdings" panose="05000000000000000000" pitchFamily="2" charset="2"/>
-                </a:rPr>
-                <a:t>	2.89577</a:t>
+                <a:t>7.5		2.89577</a:t>
               </a:r>
               <a:endParaRPr lang="en-US" sz="3200" baseline="30000" dirty="0">
                 <a:solidFill>

--- a/Presentation1.pptx
+++ b/Presentation1.pptx
@@ -246,7 +246,7 @@
           <a:p>
             <a:fld id="{F686C300-4B60-40C4-85AF-05819ECEBA59}" type="datetimeFigureOut">
               <a:rPr lang="en-US" smtClean="0"/>
-              <a:t>6/26/2017</a:t>
+              <a:t>6/27/2017</a:t>
             </a:fld>
             <a:endParaRPr lang="en-US"/>
           </a:p>
@@ -416,7 +416,7 @@
           <a:p>
             <a:fld id="{F686C300-4B60-40C4-85AF-05819ECEBA59}" type="datetimeFigureOut">
               <a:rPr lang="en-US" smtClean="0"/>
-              <a:t>6/26/2017</a:t>
+              <a:t>6/27/2017</a:t>
             </a:fld>
             <a:endParaRPr lang="en-US"/>
           </a:p>
@@ -596,7 +596,7 @@
           <a:p>
             <a:fld id="{F686C300-4B60-40C4-85AF-05819ECEBA59}" type="datetimeFigureOut">
               <a:rPr lang="en-US" smtClean="0"/>
-              <a:t>6/26/2017</a:t>
+              <a:t>6/27/2017</a:t>
             </a:fld>
             <a:endParaRPr lang="en-US"/>
           </a:p>
@@ -766,7 +766,7 @@
           <a:p>
             <a:fld id="{F686C300-4B60-40C4-85AF-05819ECEBA59}" type="datetimeFigureOut">
               <a:rPr lang="en-US" smtClean="0"/>
-              <a:t>6/26/2017</a:t>
+              <a:t>6/27/2017</a:t>
             </a:fld>
             <a:endParaRPr lang="en-US"/>
           </a:p>
@@ -1012,7 +1012,7 @@
           <a:p>
             <a:fld id="{F686C300-4B60-40C4-85AF-05819ECEBA59}" type="datetimeFigureOut">
               <a:rPr lang="en-US" smtClean="0"/>
-              <a:t>6/26/2017</a:t>
+              <a:t>6/27/2017</a:t>
             </a:fld>
             <a:endParaRPr lang="en-US"/>
           </a:p>
@@ -1244,7 +1244,7 @@
           <a:p>
             <a:fld id="{F686C300-4B60-40C4-85AF-05819ECEBA59}" type="datetimeFigureOut">
               <a:rPr lang="en-US" smtClean="0"/>
-              <a:t>6/26/2017</a:t>
+              <a:t>6/27/2017</a:t>
             </a:fld>
             <a:endParaRPr lang="en-US"/>
           </a:p>
@@ -1611,7 +1611,7 @@
           <a:p>
             <a:fld id="{F686C300-4B60-40C4-85AF-05819ECEBA59}" type="datetimeFigureOut">
               <a:rPr lang="en-US" smtClean="0"/>
-              <a:t>6/26/2017</a:t>
+              <a:t>6/27/2017</a:t>
             </a:fld>
             <a:endParaRPr lang="en-US"/>
           </a:p>
@@ -1729,7 +1729,7 @@
           <a:p>
             <a:fld id="{F686C300-4B60-40C4-85AF-05819ECEBA59}" type="datetimeFigureOut">
               <a:rPr lang="en-US" smtClean="0"/>
-              <a:t>6/26/2017</a:t>
+              <a:t>6/27/2017</a:t>
             </a:fld>
             <a:endParaRPr lang="en-US"/>
           </a:p>
@@ -1824,7 +1824,7 @@
           <a:p>
             <a:fld id="{F686C300-4B60-40C4-85AF-05819ECEBA59}" type="datetimeFigureOut">
               <a:rPr lang="en-US" smtClean="0"/>
-              <a:t>6/26/2017</a:t>
+              <a:t>6/27/2017</a:t>
             </a:fld>
             <a:endParaRPr lang="en-US"/>
           </a:p>
@@ -2101,7 +2101,7 @@
           <a:p>
             <a:fld id="{F686C300-4B60-40C4-85AF-05819ECEBA59}" type="datetimeFigureOut">
               <a:rPr lang="en-US" smtClean="0"/>
-              <a:t>6/26/2017</a:t>
+              <a:t>6/27/2017</a:t>
             </a:fld>
             <a:endParaRPr lang="en-US"/>
           </a:p>
@@ -2354,7 +2354,7 @@
           <a:p>
             <a:fld id="{F686C300-4B60-40C4-85AF-05819ECEBA59}" type="datetimeFigureOut">
               <a:rPr lang="en-US" smtClean="0"/>
-              <a:t>6/26/2017</a:t>
+              <a:t>6/27/2017</a:t>
             </a:fld>
             <a:endParaRPr lang="en-US"/>
           </a:p>
@@ -2567,7 +2567,7 @@
           <a:p>
             <a:fld id="{F686C300-4B60-40C4-85AF-05819ECEBA59}" type="datetimeFigureOut">
               <a:rPr lang="en-US" smtClean="0"/>
-              <a:t>6/26/2017</a:t>
+              <a:t>6/27/2017</a:t>
             </a:fld>
             <a:endParaRPr lang="en-US"/>
           </a:p>
@@ -4052,6 +4052,29 @@
           <a:chExt cx="0" cy="0"/>
         </a:xfrm>
       </p:grpSpPr>
+      <p:pic>
+        <p:nvPicPr>
+          <p:cNvPr id="3" name="Picture 2"/>
+          <p:cNvPicPr>
+            <a:picLocks noChangeAspect="1"/>
+          </p:cNvPicPr>
+          <p:nvPr/>
+        </p:nvPicPr>
+        <p:blipFill rotWithShape="1">
+          <a:blip r:embed="rId2"/>
+          <a:srcRect l="59420" t="29827" r="19736" b="46517"/>
+          <a:stretch/>
+        </p:blipFill>
+        <p:spPr>
+          <a:xfrm>
+            <a:off x="1221205" y="2147637"/>
+            <a:ext cx="6870032" cy="4385510"/>
+          </a:xfrm>
+          <a:prstGeom prst="rect">
+            <a:avLst/>
+          </a:prstGeom>
+        </p:spPr>
+      </p:pic>
     </p:spTree>
     <p:extLst>
       <p:ext uri="{BB962C8B-B14F-4D97-AF65-F5344CB8AC3E}">

--- a/Presentation1.pptx
+++ b/Presentation1.pptx
@@ -9,6 +9,7 @@
     <p:sldId id="258" r:id="rId3"/>
     <p:sldId id="259" r:id="rId4"/>
     <p:sldId id="260" r:id="rId5"/>
+    <p:sldId id="261" r:id="rId6"/>
   </p:sldIdLst>
   <p:sldSz cx="12192000" cy="6858000"/>
   <p:notesSz cx="6858000" cy="9144000"/>
@@ -4095,6 +4096,660 @@
 </p:sld>
 </file>
 
+<file path=ppt/slides/slide5.xml><?xml version="1.0" encoding="utf-8"?>
+<p:sld xmlns:a="http://schemas.openxmlformats.org/drawingml/2006/main" xmlns:r="http://schemas.openxmlformats.org/officeDocument/2006/relationships" xmlns:p="http://schemas.openxmlformats.org/presentationml/2006/main">
+  <p:cSld>
+    <p:spTree>
+      <p:nvGrpSpPr>
+        <p:cNvPr id="1" name=""/>
+        <p:cNvGrpSpPr/>
+        <p:nvPr/>
+      </p:nvGrpSpPr>
+      <p:grpSpPr>
+        <a:xfrm>
+          <a:off x="0" y="0"/>
+          <a:ext cx="0" cy="0"/>
+          <a:chOff x="0" y="0"/>
+          <a:chExt cx="0" cy="0"/>
+        </a:xfrm>
+      </p:grpSpPr>
+      <p:sp>
+        <p:nvSpPr>
+          <p:cNvPr id="18" name="TextBox 17"/>
+          <p:cNvSpPr txBox="1"/>
+          <p:nvPr/>
+        </p:nvSpPr>
+        <p:spPr>
+          <a:xfrm>
+            <a:off x="5486400" y="0"/>
+            <a:ext cx="934872" cy="3046988"/>
+          </a:xfrm>
+          <a:prstGeom prst="rect">
+            <a:avLst/>
+          </a:prstGeom>
+          <a:noFill/>
+        </p:spPr>
+        <p:txBody>
+          <a:bodyPr wrap="none" rtlCol="0">
+            <a:spAutoFit/>
+          </a:bodyPr>
+          <a:lstStyle/>
+          <a:p>
+            <a:pPr algn="ctr"/>
+            <a:r>
+              <a:rPr lang="en-US" sz="9600" dirty="0" smtClean="0">
+                <a:latin typeface="AR JULIAN" panose="02000000000000000000" pitchFamily="2" charset="0"/>
+              </a:rPr>
+              <a:t>5</a:t>
+            </a:r>
+          </a:p>
+          <a:p>
+            <a:pPr algn="ctr"/>
+            <a:r>
+              <a:rPr lang="en-US" sz="9600" dirty="0">
+                <a:latin typeface="AR JULIAN" panose="02000000000000000000" pitchFamily="2" charset="0"/>
+              </a:rPr>
+              <a:t>4</a:t>
+            </a:r>
+          </a:p>
+        </p:txBody>
+      </p:sp>
+      <p:sp>
+        <p:nvSpPr>
+          <p:cNvPr id="27" name="Freeform 26"/>
+          <p:cNvSpPr/>
+          <p:nvPr/>
+        </p:nvSpPr>
+        <p:spPr>
+          <a:xfrm>
+            <a:off x="4572000" y="0"/>
+            <a:ext cx="1828800" cy="2743200"/>
+          </a:xfrm>
+          <a:custGeom>
+            <a:avLst/>
+            <a:gdLst>
+              <a:gd name="connsiteX0" fmla="*/ 685800 w 1828800"/>
+              <a:gd name="connsiteY0" fmla="*/ 0 h 2743200"/>
+              <a:gd name="connsiteX1" fmla="*/ 1143000 w 1828800"/>
+              <a:gd name="connsiteY1" fmla="*/ 0 h 2743200"/>
+              <a:gd name="connsiteX2" fmla="*/ 1828800 w 1828800"/>
+              <a:gd name="connsiteY2" fmla="*/ 2743200 h 2743200"/>
+              <a:gd name="connsiteX3" fmla="*/ 0 w 1828800"/>
+              <a:gd name="connsiteY3" fmla="*/ 2743200 h 2743200"/>
+            </a:gdLst>
+            <a:ahLst/>
+            <a:cxnLst>
+              <a:cxn ang="0">
+                <a:pos x="connsiteX0" y="connsiteY0"/>
+              </a:cxn>
+              <a:cxn ang="0">
+                <a:pos x="connsiteX1" y="connsiteY1"/>
+              </a:cxn>
+              <a:cxn ang="0">
+                <a:pos x="connsiteX2" y="connsiteY2"/>
+              </a:cxn>
+              <a:cxn ang="0">
+                <a:pos x="connsiteX3" y="connsiteY3"/>
+              </a:cxn>
+            </a:cxnLst>
+            <a:rect l="l" t="t" r="r" b="b"/>
+            <a:pathLst>
+              <a:path w="1828800" h="2743200">
+                <a:moveTo>
+                  <a:pt x="685800" y="0"/>
+                </a:moveTo>
+                <a:lnTo>
+                  <a:pt x="1143000" y="0"/>
+                </a:lnTo>
+                <a:lnTo>
+                  <a:pt x="1828800" y="2743200"/>
+                </a:lnTo>
+                <a:lnTo>
+                  <a:pt x="0" y="2743200"/>
+                </a:lnTo>
+                <a:close/>
+              </a:path>
+            </a:pathLst>
+          </a:custGeom>
+          <a:solidFill>
+            <a:schemeClr val="bg1"/>
+          </a:solidFill>
+          <a:ln>
+            <a:noFill/>
+          </a:ln>
+        </p:spPr>
+        <p:style>
+          <a:lnRef idx="2">
+            <a:schemeClr val="accent1">
+              <a:shade val="50000"/>
+            </a:schemeClr>
+          </a:lnRef>
+          <a:fillRef idx="1">
+            <a:schemeClr val="accent1"/>
+          </a:fillRef>
+          <a:effectRef idx="0">
+            <a:schemeClr val="accent1"/>
+          </a:effectRef>
+          <a:fontRef idx="minor">
+            <a:schemeClr val="lt1"/>
+          </a:fontRef>
+        </p:style>
+        <p:txBody>
+          <a:bodyPr rtlCol="0" anchor="ctr"/>
+          <a:lstStyle/>
+          <a:p>
+            <a:pPr algn="ctr"/>
+            <a:endParaRPr lang="en-US"/>
+          </a:p>
+        </p:txBody>
+      </p:sp>
+      <p:sp>
+        <p:nvSpPr>
+          <p:cNvPr id="20" name="TextBox 19"/>
+          <p:cNvSpPr txBox="1"/>
+          <p:nvPr/>
+        </p:nvSpPr>
+        <p:spPr>
+          <a:xfrm>
+            <a:off x="3657600" y="0"/>
+            <a:ext cx="934872" cy="3046988"/>
+          </a:xfrm>
+          <a:prstGeom prst="rect">
+            <a:avLst/>
+          </a:prstGeom>
+          <a:noFill/>
+        </p:spPr>
+        <p:txBody>
+          <a:bodyPr wrap="none" rtlCol="0">
+            <a:spAutoFit/>
+          </a:bodyPr>
+          <a:lstStyle/>
+          <a:p>
+            <a:pPr algn="ctr"/>
+            <a:r>
+              <a:rPr lang="en-US" sz="9600" dirty="0">
+                <a:latin typeface="AR JULIAN" panose="02000000000000000000" pitchFamily="2" charset="0"/>
+              </a:rPr>
+              <a:t>4</a:t>
+            </a:r>
+            <a:endParaRPr lang="en-US" sz="9600" dirty="0" smtClean="0">
+              <a:latin typeface="AR JULIAN" panose="02000000000000000000" pitchFamily="2" charset="0"/>
+            </a:endParaRPr>
+          </a:p>
+          <a:p>
+            <a:pPr algn="ctr"/>
+            <a:r>
+              <a:rPr lang="en-US" sz="9600" dirty="0">
+                <a:latin typeface="AR JULIAN" panose="02000000000000000000" pitchFamily="2" charset="0"/>
+              </a:rPr>
+              <a:t>4</a:t>
+            </a:r>
+          </a:p>
+        </p:txBody>
+      </p:sp>
+      <p:sp>
+        <p:nvSpPr>
+          <p:cNvPr id="21" name="TextBox 20"/>
+          <p:cNvSpPr txBox="1"/>
+          <p:nvPr/>
+        </p:nvSpPr>
+        <p:spPr>
+          <a:xfrm>
+            <a:off x="1828800" y="0"/>
+            <a:ext cx="934872" cy="3046988"/>
+          </a:xfrm>
+          <a:prstGeom prst="rect">
+            <a:avLst/>
+          </a:prstGeom>
+          <a:noFill/>
+        </p:spPr>
+        <p:txBody>
+          <a:bodyPr wrap="none" rtlCol="0">
+            <a:spAutoFit/>
+          </a:bodyPr>
+          <a:lstStyle/>
+          <a:p>
+            <a:pPr algn="ctr"/>
+            <a:r>
+              <a:rPr lang="en-US" sz="9600" dirty="0" smtClean="0">
+                <a:latin typeface="AR JULIAN" panose="02000000000000000000" pitchFamily="2" charset="0"/>
+              </a:rPr>
+              <a:t>3</a:t>
+            </a:r>
+          </a:p>
+          <a:p>
+            <a:pPr algn="ctr"/>
+            <a:r>
+              <a:rPr lang="en-US" sz="9600" dirty="0">
+                <a:latin typeface="AR JULIAN" panose="02000000000000000000" pitchFamily="2" charset="0"/>
+              </a:rPr>
+              <a:t>4</a:t>
+            </a:r>
+          </a:p>
+        </p:txBody>
+      </p:sp>
+      <p:sp>
+        <p:nvSpPr>
+          <p:cNvPr id="22" name="TextBox 21"/>
+          <p:cNvSpPr txBox="1"/>
+          <p:nvPr/>
+        </p:nvSpPr>
+        <p:spPr>
+          <a:xfrm>
+            <a:off x="7315200" y="0"/>
+            <a:ext cx="872355" cy="3046988"/>
+          </a:xfrm>
+          <a:prstGeom prst="rect">
+            <a:avLst/>
+          </a:prstGeom>
+          <a:noFill/>
+        </p:spPr>
+        <p:txBody>
+          <a:bodyPr wrap="none" rtlCol="0">
+            <a:spAutoFit/>
+          </a:bodyPr>
+          <a:lstStyle/>
+          <a:p>
+            <a:pPr algn="ctr"/>
+            <a:r>
+              <a:rPr lang="en-US" sz="9600" dirty="0">
+                <a:latin typeface="AR JULIAN" panose="02000000000000000000" pitchFamily="2" charset="0"/>
+              </a:rPr>
+              <a:t>6</a:t>
+            </a:r>
+            <a:endParaRPr lang="en-US" sz="9600" dirty="0" smtClean="0">
+              <a:latin typeface="AR JULIAN" panose="02000000000000000000" pitchFamily="2" charset="0"/>
+            </a:endParaRPr>
+          </a:p>
+          <a:p>
+            <a:pPr algn="ctr"/>
+            <a:r>
+              <a:rPr lang="en-US" sz="9600" dirty="0" smtClean="0">
+                <a:latin typeface="AR JULIAN" panose="02000000000000000000" pitchFamily="2" charset="0"/>
+              </a:rPr>
+              <a:t>8</a:t>
+            </a:r>
+            <a:endParaRPr lang="en-US" sz="9600" dirty="0">
+              <a:latin typeface="AR JULIAN" panose="02000000000000000000" pitchFamily="2" charset="0"/>
+            </a:endParaRPr>
+          </a:p>
+        </p:txBody>
+      </p:sp>
+      <p:sp>
+        <p:nvSpPr>
+          <p:cNvPr id="9" name="Freeform 8"/>
+          <p:cNvSpPr/>
+          <p:nvPr/>
+        </p:nvSpPr>
+        <p:spPr>
+          <a:xfrm>
+            <a:off x="4572000" y="0"/>
+            <a:ext cx="1828800" cy="2743200"/>
+          </a:xfrm>
+          <a:custGeom>
+            <a:avLst/>
+            <a:gdLst>
+              <a:gd name="connsiteX0" fmla="*/ 742950 w 1828800"/>
+              <a:gd name="connsiteY0" fmla="*/ 228600 h 2743200"/>
+              <a:gd name="connsiteX1" fmla="*/ 228600 w 1828800"/>
+              <a:gd name="connsiteY1" fmla="*/ 2514600 h 2743200"/>
+              <a:gd name="connsiteX2" fmla="*/ 1600200 w 1828800"/>
+              <a:gd name="connsiteY2" fmla="*/ 2514600 h 2743200"/>
+              <a:gd name="connsiteX3" fmla="*/ 1085850 w 1828800"/>
+              <a:gd name="connsiteY3" fmla="*/ 228600 h 2743200"/>
+              <a:gd name="connsiteX4" fmla="*/ 685800 w 1828800"/>
+              <a:gd name="connsiteY4" fmla="*/ 0 h 2743200"/>
+              <a:gd name="connsiteX5" fmla="*/ 1143000 w 1828800"/>
+              <a:gd name="connsiteY5" fmla="*/ 0 h 2743200"/>
+              <a:gd name="connsiteX6" fmla="*/ 1828800 w 1828800"/>
+              <a:gd name="connsiteY6" fmla="*/ 2743200 h 2743200"/>
+              <a:gd name="connsiteX7" fmla="*/ 0 w 1828800"/>
+              <a:gd name="connsiteY7" fmla="*/ 2743200 h 2743200"/>
+            </a:gdLst>
+            <a:ahLst/>
+            <a:cxnLst>
+              <a:cxn ang="0">
+                <a:pos x="connsiteX0" y="connsiteY0"/>
+              </a:cxn>
+              <a:cxn ang="0">
+                <a:pos x="connsiteX1" y="connsiteY1"/>
+              </a:cxn>
+              <a:cxn ang="0">
+                <a:pos x="connsiteX2" y="connsiteY2"/>
+              </a:cxn>
+              <a:cxn ang="0">
+                <a:pos x="connsiteX3" y="connsiteY3"/>
+              </a:cxn>
+              <a:cxn ang="0">
+                <a:pos x="connsiteX4" y="connsiteY4"/>
+              </a:cxn>
+              <a:cxn ang="0">
+                <a:pos x="connsiteX5" y="connsiteY5"/>
+              </a:cxn>
+              <a:cxn ang="0">
+                <a:pos x="connsiteX6" y="connsiteY6"/>
+              </a:cxn>
+              <a:cxn ang="0">
+                <a:pos x="connsiteX7" y="connsiteY7"/>
+              </a:cxn>
+            </a:cxnLst>
+            <a:rect l="l" t="t" r="r" b="b"/>
+            <a:pathLst>
+              <a:path w="1828800" h="2743200">
+                <a:moveTo>
+                  <a:pt x="742950" y="228600"/>
+                </a:moveTo>
+                <a:lnTo>
+                  <a:pt x="228600" y="2514600"/>
+                </a:lnTo>
+                <a:lnTo>
+                  <a:pt x="1600200" y="2514600"/>
+                </a:lnTo>
+                <a:lnTo>
+                  <a:pt x="1085850" y="228600"/>
+                </a:lnTo>
+                <a:close/>
+                <a:moveTo>
+                  <a:pt x="685800" y="0"/>
+                </a:moveTo>
+                <a:lnTo>
+                  <a:pt x="1143000" y="0"/>
+                </a:lnTo>
+                <a:lnTo>
+                  <a:pt x="1828800" y="2743200"/>
+                </a:lnTo>
+                <a:lnTo>
+                  <a:pt x="0" y="2743200"/>
+                </a:lnTo>
+                <a:close/>
+              </a:path>
+            </a:pathLst>
+          </a:custGeom>
+          <a:solidFill>
+            <a:srgbClr val="333333"/>
+          </a:solidFill>
+          <a:ln>
+            <a:noFill/>
+          </a:ln>
+        </p:spPr>
+        <p:style>
+          <a:lnRef idx="2">
+            <a:schemeClr val="accent1">
+              <a:shade val="50000"/>
+            </a:schemeClr>
+          </a:lnRef>
+          <a:fillRef idx="1">
+            <a:schemeClr val="accent1"/>
+          </a:fillRef>
+          <a:effectRef idx="0">
+            <a:schemeClr val="accent1"/>
+          </a:effectRef>
+          <a:fontRef idx="minor">
+            <a:schemeClr val="lt1"/>
+          </a:fontRef>
+        </p:style>
+        <p:txBody>
+          <a:bodyPr rtlCol="0" anchor="ctr"/>
+          <a:lstStyle/>
+          <a:p>
+            <a:pPr algn="ctr"/>
+            <a:endParaRPr lang="en-US"/>
+          </a:p>
+        </p:txBody>
+      </p:sp>
+      <p:sp>
+        <p:nvSpPr>
+          <p:cNvPr id="10" name="Rectangle 9"/>
+          <p:cNvSpPr/>
+          <p:nvPr/>
+        </p:nvSpPr>
+        <p:spPr>
+          <a:xfrm>
+            <a:off x="5444837" y="457200"/>
+            <a:ext cx="91440" cy="2286000"/>
+          </a:xfrm>
+          <a:prstGeom prst="rect">
+            <a:avLst/>
+          </a:prstGeom>
+          <a:solidFill>
+            <a:srgbClr val="333333"/>
+          </a:solidFill>
+          <a:ln>
+            <a:noFill/>
+          </a:ln>
+        </p:spPr>
+        <p:style>
+          <a:lnRef idx="2">
+            <a:schemeClr val="accent1">
+              <a:shade val="50000"/>
+            </a:schemeClr>
+          </a:lnRef>
+          <a:fillRef idx="1">
+            <a:schemeClr val="accent1"/>
+          </a:fillRef>
+          <a:effectRef idx="0">
+            <a:schemeClr val="accent1"/>
+          </a:effectRef>
+          <a:fontRef idx="minor">
+            <a:schemeClr val="lt1"/>
+          </a:fontRef>
+        </p:style>
+        <p:txBody>
+          <a:bodyPr rtlCol="0" anchor="ctr"/>
+          <a:lstStyle/>
+          <a:p>
+            <a:pPr algn="ctr"/>
+            <a:endParaRPr lang="en-US"/>
+          </a:p>
+        </p:txBody>
+      </p:sp>
+      <p:grpSp>
+        <p:nvGrpSpPr>
+          <p:cNvPr id="17" name="Group 16"/>
+          <p:cNvGrpSpPr/>
+          <p:nvPr/>
+        </p:nvGrpSpPr>
+        <p:grpSpPr>
+          <a:xfrm rot="1800000">
+            <a:off x="5997961" y="457199"/>
+            <a:ext cx="274320" cy="2286000"/>
+            <a:chOff x="11162674" y="2671947"/>
+            <a:chExt cx="274320" cy="2286000"/>
+          </a:xfrm>
+        </p:grpSpPr>
+        <p:sp>
+          <p:nvSpPr>
+            <p:cNvPr id="14" name="Freeform 13"/>
+            <p:cNvSpPr/>
+            <p:nvPr/>
+          </p:nvSpPr>
+          <p:spPr>
+            <a:xfrm rot="10800000">
+              <a:off x="11162674" y="2671947"/>
+              <a:ext cx="274320" cy="274320"/>
+            </a:xfrm>
+            <a:custGeom>
+              <a:avLst/>
+              <a:gdLst>
+                <a:gd name="connsiteX0" fmla="*/ 82296 w 274320"/>
+                <a:gd name="connsiteY0" fmla="*/ 0 h 274320"/>
+                <a:gd name="connsiteX1" fmla="*/ 192024 w 274320"/>
+                <a:gd name="connsiteY1" fmla="*/ 0 h 274320"/>
+                <a:gd name="connsiteX2" fmla="*/ 274320 w 274320"/>
+                <a:gd name="connsiteY2" fmla="*/ 274320 h 274320"/>
+                <a:gd name="connsiteX3" fmla="*/ 0 w 274320"/>
+                <a:gd name="connsiteY3" fmla="*/ 274320 h 274320"/>
+              </a:gdLst>
+              <a:ahLst/>
+              <a:cxnLst>
+                <a:cxn ang="0">
+                  <a:pos x="connsiteX0" y="connsiteY0"/>
+                </a:cxn>
+                <a:cxn ang="0">
+                  <a:pos x="connsiteX1" y="connsiteY1"/>
+                </a:cxn>
+                <a:cxn ang="0">
+                  <a:pos x="connsiteX2" y="connsiteY2"/>
+                </a:cxn>
+                <a:cxn ang="0">
+                  <a:pos x="connsiteX3" y="connsiteY3"/>
+                </a:cxn>
+              </a:cxnLst>
+              <a:rect l="l" t="t" r="r" b="b"/>
+              <a:pathLst>
+                <a:path w="274320" h="274320">
+                  <a:moveTo>
+                    <a:pt x="82296" y="0"/>
+                  </a:moveTo>
+                  <a:lnTo>
+                    <a:pt x="192024" y="0"/>
+                  </a:lnTo>
+                  <a:lnTo>
+                    <a:pt x="274320" y="274320"/>
+                  </a:lnTo>
+                  <a:lnTo>
+                    <a:pt x="0" y="274320"/>
+                  </a:lnTo>
+                  <a:close/>
+                </a:path>
+              </a:pathLst>
+            </a:custGeom>
+            <a:solidFill>
+              <a:srgbClr val="333333"/>
+            </a:solidFill>
+            <a:ln>
+              <a:noFill/>
+            </a:ln>
+          </p:spPr>
+          <p:style>
+            <a:lnRef idx="2">
+              <a:schemeClr val="accent1">
+                <a:shade val="50000"/>
+              </a:schemeClr>
+            </a:lnRef>
+            <a:fillRef idx="1">
+              <a:schemeClr val="accent1"/>
+            </a:fillRef>
+            <a:effectRef idx="0">
+              <a:schemeClr val="accent1"/>
+            </a:effectRef>
+            <a:fontRef idx="minor">
+              <a:schemeClr val="lt1"/>
+            </a:fontRef>
+          </p:style>
+          <p:txBody>
+            <a:bodyPr rtlCol="0" anchor="ctr"/>
+            <a:lstStyle/>
+            <a:p>
+              <a:pPr algn="ctr"/>
+              <a:endParaRPr lang="en-US"/>
+            </a:p>
+          </p:txBody>
+        </p:sp>
+        <p:sp>
+          <p:nvSpPr>
+            <p:cNvPr id="15" name="Rectangle 14"/>
+            <p:cNvSpPr/>
+            <p:nvPr/>
+          </p:nvSpPr>
+          <p:spPr>
+            <a:xfrm>
+              <a:off x="11254114" y="2671947"/>
+              <a:ext cx="91440" cy="2286000"/>
+            </a:xfrm>
+            <a:prstGeom prst="rect">
+              <a:avLst/>
+            </a:prstGeom>
+            <a:solidFill>
+              <a:srgbClr val="333333"/>
+            </a:solidFill>
+            <a:ln>
+              <a:noFill/>
+            </a:ln>
+          </p:spPr>
+          <p:style>
+            <a:lnRef idx="2">
+              <a:schemeClr val="accent1">
+                <a:shade val="50000"/>
+              </a:schemeClr>
+            </a:lnRef>
+            <a:fillRef idx="1">
+              <a:schemeClr val="accent1"/>
+            </a:fillRef>
+            <a:effectRef idx="0">
+              <a:schemeClr val="accent1"/>
+            </a:effectRef>
+            <a:fontRef idx="minor">
+              <a:schemeClr val="lt1"/>
+            </a:fontRef>
+          </p:style>
+          <p:txBody>
+            <a:bodyPr rtlCol="0" anchor="ctr"/>
+            <a:lstStyle/>
+            <a:p>
+              <a:pPr algn="ctr"/>
+              <a:endParaRPr lang="en-US"/>
+            </a:p>
+          </p:txBody>
+        </p:sp>
+      </p:grpSp>
+      <p:sp>
+        <p:nvSpPr>
+          <p:cNvPr id="23" name="TextBox 22"/>
+          <p:cNvSpPr txBox="1"/>
+          <p:nvPr/>
+        </p:nvSpPr>
+        <p:spPr>
+          <a:xfrm>
+            <a:off x="9144000" y="0"/>
+            <a:ext cx="872355" cy="3046988"/>
+          </a:xfrm>
+          <a:prstGeom prst="rect">
+            <a:avLst/>
+          </a:prstGeom>
+          <a:noFill/>
+        </p:spPr>
+        <p:txBody>
+          <a:bodyPr wrap="none" rtlCol="0">
+            <a:spAutoFit/>
+          </a:bodyPr>
+          <a:lstStyle/>
+          <a:p>
+            <a:pPr algn="ctr"/>
+            <a:r>
+              <a:rPr lang="en-US" sz="9600" dirty="0" smtClean="0">
+                <a:latin typeface="AR JULIAN" panose="02000000000000000000" pitchFamily="2" charset="0"/>
+              </a:rPr>
+              <a:t>7</a:t>
+            </a:r>
+          </a:p>
+          <a:p>
+            <a:pPr algn="ctr"/>
+            <a:r>
+              <a:rPr lang="en-US" sz="9600" dirty="0" smtClean="0">
+                <a:latin typeface="AR JULIAN" panose="02000000000000000000" pitchFamily="2" charset="0"/>
+              </a:rPr>
+              <a:t>8</a:t>
+            </a:r>
+            <a:endParaRPr lang="en-US" sz="9600" dirty="0">
+              <a:latin typeface="AR JULIAN" panose="02000000000000000000" pitchFamily="2" charset="0"/>
+            </a:endParaRPr>
+          </a:p>
+        </p:txBody>
+      </p:sp>
+    </p:spTree>
+    <p:extLst>
+      <p:ext uri="{BB962C8B-B14F-4D97-AF65-F5344CB8AC3E}">
+        <p14:creationId xmlns:p14="http://schemas.microsoft.com/office/powerpoint/2010/main" val="3534429968"/>
+      </p:ext>
+    </p:extLst>
+  </p:cSld>
+  <p:clrMapOvr>
+    <a:masterClrMapping/>
+  </p:clrMapOvr>
+</p:sld>
+</file>
+
 <file path=ppt/theme/theme1.xml><?xml version="1.0" encoding="utf-8"?>
 <a:theme xmlns:a="http://schemas.openxmlformats.org/drawingml/2006/main" name="Office Theme">
   <a:themeElements>

--- a/Presentation1.pptx
+++ b/Presentation1.pptx
@@ -4113,472 +4113,83 @@
           <a:chExt cx="0" cy="0"/>
         </a:xfrm>
       </p:grpSpPr>
-      <p:sp>
-        <p:nvSpPr>
-          <p:cNvPr id="18" name="TextBox 17"/>
-          <p:cNvSpPr txBox="1"/>
-          <p:nvPr/>
-        </p:nvSpPr>
-        <p:spPr>
-          <a:xfrm>
-            <a:off x="5486400" y="0"/>
-            <a:ext cx="934872" cy="3046988"/>
-          </a:xfrm>
-          <a:prstGeom prst="rect">
-            <a:avLst/>
-          </a:prstGeom>
-          <a:noFill/>
-        </p:spPr>
-        <p:txBody>
-          <a:bodyPr wrap="none" rtlCol="0">
-            <a:spAutoFit/>
-          </a:bodyPr>
-          <a:lstStyle/>
-          <a:p>
-            <a:pPr algn="ctr"/>
-            <a:r>
-              <a:rPr lang="en-US" sz="9600" dirty="0" smtClean="0">
-                <a:latin typeface="AR JULIAN" panose="02000000000000000000" pitchFamily="2" charset="0"/>
-              </a:rPr>
-              <a:t>5</a:t>
-            </a:r>
-          </a:p>
-          <a:p>
-            <a:pPr algn="ctr"/>
-            <a:r>
-              <a:rPr lang="en-US" sz="9600" dirty="0">
-                <a:latin typeface="AR JULIAN" panose="02000000000000000000" pitchFamily="2" charset="0"/>
-              </a:rPr>
-              <a:t>4</a:t>
-            </a:r>
-          </a:p>
-        </p:txBody>
-      </p:sp>
-      <p:sp>
-        <p:nvSpPr>
-          <p:cNvPr id="27" name="Freeform 26"/>
-          <p:cNvSpPr/>
-          <p:nvPr/>
-        </p:nvSpPr>
-        <p:spPr>
-          <a:xfrm>
-            <a:off x="4572000" y="0"/>
-            <a:ext cx="1828800" cy="2743200"/>
-          </a:xfrm>
-          <a:custGeom>
-            <a:avLst/>
-            <a:gdLst>
-              <a:gd name="connsiteX0" fmla="*/ 685800 w 1828800"/>
-              <a:gd name="connsiteY0" fmla="*/ 0 h 2743200"/>
-              <a:gd name="connsiteX1" fmla="*/ 1143000 w 1828800"/>
-              <a:gd name="connsiteY1" fmla="*/ 0 h 2743200"/>
-              <a:gd name="connsiteX2" fmla="*/ 1828800 w 1828800"/>
-              <a:gd name="connsiteY2" fmla="*/ 2743200 h 2743200"/>
-              <a:gd name="connsiteX3" fmla="*/ 0 w 1828800"/>
-              <a:gd name="connsiteY3" fmla="*/ 2743200 h 2743200"/>
-            </a:gdLst>
-            <a:ahLst/>
-            <a:cxnLst>
-              <a:cxn ang="0">
-                <a:pos x="connsiteX0" y="connsiteY0"/>
-              </a:cxn>
-              <a:cxn ang="0">
-                <a:pos x="connsiteX1" y="connsiteY1"/>
-              </a:cxn>
-              <a:cxn ang="0">
-                <a:pos x="connsiteX2" y="connsiteY2"/>
-              </a:cxn>
-              <a:cxn ang="0">
-                <a:pos x="connsiteX3" y="connsiteY3"/>
-              </a:cxn>
-            </a:cxnLst>
-            <a:rect l="l" t="t" r="r" b="b"/>
-            <a:pathLst>
-              <a:path w="1828800" h="2743200">
-                <a:moveTo>
-                  <a:pt x="685800" y="0"/>
-                </a:moveTo>
-                <a:lnTo>
-                  <a:pt x="1143000" y="0"/>
-                </a:lnTo>
-                <a:lnTo>
-                  <a:pt x="1828800" y="2743200"/>
-                </a:lnTo>
-                <a:lnTo>
-                  <a:pt x="0" y="2743200"/>
-                </a:lnTo>
-                <a:close/>
-              </a:path>
-            </a:pathLst>
-          </a:custGeom>
-          <a:solidFill>
-            <a:schemeClr val="bg1"/>
-          </a:solidFill>
-          <a:ln>
-            <a:noFill/>
-          </a:ln>
-        </p:spPr>
-        <p:style>
-          <a:lnRef idx="2">
-            <a:schemeClr val="accent1">
-              <a:shade val="50000"/>
-            </a:schemeClr>
-          </a:lnRef>
-          <a:fillRef idx="1">
-            <a:schemeClr val="accent1"/>
-          </a:fillRef>
-          <a:effectRef idx="0">
-            <a:schemeClr val="accent1"/>
-          </a:effectRef>
-          <a:fontRef idx="minor">
-            <a:schemeClr val="lt1"/>
-          </a:fontRef>
-        </p:style>
-        <p:txBody>
-          <a:bodyPr rtlCol="0" anchor="ctr"/>
-          <a:lstStyle/>
-          <a:p>
-            <a:pPr algn="ctr"/>
-            <a:endParaRPr lang="en-US"/>
-          </a:p>
-        </p:txBody>
-      </p:sp>
-      <p:sp>
-        <p:nvSpPr>
-          <p:cNvPr id="20" name="TextBox 19"/>
-          <p:cNvSpPr txBox="1"/>
-          <p:nvPr/>
-        </p:nvSpPr>
-        <p:spPr>
-          <a:xfrm>
-            <a:off x="3657600" y="0"/>
-            <a:ext cx="934872" cy="3046988"/>
-          </a:xfrm>
-          <a:prstGeom prst="rect">
-            <a:avLst/>
-          </a:prstGeom>
-          <a:noFill/>
-        </p:spPr>
-        <p:txBody>
-          <a:bodyPr wrap="none" rtlCol="0">
-            <a:spAutoFit/>
-          </a:bodyPr>
-          <a:lstStyle/>
-          <a:p>
-            <a:pPr algn="ctr"/>
-            <a:r>
-              <a:rPr lang="en-US" sz="9600" dirty="0">
-                <a:latin typeface="AR JULIAN" panose="02000000000000000000" pitchFamily="2" charset="0"/>
-              </a:rPr>
-              <a:t>4</a:t>
-            </a:r>
-            <a:endParaRPr lang="en-US" sz="9600" dirty="0" smtClean="0">
-              <a:latin typeface="AR JULIAN" panose="02000000000000000000" pitchFamily="2" charset="0"/>
-            </a:endParaRPr>
-          </a:p>
-          <a:p>
-            <a:pPr algn="ctr"/>
-            <a:r>
-              <a:rPr lang="en-US" sz="9600" dirty="0">
-                <a:latin typeface="AR JULIAN" panose="02000000000000000000" pitchFamily="2" charset="0"/>
-              </a:rPr>
-              <a:t>4</a:t>
-            </a:r>
-          </a:p>
-        </p:txBody>
-      </p:sp>
-      <p:sp>
-        <p:nvSpPr>
-          <p:cNvPr id="21" name="TextBox 20"/>
-          <p:cNvSpPr txBox="1"/>
-          <p:nvPr/>
-        </p:nvSpPr>
-        <p:spPr>
-          <a:xfrm>
-            <a:off x="1828800" y="0"/>
-            <a:ext cx="934872" cy="3046988"/>
-          </a:xfrm>
-          <a:prstGeom prst="rect">
-            <a:avLst/>
-          </a:prstGeom>
-          <a:noFill/>
-        </p:spPr>
-        <p:txBody>
-          <a:bodyPr wrap="none" rtlCol="0">
-            <a:spAutoFit/>
-          </a:bodyPr>
-          <a:lstStyle/>
-          <a:p>
-            <a:pPr algn="ctr"/>
-            <a:r>
-              <a:rPr lang="en-US" sz="9600" dirty="0" smtClean="0">
-                <a:latin typeface="AR JULIAN" panose="02000000000000000000" pitchFamily="2" charset="0"/>
-              </a:rPr>
-              <a:t>3</a:t>
-            </a:r>
-          </a:p>
-          <a:p>
-            <a:pPr algn="ctr"/>
-            <a:r>
-              <a:rPr lang="en-US" sz="9600" dirty="0">
-                <a:latin typeface="AR JULIAN" panose="02000000000000000000" pitchFamily="2" charset="0"/>
-              </a:rPr>
-              <a:t>4</a:t>
-            </a:r>
-          </a:p>
-        </p:txBody>
-      </p:sp>
-      <p:sp>
-        <p:nvSpPr>
-          <p:cNvPr id="22" name="TextBox 21"/>
-          <p:cNvSpPr txBox="1"/>
-          <p:nvPr/>
-        </p:nvSpPr>
-        <p:spPr>
-          <a:xfrm>
-            <a:off x="7315200" y="0"/>
-            <a:ext cx="872355" cy="3046988"/>
-          </a:xfrm>
-          <a:prstGeom prst="rect">
-            <a:avLst/>
-          </a:prstGeom>
-          <a:noFill/>
-        </p:spPr>
-        <p:txBody>
-          <a:bodyPr wrap="none" rtlCol="0">
-            <a:spAutoFit/>
-          </a:bodyPr>
-          <a:lstStyle/>
-          <a:p>
-            <a:pPr algn="ctr"/>
-            <a:r>
-              <a:rPr lang="en-US" sz="9600" dirty="0">
-                <a:latin typeface="AR JULIAN" panose="02000000000000000000" pitchFamily="2" charset="0"/>
-              </a:rPr>
-              <a:t>6</a:t>
-            </a:r>
-            <a:endParaRPr lang="en-US" sz="9600" dirty="0" smtClean="0">
-              <a:latin typeface="AR JULIAN" panose="02000000000000000000" pitchFamily="2" charset="0"/>
-            </a:endParaRPr>
-          </a:p>
-          <a:p>
-            <a:pPr algn="ctr"/>
-            <a:r>
-              <a:rPr lang="en-US" sz="9600" dirty="0" smtClean="0">
-                <a:latin typeface="AR JULIAN" panose="02000000000000000000" pitchFamily="2" charset="0"/>
-              </a:rPr>
-              <a:t>8</a:t>
-            </a:r>
-            <a:endParaRPr lang="en-US" sz="9600" dirty="0">
-              <a:latin typeface="AR JULIAN" panose="02000000000000000000" pitchFamily="2" charset="0"/>
-            </a:endParaRPr>
-          </a:p>
-        </p:txBody>
-      </p:sp>
-      <p:sp>
-        <p:nvSpPr>
-          <p:cNvPr id="9" name="Freeform 8"/>
-          <p:cNvSpPr/>
-          <p:nvPr/>
-        </p:nvSpPr>
-        <p:spPr>
-          <a:xfrm>
-            <a:off x="4572000" y="0"/>
-            <a:ext cx="1828800" cy="2743200"/>
-          </a:xfrm>
-          <a:custGeom>
-            <a:avLst/>
-            <a:gdLst>
-              <a:gd name="connsiteX0" fmla="*/ 742950 w 1828800"/>
-              <a:gd name="connsiteY0" fmla="*/ 228600 h 2743200"/>
-              <a:gd name="connsiteX1" fmla="*/ 228600 w 1828800"/>
-              <a:gd name="connsiteY1" fmla="*/ 2514600 h 2743200"/>
-              <a:gd name="connsiteX2" fmla="*/ 1600200 w 1828800"/>
-              <a:gd name="connsiteY2" fmla="*/ 2514600 h 2743200"/>
-              <a:gd name="connsiteX3" fmla="*/ 1085850 w 1828800"/>
-              <a:gd name="connsiteY3" fmla="*/ 228600 h 2743200"/>
-              <a:gd name="connsiteX4" fmla="*/ 685800 w 1828800"/>
-              <a:gd name="connsiteY4" fmla="*/ 0 h 2743200"/>
-              <a:gd name="connsiteX5" fmla="*/ 1143000 w 1828800"/>
-              <a:gd name="connsiteY5" fmla="*/ 0 h 2743200"/>
-              <a:gd name="connsiteX6" fmla="*/ 1828800 w 1828800"/>
-              <a:gd name="connsiteY6" fmla="*/ 2743200 h 2743200"/>
-              <a:gd name="connsiteX7" fmla="*/ 0 w 1828800"/>
-              <a:gd name="connsiteY7" fmla="*/ 2743200 h 2743200"/>
-            </a:gdLst>
-            <a:ahLst/>
-            <a:cxnLst>
-              <a:cxn ang="0">
-                <a:pos x="connsiteX0" y="connsiteY0"/>
-              </a:cxn>
-              <a:cxn ang="0">
-                <a:pos x="connsiteX1" y="connsiteY1"/>
-              </a:cxn>
-              <a:cxn ang="0">
-                <a:pos x="connsiteX2" y="connsiteY2"/>
-              </a:cxn>
-              <a:cxn ang="0">
-                <a:pos x="connsiteX3" y="connsiteY3"/>
-              </a:cxn>
-              <a:cxn ang="0">
-                <a:pos x="connsiteX4" y="connsiteY4"/>
-              </a:cxn>
-              <a:cxn ang="0">
-                <a:pos x="connsiteX5" y="connsiteY5"/>
-              </a:cxn>
-              <a:cxn ang="0">
-                <a:pos x="connsiteX6" y="connsiteY6"/>
-              </a:cxn>
-              <a:cxn ang="0">
-                <a:pos x="connsiteX7" y="connsiteY7"/>
-              </a:cxn>
-            </a:cxnLst>
-            <a:rect l="l" t="t" r="r" b="b"/>
-            <a:pathLst>
-              <a:path w="1828800" h="2743200">
-                <a:moveTo>
-                  <a:pt x="742950" y="228600"/>
-                </a:moveTo>
-                <a:lnTo>
-                  <a:pt x="228600" y="2514600"/>
-                </a:lnTo>
-                <a:lnTo>
-                  <a:pt x="1600200" y="2514600"/>
-                </a:lnTo>
-                <a:lnTo>
-                  <a:pt x="1085850" y="228600"/>
-                </a:lnTo>
-                <a:close/>
-                <a:moveTo>
-                  <a:pt x="685800" y="0"/>
-                </a:moveTo>
-                <a:lnTo>
-                  <a:pt x="1143000" y="0"/>
-                </a:lnTo>
-                <a:lnTo>
-                  <a:pt x="1828800" y="2743200"/>
-                </a:lnTo>
-                <a:lnTo>
-                  <a:pt x="0" y="2743200"/>
-                </a:lnTo>
-                <a:close/>
-              </a:path>
-            </a:pathLst>
-          </a:custGeom>
-          <a:solidFill>
-            <a:srgbClr val="333333"/>
-          </a:solidFill>
-          <a:ln>
-            <a:noFill/>
-          </a:ln>
-        </p:spPr>
-        <p:style>
-          <a:lnRef idx="2">
-            <a:schemeClr val="accent1">
-              <a:shade val="50000"/>
-            </a:schemeClr>
-          </a:lnRef>
-          <a:fillRef idx="1">
-            <a:schemeClr val="accent1"/>
-          </a:fillRef>
-          <a:effectRef idx="0">
-            <a:schemeClr val="accent1"/>
-          </a:effectRef>
-          <a:fontRef idx="minor">
-            <a:schemeClr val="lt1"/>
-          </a:fontRef>
-        </p:style>
-        <p:txBody>
-          <a:bodyPr rtlCol="0" anchor="ctr"/>
-          <a:lstStyle/>
-          <a:p>
-            <a:pPr algn="ctr"/>
-            <a:endParaRPr lang="en-US"/>
-          </a:p>
-        </p:txBody>
-      </p:sp>
-      <p:sp>
-        <p:nvSpPr>
-          <p:cNvPr id="10" name="Rectangle 9"/>
-          <p:cNvSpPr/>
-          <p:nvPr/>
-        </p:nvSpPr>
-        <p:spPr>
-          <a:xfrm>
-            <a:off x="5444837" y="457200"/>
-            <a:ext cx="91440" cy="2286000"/>
-          </a:xfrm>
-          <a:prstGeom prst="rect">
-            <a:avLst/>
-          </a:prstGeom>
-          <a:solidFill>
-            <a:srgbClr val="333333"/>
-          </a:solidFill>
-          <a:ln>
-            <a:noFill/>
-          </a:ln>
-        </p:spPr>
-        <p:style>
-          <a:lnRef idx="2">
-            <a:schemeClr val="accent1">
-              <a:shade val="50000"/>
-            </a:schemeClr>
-          </a:lnRef>
-          <a:fillRef idx="1">
-            <a:schemeClr val="accent1"/>
-          </a:fillRef>
-          <a:effectRef idx="0">
-            <a:schemeClr val="accent1"/>
-          </a:effectRef>
-          <a:fontRef idx="minor">
-            <a:schemeClr val="lt1"/>
-          </a:fontRef>
-        </p:style>
-        <p:txBody>
-          <a:bodyPr rtlCol="0" anchor="ctr"/>
-          <a:lstStyle/>
-          <a:p>
-            <a:pPr algn="ctr"/>
-            <a:endParaRPr lang="en-US"/>
-          </a:p>
-        </p:txBody>
-      </p:sp>
       <p:grpSp>
         <p:nvGrpSpPr>
-          <p:cNvPr id="17" name="Group 16"/>
+          <p:cNvPr id="29" name="Group 28"/>
           <p:cNvGrpSpPr/>
           <p:nvPr/>
         </p:nvGrpSpPr>
         <p:grpSpPr>
-          <a:xfrm rot="1800000">
-            <a:off x="5997961" y="457199"/>
-            <a:ext cx="274320" cy="2286000"/>
-            <a:chOff x="11162674" y="2671947"/>
-            <a:chExt cx="274320" cy="2286000"/>
+          <a:xfrm>
+            <a:off x="1828800" y="0"/>
+            <a:ext cx="8187555" cy="3046988"/>
+            <a:chOff x="1828800" y="0"/>
+            <a:chExt cx="8187555" cy="3046988"/>
           </a:xfrm>
         </p:grpSpPr>
         <p:sp>
           <p:nvSpPr>
-            <p:cNvPr id="14" name="Freeform 13"/>
+            <p:cNvPr id="18" name="TextBox 17"/>
+            <p:cNvSpPr txBox="1"/>
+            <p:nvPr/>
+          </p:nvSpPr>
+          <p:spPr>
+            <a:xfrm>
+              <a:off x="5486400" y="0"/>
+              <a:ext cx="934872" cy="3046988"/>
+            </a:xfrm>
+            <a:prstGeom prst="rect">
+              <a:avLst/>
+            </a:prstGeom>
+            <a:noFill/>
+          </p:spPr>
+          <p:txBody>
+            <a:bodyPr wrap="none" rtlCol="0">
+              <a:spAutoFit/>
+            </a:bodyPr>
+            <a:lstStyle/>
+            <a:p>
+              <a:pPr algn="ctr"/>
+              <a:r>
+                <a:rPr lang="en-US" sz="9600" dirty="0" smtClean="0">
+                  <a:latin typeface="AR JULIAN" panose="02000000000000000000" pitchFamily="2" charset="0"/>
+                </a:rPr>
+                <a:t>5</a:t>
+              </a:r>
+            </a:p>
+            <a:p>
+              <a:pPr algn="ctr"/>
+              <a:r>
+                <a:rPr lang="en-US" sz="9600" dirty="0">
+                  <a:latin typeface="AR JULIAN" panose="02000000000000000000" pitchFamily="2" charset="0"/>
+                </a:rPr>
+                <a:t>4</a:t>
+              </a:r>
+            </a:p>
+          </p:txBody>
+        </p:sp>
+        <p:sp>
+          <p:nvSpPr>
+            <p:cNvPr id="27" name="Freeform 26"/>
             <p:cNvSpPr/>
             <p:nvPr/>
           </p:nvSpPr>
           <p:spPr>
-            <a:xfrm rot="10800000">
-              <a:off x="11162674" y="2671947"/>
-              <a:ext cx="274320" cy="274320"/>
+            <a:xfrm>
+              <a:off x="4572000" y="0"/>
+              <a:ext cx="1828800" cy="2743200"/>
             </a:xfrm>
             <a:custGeom>
               <a:avLst/>
               <a:gdLst>
-                <a:gd name="connsiteX0" fmla="*/ 82296 w 274320"/>
-                <a:gd name="connsiteY0" fmla="*/ 0 h 274320"/>
-                <a:gd name="connsiteX1" fmla="*/ 192024 w 274320"/>
-                <a:gd name="connsiteY1" fmla="*/ 0 h 274320"/>
-                <a:gd name="connsiteX2" fmla="*/ 274320 w 274320"/>
-                <a:gd name="connsiteY2" fmla="*/ 274320 h 274320"/>
-                <a:gd name="connsiteX3" fmla="*/ 0 w 274320"/>
-                <a:gd name="connsiteY3" fmla="*/ 274320 h 274320"/>
+                <a:gd name="connsiteX0" fmla="*/ 685800 w 1828800"/>
+                <a:gd name="connsiteY0" fmla="*/ 0 h 2743200"/>
+                <a:gd name="connsiteX1" fmla="*/ 1143000 w 1828800"/>
+                <a:gd name="connsiteY1" fmla="*/ 0 h 2743200"/>
+                <a:gd name="connsiteX2" fmla="*/ 1828800 w 1828800"/>
+                <a:gd name="connsiteY2" fmla="*/ 2743200 h 2743200"/>
+                <a:gd name="connsiteX3" fmla="*/ 0 w 1828800"/>
+                <a:gd name="connsiteY3" fmla="*/ 2743200 h 2743200"/>
               </a:gdLst>
               <a:ahLst/>
               <a:cxnLst>
@@ -4597,18 +4208,272 @@
               </a:cxnLst>
               <a:rect l="l" t="t" r="r" b="b"/>
               <a:pathLst>
-                <a:path w="274320" h="274320">
+                <a:path w="1828800" h="2743200">
                   <a:moveTo>
-                    <a:pt x="82296" y="0"/>
+                    <a:pt x="685800" y="0"/>
                   </a:moveTo>
                   <a:lnTo>
-                    <a:pt x="192024" y="0"/>
+                    <a:pt x="1143000" y="0"/>
                   </a:lnTo>
                   <a:lnTo>
-                    <a:pt x="274320" y="274320"/>
+                    <a:pt x="1828800" y="2743200"/>
                   </a:lnTo>
                   <a:lnTo>
-                    <a:pt x="0" y="274320"/>
+                    <a:pt x="0" y="2743200"/>
+                  </a:lnTo>
+                  <a:close/>
+                </a:path>
+              </a:pathLst>
+            </a:custGeom>
+            <a:solidFill>
+              <a:schemeClr val="bg1"/>
+            </a:solidFill>
+            <a:ln>
+              <a:noFill/>
+            </a:ln>
+          </p:spPr>
+          <p:style>
+            <a:lnRef idx="2">
+              <a:schemeClr val="accent1">
+                <a:shade val="50000"/>
+              </a:schemeClr>
+            </a:lnRef>
+            <a:fillRef idx="1">
+              <a:schemeClr val="accent1"/>
+            </a:fillRef>
+            <a:effectRef idx="0">
+              <a:schemeClr val="accent1"/>
+            </a:effectRef>
+            <a:fontRef idx="minor">
+              <a:schemeClr val="lt1"/>
+            </a:fontRef>
+          </p:style>
+          <p:txBody>
+            <a:bodyPr rtlCol="0" anchor="ctr"/>
+            <a:lstStyle/>
+            <a:p>
+              <a:pPr algn="ctr"/>
+              <a:endParaRPr lang="en-US"/>
+            </a:p>
+          </p:txBody>
+        </p:sp>
+        <p:sp>
+          <p:nvSpPr>
+            <p:cNvPr id="20" name="TextBox 19"/>
+            <p:cNvSpPr txBox="1"/>
+            <p:nvPr/>
+          </p:nvSpPr>
+          <p:spPr>
+            <a:xfrm>
+              <a:off x="3657600" y="0"/>
+              <a:ext cx="934872" cy="3046988"/>
+            </a:xfrm>
+            <a:prstGeom prst="rect">
+              <a:avLst/>
+            </a:prstGeom>
+            <a:noFill/>
+          </p:spPr>
+          <p:txBody>
+            <a:bodyPr wrap="none" rtlCol="0">
+              <a:spAutoFit/>
+            </a:bodyPr>
+            <a:lstStyle/>
+            <a:p>
+              <a:pPr algn="ctr"/>
+              <a:r>
+                <a:rPr lang="en-US" sz="9600" dirty="0">
+                  <a:latin typeface="AR JULIAN" panose="02000000000000000000" pitchFamily="2" charset="0"/>
+                </a:rPr>
+                <a:t>4</a:t>
+              </a:r>
+              <a:endParaRPr lang="en-US" sz="9600" dirty="0" smtClean="0">
+                <a:latin typeface="AR JULIAN" panose="02000000000000000000" pitchFamily="2" charset="0"/>
+              </a:endParaRPr>
+            </a:p>
+            <a:p>
+              <a:pPr algn="ctr"/>
+              <a:r>
+                <a:rPr lang="en-US" sz="9600" dirty="0">
+                  <a:latin typeface="AR JULIAN" panose="02000000000000000000" pitchFamily="2" charset="0"/>
+                </a:rPr>
+                <a:t>4</a:t>
+              </a:r>
+            </a:p>
+          </p:txBody>
+        </p:sp>
+        <p:sp>
+          <p:nvSpPr>
+            <p:cNvPr id="21" name="TextBox 20"/>
+            <p:cNvSpPr txBox="1"/>
+            <p:nvPr/>
+          </p:nvSpPr>
+          <p:spPr>
+            <a:xfrm>
+              <a:off x="1828800" y="0"/>
+              <a:ext cx="934872" cy="3046988"/>
+            </a:xfrm>
+            <a:prstGeom prst="rect">
+              <a:avLst/>
+            </a:prstGeom>
+            <a:noFill/>
+          </p:spPr>
+          <p:txBody>
+            <a:bodyPr wrap="none" rtlCol="0">
+              <a:spAutoFit/>
+            </a:bodyPr>
+            <a:lstStyle/>
+            <a:p>
+              <a:pPr algn="ctr"/>
+              <a:r>
+                <a:rPr lang="en-US" sz="9600" dirty="0" smtClean="0">
+                  <a:latin typeface="AR JULIAN" panose="02000000000000000000" pitchFamily="2" charset="0"/>
+                </a:rPr>
+                <a:t>3</a:t>
+              </a:r>
+            </a:p>
+            <a:p>
+              <a:pPr algn="ctr"/>
+              <a:r>
+                <a:rPr lang="en-US" sz="9600" dirty="0">
+                  <a:latin typeface="AR JULIAN" panose="02000000000000000000" pitchFamily="2" charset="0"/>
+                </a:rPr>
+                <a:t>4</a:t>
+              </a:r>
+            </a:p>
+          </p:txBody>
+        </p:sp>
+        <p:sp>
+          <p:nvSpPr>
+            <p:cNvPr id="22" name="TextBox 21"/>
+            <p:cNvSpPr txBox="1"/>
+            <p:nvPr/>
+          </p:nvSpPr>
+          <p:spPr>
+            <a:xfrm>
+              <a:off x="7315200" y="0"/>
+              <a:ext cx="872355" cy="3046988"/>
+            </a:xfrm>
+            <a:prstGeom prst="rect">
+              <a:avLst/>
+            </a:prstGeom>
+            <a:noFill/>
+          </p:spPr>
+          <p:txBody>
+            <a:bodyPr wrap="none" rtlCol="0">
+              <a:spAutoFit/>
+            </a:bodyPr>
+            <a:lstStyle/>
+            <a:p>
+              <a:pPr algn="ctr"/>
+              <a:r>
+                <a:rPr lang="en-US" sz="9600" dirty="0">
+                  <a:latin typeface="AR JULIAN" panose="02000000000000000000" pitchFamily="2" charset="0"/>
+                </a:rPr>
+                <a:t>6</a:t>
+              </a:r>
+              <a:endParaRPr lang="en-US" sz="9600" dirty="0" smtClean="0">
+                <a:latin typeface="AR JULIAN" panose="02000000000000000000" pitchFamily="2" charset="0"/>
+              </a:endParaRPr>
+            </a:p>
+            <a:p>
+              <a:pPr algn="ctr"/>
+              <a:r>
+                <a:rPr lang="en-US" sz="9600" dirty="0" smtClean="0">
+                  <a:latin typeface="AR JULIAN" panose="02000000000000000000" pitchFamily="2" charset="0"/>
+                </a:rPr>
+                <a:t>8</a:t>
+              </a:r>
+              <a:endParaRPr lang="en-US" sz="9600" dirty="0">
+                <a:latin typeface="AR JULIAN" panose="02000000000000000000" pitchFamily="2" charset="0"/>
+              </a:endParaRPr>
+            </a:p>
+          </p:txBody>
+        </p:sp>
+        <p:sp>
+          <p:nvSpPr>
+            <p:cNvPr id="9" name="Freeform 8"/>
+            <p:cNvSpPr/>
+            <p:nvPr/>
+          </p:nvSpPr>
+          <p:spPr>
+            <a:xfrm>
+              <a:off x="4572000" y="0"/>
+              <a:ext cx="1828800" cy="2743200"/>
+            </a:xfrm>
+            <a:custGeom>
+              <a:avLst/>
+              <a:gdLst>
+                <a:gd name="connsiteX0" fmla="*/ 742950 w 1828800"/>
+                <a:gd name="connsiteY0" fmla="*/ 228600 h 2743200"/>
+                <a:gd name="connsiteX1" fmla="*/ 228600 w 1828800"/>
+                <a:gd name="connsiteY1" fmla="*/ 2514600 h 2743200"/>
+                <a:gd name="connsiteX2" fmla="*/ 1600200 w 1828800"/>
+                <a:gd name="connsiteY2" fmla="*/ 2514600 h 2743200"/>
+                <a:gd name="connsiteX3" fmla="*/ 1085850 w 1828800"/>
+                <a:gd name="connsiteY3" fmla="*/ 228600 h 2743200"/>
+                <a:gd name="connsiteX4" fmla="*/ 685800 w 1828800"/>
+                <a:gd name="connsiteY4" fmla="*/ 0 h 2743200"/>
+                <a:gd name="connsiteX5" fmla="*/ 1143000 w 1828800"/>
+                <a:gd name="connsiteY5" fmla="*/ 0 h 2743200"/>
+                <a:gd name="connsiteX6" fmla="*/ 1828800 w 1828800"/>
+                <a:gd name="connsiteY6" fmla="*/ 2743200 h 2743200"/>
+                <a:gd name="connsiteX7" fmla="*/ 0 w 1828800"/>
+                <a:gd name="connsiteY7" fmla="*/ 2743200 h 2743200"/>
+              </a:gdLst>
+              <a:ahLst/>
+              <a:cxnLst>
+                <a:cxn ang="0">
+                  <a:pos x="connsiteX0" y="connsiteY0"/>
+                </a:cxn>
+                <a:cxn ang="0">
+                  <a:pos x="connsiteX1" y="connsiteY1"/>
+                </a:cxn>
+                <a:cxn ang="0">
+                  <a:pos x="connsiteX2" y="connsiteY2"/>
+                </a:cxn>
+                <a:cxn ang="0">
+                  <a:pos x="connsiteX3" y="connsiteY3"/>
+                </a:cxn>
+                <a:cxn ang="0">
+                  <a:pos x="connsiteX4" y="connsiteY4"/>
+                </a:cxn>
+                <a:cxn ang="0">
+                  <a:pos x="connsiteX5" y="connsiteY5"/>
+                </a:cxn>
+                <a:cxn ang="0">
+                  <a:pos x="connsiteX6" y="connsiteY6"/>
+                </a:cxn>
+                <a:cxn ang="0">
+                  <a:pos x="connsiteX7" y="connsiteY7"/>
+                </a:cxn>
+              </a:cxnLst>
+              <a:rect l="l" t="t" r="r" b="b"/>
+              <a:pathLst>
+                <a:path w="1828800" h="2743200">
+                  <a:moveTo>
+                    <a:pt x="742950" y="228600"/>
+                  </a:moveTo>
+                  <a:lnTo>
+                    <a:pt x="228600" y="2514600"/>
+                  </a:lnTo>
+                  <a:lnTo>
+                    <a:pt x="1600200" y="2514600"/>
+                  </a:lnTo>
+                  <a:lnTo>
+                    <a:pt x="1085850" y="228600"/>
+                  </a:lnTo>
+                  <a:close/>
+                  <a:moveTo>
+                    <a:pt x="685800" y="0"/>
+                  </a:moveTo>
+                  <a:lnTo>
+                    <a:pt x="1143000" y="0"/>
+                  </a:lnTo>
+                  <a:lnTo>
+                    <a:pt x="1828800" y="2743200"/>
+                  </a:lnTo>
+                  <a:lnTo>
+                    <a:pt x="0" y="2743200"/>
                   </a:lnTo>
                   <a:close/>
                 </a:path>
@@ -4648,13 +4513,13 @@
         </p:sp>
         <p:sp>
           <p:nvSpPr>
-            <p:cNvPr id="15" name="Rectangle 14"/>
+            <p:cNvPr id="10" name="Rectangle 9"/>
             <p:cNvSpPr/>
             <p:nvPr/>
           </p:nvSpPr>
           <p:spPr>
             <a:xfrm>
-              <a:off x="11254114" y="2671947"/>
+              <a:off x="5444837" y="457200"/>
               <a:ext cx="91440" cy="2286000"/>
             </a:xfrm>
             <a:prstGeom prst="rect">
@@ -4692,51 +4557,201 @@
             </a:p>
           </p:txBody>
         </p:sp>
+        <p:grpSp>
+          <p:nvGrpSpPr>
+            <p:cNvPr id="17" name="Group 16"/>
+            <p:cNvGrpSpPr/>
+            <p:nvPr/>
+          </p:nvGrpSpPr>
+          <p:grpSpPr>
+            <a:xfrm rot="1800000">
+              <a:off x="5997961" y="457199"/>
+              <a:ext cx="274320" cy="2286000"/>
+              <a:chOff x="11162674" y="2671947"/>
+              <a:chExt cx="274320" cy="2286000"/>
+            </a:xfrm>
+          </p:grpSpPr>
+          <p:sp>
+            <p:nvSpPr>
+              <p:cNvPr id="14" name="Freeform 13"/>
+              <p:cNvSpPr/>
+              <p:nvPr/>
+            </p:nvSpPr>
+            <p:spPr>
+              <a:xfrm rot="10800000">
+                <a:off x="11162674" y="2671947"/>
+                <a:ext cx="274320" cy="274320"/>
+              </a:xfrm>
+              <a:custGeom>
+                <a:avLst/>
+                <a:gdLst>
+                  <a:gd name="connsiteX0" fmla="*/ 82296 w 274320"/>
+                  <a:gd name="connsiteY0" fmla="*/ 0 h 274320"/>
+                  <a:gd name="connsiteX1" fmla="*/ 192024 w 274320"/>
+                  <a:gd name="connsiteY1" fmla="*/ 0 h 274320"/>
+                  <a:gd name="connsiteX2" fmla="*/ 274320 w 274320"/>
+                  <a:gd name="connsiteY2" fmla="*/ 274320 h 274320"/>
+                  <a:gd name="connsiteX3" fmla="*/ 0 w 274320"/>
+                  <a:gd name="connsiteY3" fmla="*/ 274320 h 274320"/>
+                </a:gdLst>
+                <a:ahLst/>
+                <a:cxnLst>
+                  <a:cxn ang="0">
+                    <a:pos x="connsiteX0" y="connsiteY0"/>
+                  </a:cxn>
+                  <a:cxn ang="0">
+                    <a:pos x="connsiteX1" y="connsiteY1"/>
+                  </a:cxn>
+                  <a:cxn ang="0">
+                    <a:pos x="connsiteX2" y="connsiteY2"/>
+                  </a:cxn>
+                  <a:cxn ang="0">
+                    <a:pos x="connsiteX3" y="connsiteY3"/>
+                  </a:cxn>
+                </a:cxnLst>
+                <a:rect l="l" t="t" r="r" b="b"/>
+                <a:pathLst>
+                  <a:path w="274320" h="274320">
+                    <a:moveTo>
+                      <a:pt x="82296" y="0"/>
+                    </a:moveTo>
+                    <a:lnTo>
+                      <a:pt x="192024" y="0"/>
+                    </a:lnTo>
+                    <a:lnTo>
+                      <a:pt x="274320" y="274320"/>
+                    </a:lnTo>
+                    <a:lnTo>
+                      <a:pt x="0" y="274320"/>
+                    </a:lnTo>
+                    <a:close/>
+                  </a:path>
+                </a:pathLst>
+              </a:custGeom>
+              <a:solidFill>
+                <a:srgbClr val="333333"/>
+              </a:solidFill>
+              <a:ln>
+                <a:noFill/>
+              </a:ln>
+            </p:spPr>
+            <p:style>
+              <a:lnRef idx="2">
+                <a:schemeClr val="accent1">
+                  <a:shade val="50000"/>
+                </a:schemeClr>
+              </a:lnRef>
+              <a:fillRef idx="1">
+                <a:schemeClr val="accent1"/>
+              </a:fillRef>
+              <a:effectRef idx="0">
+                <a:schemeClr val="accent1"/>
+              </a:effectRef>
+              <a:fontRef idx="minor">
+                <a:schemeClr val="lt1"/>
+              </a:fontRef>
+            </p:style>
+            <p:txBody>
+              <a:bodyPr rtlCol="0" anchor="ctr"/>
+              <a:lstStyle/>
+              <a:p>
+                <a:pPr algn="ctr"/>
+                <a:endParaRPr lang="en-US"/>
+              </a:p>
+            </p:txBody>
+          </p:sp>
+          <p:sp>
+            <p:nvSpPr>
+              <p:cNvPr id="15" name="Rectangle 14"/>
+              <p:cNvSpPr/>
+              <p:nvPr/>
+            </p:nvSpPr>
+            <p:spPr>
+              <a:xfrm>
+                <a:off x="11254114" y="2671947"/>
+                <a:ext cx="91440" cy="2286000"/>
+              </a:xfrm>
+              <a:prstGeom prst="rect">
+                <a:avLst/>
+              </a:prstGeom>
+              <a:solidFill>
+                <a:srgbClr val="333333"/>
+              </a:solidFill>
+              <a:ln>
+                <a:noFill/>
+              </a:ln>
+            </p:spPr>
+            <p:style>
+              <a:lnRef idx="2">
+                <a:schemeClr val="accent1">
+                  <a:shade val="50000"/>
+                </a:schemeClr>
+              </a:lnRef>
+              <a:fillRef idx="1">
+                <a:schemeClr val="accent1"/>
+              </a:fillRef>
+              <a:effectRef idx="0">
+                <a:schemeClr val="accent1"/>
+              </a:effectRef>
+              <a:fontRef idx="minor">
+                <a:schemeClr val="lt1"/>
+              </a:fontRef>
+            </p:style>
+            <p:txBody>
+              <a:bodyPr rtlCol="0" anchor="ctr"/>
+              <a:lstStyle/>
+              <a:p>
+                <a:pPr algn="ctr"/>
+                <a:endParaRPr lang="en-US"/>
+              </a:p>
+            </p:txBody>
+          </p:sp>
+        </p:grpSp>
+        <p:sp>
+          <p:nvSpPr>
+            <p:cNvPr id="23" name="TextBox 22"/>
+            <p:cNvSpPr txBox="1"/>
+            <p:nvPr/>
+          </p:nvSpPr>
+          <p:spPr>
+            <a:xfrm>
+              <a:off x="9144000" y="0"/>
+              <a:ext cx="872355" cy="3046988"/>
+            </a:xfrm>
+            <a:prstGeom prst="rect">
+              <a:avLst/>
+            </a:prstGeom>
+            <a:noFill/>
+          </p:spPr>
+          <p:txBody>
+            <a:bodyPr wrap="none" rtlCol="0">
+              <a:spAutoFit/>
+            </a:bodyPr>
+            <a:lstStyle/>
+            <a:p>
+              <a:pPr algn="ctr"/>
+              <a:r>
+                <a:rPr lang="en-US" sz="9600" dirty="0" smtClean="0">
+                  <a:latin typeface="AR JULIAN" panose="02000000000000000000" pitchFamily="2" charset="0"/>
+                </a:rPr>
+                <a:t>7</a:t>
+              </a:r>
+            </a:p>
+            <a:p>
+              <a:pPr algn="ctr"/>
+              <a:r>
+                <a:rPr lang="en-US" sz="9600" dirty="0" smtClean="0">
+                  <a:latin typeface="AR JULIAN" panose="02000000000000000000" pitchFamily="2" charset="0"/>
+                </a:rPr>
+                <a:t>8</a:t>
+              </a:r>
+              <a:endParaRPr lang="en-US" sz="9600" dirty="0">
+                <a:latin typeface="AR JULIAN" panose="02000000000000000000" pitchFamily="2" charset="0"/>
+              </a:endParaRPr>
+            </a:p>
+          </p:txBody>
+        </p:sp>
       </p:grpSp>
-      <p:sp>
-        <p:nvSpPr>
-          <p:cNvPr id="23" name="TextBox 22"/>
-          <p:cNvSpPr txBox="1"/>
-          <p:nvPr/>
-        </p:nvSpPr>
-        <p:spPr>
-          <a:xfrm>
-            <a:off x="9144000" y="0"/>
-            <a:ext cx="872355" cy="3046988"/>
-          </a:xfrm>
-          <a:prstGeom prst="rect">
-            <a:avLst/>
-          </a:prstGeom>
-          <a:noFill/>
-        </p:spPr>
-        <p:txBody>
-          <a:bodyPr wrap="none" rtlCol="0">
-            <a:spAutoFit/>
-          </a:bodyPr>
-          <a:lstStyle/>
-          <a:p>
-            <a:pPr algn="ctr"/>
-            <a:r>
-              <a:rPr lang="en-US" sz="9600" dirty="0" smtClean="0">
-                <a:latin typeface="AR JULIAN" panose="02000000000000000000" pitchFamily="2" charset="0"/>
-              </a:rPr>
-              <a:t>7</a:t>
-            </a:r>
-          </a:p>
-          <a:p>
-            <a:pPr algn="ctr"/>
-            <a:r>
-              <a:rPr lang="en-US" sz="9600" dirty="0" smtClean="0">
-                <a:latin typeface="AR JULIAN" panose="02000000000000000000" pitchFamily="2" charset="0"/>
-              </a:rPr>
-              <a:t>8</a:t>
-            </a:r>
-            <a:endParaRPr lang="en-US" sz="9600" dirty="0">
-              <a:latin typeface="AR JULIAN" panose="02000000000000000000" pitchFamily="2" charset="0"/>
-            </a:endParaRPr>
-          </a:p>
-        </p:txBody>
-      </p:sp>
     </p:spTree>
     <p:extLst>
       <p:ext uri="{BB962C8B-B14F-4D97-AF65-F5344CB8AC3E}">

--- a/Presentation1.pptx
+++ b/Presentation1.pptx
@@ -10,6 +10,8 @@
     <p:sldId id="259" r:id="rId4"/>
     <p:sldId id="260" r:id="rId5"/>
     <p:sldId id="261" r:id="rId6"/>
+    <p:sldId id="262" r:id="rId7"/>
+    <p:sldId id="263" r:id="rId8"/>
   </p:sldIdLst>
   <p:sldSz cx="12192000" cy="6858000"/>
   <p:notesSz cx="6858000" cy="9144000"/>
@@ -247,7 +249,7 @@
           <a:p>
             <a:fld id="{F686C300-4B60-40C4-85AF-05819ECEBA59}" type="datetimeFigureOut">
               <a:rPr lang="en-US" smtClean="0"/>
-              <a:t>6/27/2017</a:t>
+              <a:t>6/28/2017</a:t>
             </a:fld>
             <a:endParaRPr lang="en-US"/>
           </a:p>
@@ -417,7 +419,7 @@
           <a:p>
             <a:fld id="{F686C300-4B60-40C4-85AF-05819ECEBA59}" type="datetimeFigureOut">
               <a:rPr lang="en-US" smtClean="0"/>
-              <a:t>6/27/2017</a:t>
+              <a:t>6/28/2017</a:t>
             </a:fld>
             <a:endParaRPr lang="en-US"/>
           </a:p>
@@ -597,7 +599,7 @@
           <a:p>
             <a:fld id="{F686C300-4B60-40C4-85AF-05819ECEBA59}" type="datetimeFigureOut">
               <a:rPr lang="en-US" smtClean="0"/>
-              <a:t>6/27/2017</a:t>
+              <a:t>6/28/2017</a:t>
             </a:fld>
             <a:endParaRPr lang="en-US"/>
           </a:p>
@@ -767,7 +769,7 @@
           <a:p>
             <a:fld id="{F686C300-4B60-40C4-85AF-05819ECEBA59}" type="datetimeFigureOut">
               <a:rPr lang="en-US" smtClean="0"/>
-              <a:t>6/27/2017</a:t>
+              <a:t>6/28/2017</a:t>
             </a:fld>
             <a:endParaRPr lang="en-US"/>
           </a:p>
@@ -1013,7 +1015,7 @@
           <a:p>
             <a:fld id="{F686C300-4B60-40C4-85AF-05819ECEBA59}" type="datetimeFigureOut">
               <a:rPr lang="en-US" smtClean="0"/>
-              <a:t>6/27/2017</a:t>
+              <a:t>6/28/2017</a:t>
             </a:fld>
             <a:endParaRPr lang="en-US"/>
           </a:p>
@@ -1245,7 +1247,7 @@
           <a:p>
             <a:fld id="{F686C300-4B60-40C4-85AF-05819ECEBA59}" type="datetimeFigureOut">
               <a:rPr lang="en-US" smtClean="0"/>
-              <a:t>6/27/2017</a:t>
+              <a:t>6/28/2017</a:t>
             </a:fld>
             <a:endParaRPr lang="en-US"/>
           </a:p>
@@ -1612,7 +1614,7 @@
           <a:p>
             <a:fld id="{F686C300-4B60-40C4-85AF-05819ECEBA59}" type="datetimeFigureOut">
               <a:rPr lang="en-US" smtClean="0"/>
-              <a:t>6/27/2017</a:t>
+              <a:t>6/28/2017</a:t>
             </a:fld>
             <a:endParaRPr lang="en-US"/>
           </a:p>
@@ -1730,7 +1732,7 @@
           <a:p>
             <a:fld id="{F686C300-4B60-40C4-85AF-05819ECEBA59}" type="datetimeFigureOut">
               <a:rPr lang="en-US" smtClean="0"/>
-              <a:t>6/27/2017</a:t>
+              <a:t>6/28/2017</a:t>
             </a:fld>
             <a:endParaRPr lang="en-US"/>
           </a:p>
@@ -1825,7 +1827,7 @@
           <a:p>
             <a:fld id="{F686C300-4B60-40C4-85AF-05819ECEBA59}" type="datetimeFigureOut">
               <a:rPr lang="en-US" smtClean="0"/>
-              <a:t>6/27/2017</a:t>
+              <a:t>6/28/2017</a:t>
             </a:fld>
             <a:endParaRPr lang="en-US"/>
           </a:p>
@@ -2102,7 +2104,7 @@
           <a:p>
             <a:fld id="{F686C300-4B60-40C4-85AF-05819ECEBA59}" type="datetimeFigureOut">
               <a:rPr lang="en-US" smtClean="0"/>
-              <a:t>6/27/2017</a:t>
+              <a:t>6/28/2017</a:t>
             </a:fld>
             <a:endParaRPr lang="en-US"/>
           </a:p>
@@ -2355,7 +2357,7 @@
           <a:p>
             <a:fld id="{F686C300-4B60-40C4-85AF-05819ECEBA59}" type="datetimeFigureOut">
               <a:rPr lang="en-US" smtClean="0"/>
-              <a:t>6/27/2017</a:t>
+              <a:t>6/28/2017</a:t>
             </a:fld>
             <a:endParaRPr lang="en-US"/>
           </a:p>
@@ -2568,7 +2570,7 @@
           <a:p>
             <a:fld id="{F686C300-4B60-40C4-85AF-05819ECEBA59}" type="datetimeFigureOut">
               <a:rPr lang="en-US" smtClean="0"/>
-              <a:t>6/27/2017</a:t>
+              <a:t>6/28/2017</a:t>
             </a:fld>
             <a:endParaRPr lang="en-US"/>
           </a:p>
@@ -4765,6 +4767,2711 @@
 </p:sld>
 </file>
 
+<file path=ppt/slides/slide6.xml><?xml version="1.0" encoding="utf-8"?>
+<p:sld xmlns:a="http://schemas.openxmlformats.org/drawingml/2006/main" xmlns:r="http://schemas.openxmlformats.org/officeDocument/2006/relationships" xmlns:p="http://schemas.openxmlformats.org/presentationml/2006/main">
+  <p:cSld>
+    <p:spTree>
+      <p:nvGrpSpPr>
+        <p:cNvPr id="1" name=""/>
+        <p:cNvGrpSpPr/>
+        <p:nvPr/>
+      </p:nvGrpSpPr>
+      <p:grpSpPr>
+        <a:xfrm>
+          <a:off x="0" y="0"/>
+          <a:ext cx="0" cy="0"/>
+          <a:chOff x="0" y="0"/>
+          <a:chExt cx="0" cy="0"/>
+        </a:xfrm>
+      </p:grpSpPr>
+      <p:grpSp>
+        <p:nvGrpSpPr>
+          <p:cNvPr id="51" name="Group 50"/>
+          <p:cNvGrpSpPr/>
+          <p:nvPr/>
+        </p:nvGrpSpPr>
+        <p:grpSpPr>
+          <a:xfrm>
+            <a:off x="3657600" y="0"/>
+            <a:ext cx="4572000" cy="5715000"/>
+            <a:chOff x="3657600" y="0"/>
+            <a:chExt cx="4572000" cy="5715000"/>
+          </a:xfrm>
+        </p:grpSpPr>
+        <p:sp>
+          <p:nvSpPr>
+            <p:cNvPr id="3" name="Oval 2"/>
+            <p:cNvSpPr/>
+            <p:nvPr/>
+          </p:nvSpPr>
+          <p:spPr>
+            <a:xfrm>
+              <a:off x="3657600" y="1143000"/>
+              <a:ext cx="4572000" cy="4114800"/>
+            </a:xfrm>
+            <a:prstGeom prst="ellipse">
+              <a:avLst/>
+            </a:prstGeom>
+            <a:solidFill>
+              <a:schemeClr val="bg1"/>
+            </a:solidFill>
+            <a:ln w="50800">
+              <a:solidFill>
+                <a:schemeClr val="tx1"/>
+              </a:solidFill>
+            </a:ln>
+          </p:spPr>
+          <p:style>
+            <a:lnRef idx="2">
+              <a:schemeClr val="accent1">
+                <a:shade val="50000"/>
+              </a:schemeClr>
+            </a:lnRef>
+            <a:fillRef idx="1">
+              <a:schemeClr val="accent1"/>
+            </a:fillRef>
+            <a:effectRef idx="0">
+              <a:schemeClr val="accent1"/>
+            </a:effectRef>
+            <a:fontRef idx="minor">
+              <a:schemeClr val="lt1"/>
+            </a:fontRef>
+          </p:style>
+          <p:txBody>
+            <a:bodyPr rtlCol="0" anchor="ctr"/>
+            <a:lstStyle/>
+            <a:p>
+              <a:pPr algn="ctr"/>
+              <a:endParaRPr lang="en-US"/>
+            </a:p>
+          </p:txBody>
+        </p:sp>
+        <p:sp>
+          <p:nvSpPr>
+            <p:cNvPr id="11" name="Freeform 10"/>
+            <p:cNvSpPr/>
+            <p:nvPr/>
+          </p:nvSpPr>
+          <p:spPr>
+            <a:xfrm>
+              <a:off x="3886200" y="4800600"/>
+              <a:ext cx="1828800" cy="914400"/>
+            </a:xfrm>
+            <a:custGeom>
+              <a:avLst/>
+              <a:gdLst>
+                <a:gd name="connsiteX0" fmla="*/ 914400 w 1828800"/>
+                <a:gd name="connsiteY0" fmla="*/ 0 h 914400"/>
+                <a:gd name="connsiteX1" fmla="*/ 1828800 w 1828800"/>
+                <a:gd name="connsiteY1" fmla="*/ 685800 h 914400"/>
+                <a:gd name="connsiteX2" fmla="*/ 914400 w 1828800"/>
+                <a:gd name="connsiteY2" fmla="*/ 914400 h 914400"/>
+                <a:gd name="connsiteX3" fmla="*/ 0 w 1828800"/>
+                <a:gd name="connsiteY3" fmla="*/ 685800 h 914400"/>
+                <a:gd name="connsiteX4" fmla="*/ 914400 w 1828800"/>
+                <a:gd name="connsiteY4" fmla="*/ 0 h 914400"/>
+              </a:gdLst>
+              <a:ahLst/>
+              <a:cxnLst>
+                <a:cxn ang="0">
+                  <a:pos x="connsiteX0" y="connsiteY0"/>
+                </a:cxn>
+                <a:cxn ang="0">
+                  <a:pos x="connsiteX1" y="connsiteY1"/>
+                </a:cxn>
+                <a:cxn ang="0">
+                  <a:pos x="connsiteX2" y="connsiteY2"/>
+                </a:cxn>
+                <a:cxn ang="0">
+                  <a:pos x="connsiteX3" y="connsiteY3"/>
+                </a:cxn>
+                <a:cxn ang="0">
+                  <a:pos x="connsiteX4" y="connsiteY4"/>
+                </a:cxn>
+              </a:cxnLst>
+              <a:rect l="l" t="t" r="r" b="b"/>
+              <a:pathLst>
+                <a:path w="1828800" h="914400">
+                  <a:moveTo>
+                    <a:pt x="914400" y="0"/>
+                  </a:moveTo>
+                  <a:cubicBezTo>
+                    <a:pt x="1419409" y="0"/>
+                    <a:pt x="1828800" y="307043"/>
+                    <a:pt x="1828800" y="685800"/>
+                  </a:cubicBezTo>
+                  <a:cubicBezTo>
+                    <a:pt x="1828800" y="812052"/>
+                    <a:pt x="1419409" y="914400"/>
+                    <a:pt x="914400" y="914400"/>
+                  </a:cubicBezTo>
+                  <a:cubicBezTo>
+                    <a:pt x="409391" y="914400"/>
+                    <a:pt x="0" y="812052"/>
+                    <a:pt x="0" y="685800"/>
+                  </a:cubicBezTo>
+                  <a:cubicBezTo>
+                    <a:pt x="0" y="307043"/>
+                    <a:pt x="409391" y="0"/>
+                    <a:pt x="914400" y="0"/>
+                  </a:cubicBezTo>
+                  <a:close/>
+                </a:path>
+              </a:pathLst>
+            </a:custGeom>
+            <a:solidFill>
+              <a:srgbClr val="333333"/>
+            </a:solidFill>
+            <a:ln w="50800">
+              <a:solidFill>
+                <a:schemeClr val="tx1"/>
+              </a:solidFill>
+            </a:ln>
+          </p:spPr>
+          <p:style>
+            <a:lnRef idx="2">
+              <a:schemeClr val="accent1">
+                <a:shade val="50000"/>
+              </a:schemeClr>
+            </a:lnRef>
+            <a:fillRef idx="1">
+              <a:schemeClr val="accent1"/>
+            </a:fillRef>
+            <a:effectRef idx="0">
+              <a:schemeClr val="accent1"/>
+            </a:effectRef>
+            <a:fontRef idx="minor">
+              <a:schemeClr val="lt1"/>
+            </a:fontRef>
+          </p:style>
+          <p:txBody>
+            <a:bodyPr rtlCol="0" anchor="ctr"/>
+            <a:lstStyle/>
+            <a:p>
+              <a:pPr algn="ctr"/>
+              <a:endParaRPr lang="en-US"/>
+            </a:p>
+          </p:txBody>
+        </p:sp>
+        <p:sp>
+          <p:nvSpPr>
+            <p:cNvPr id="12" name="Freeform 11"/>
+            <p:cNvSpPr/>
+            <p:nvPr/>
+          </p:nvSpPr>
+          <p:spPr>
+            <a:xfrm>
+              <a:off x="6172200" y="4800600"/>
+              <a:ext cx="1828800" cy="914400"/>
+            </a:xfrm>
+            <a:custGeom>
+              <a:avLst/>
+              <a:gdLst>
+                <a:gd name="connsiteX0" fmla="*/ 914400 w 1828800"/>
+                <a:gd name="connsiteY0" fmla="*/ 0 h 914400"/>
+                <a:gd name="connsiteX1" fmla="*/ 1828800 w 1828800"/>
+                <a:gd name="connsiteY1" fmla="*/ 685800 h 914400"/>
+                <a:gd name="connsiteX2" fmla="*/ 914400 w 1828800"/>
+                <a:gd name="connsiteY2" fmla="*/ 914400 h 914400"/>
+                <a:gd name="connsiteX3" fmla="*/ 0 w 1828800"/>
+                <a:gd name="connsiteY3" fmla="*/ 685800 h 914400"/>
+                <a:gd name="connsiteX4" fmla="*/ 914400 w 1828800"/>
+                <a:gd name="connsiteY4" fmla="*/ 0 h 914400"/>
+              </a:gdLst>
+              <a:ahLst/>
+              <a:cxnLst>
+                <a:cxn ang="0">
+                  <a:pos x="connsiteX0" y="connsiteY0"/>
+                </a:cxn>
+                <a:cxn ang="0">
+                  <a:pos x="connsiteX1" y="connsiteY1"/>
+                </a:cxn>
+                <a:cxn ang="0">
+                  <a:pos x="connsiteX2" y="connsiteY2"/>
+                </a:cxn>
+                <a:cxn ang="0">
+                  <a:pos x="connsiteX3" y="connsiteY3"/>
+                </a:cxn>
+                <a:cxn ang="0">
+                  <a:pos x="connsiteX4" y="connsiteY4"/>
+                </a:cxn>
+              </a:cxnLst>
+              <a:rect l="l" t="t" r="r" b="b"/>
+              <a:pathLst>
+                <a:path w="1828800" h="914400">
+                  <a:moveTo>
+                    <a:pt x="914400" y="0"/>
+                  </a:moveTo>
+                  <a:cubicBezTo>
+                    <a:pt x="1419409" y="0"/>
+                    <a:pt x="1828800" y="307043"/>
+                    <a:pt x="1828800" y="685800"/>
+                  </a:cubicBezTo>
+                  <a:cubicBezTo>
+                    <a:pt x="1828800" y="812052"/>
+                    <a:pt x="1419409" y="914400"/>
+                    <a:pt x="914400" y="914400"/>
+                  </a:cubicBezTo>
+                  <a:cubicBezTo>
+                    <a:pt x="409391" y="914400"/>
+                    <a:pt x="0" y="812052"/>
+                    <a:pt x="0" y="685800"/>
+                  </a:cubicBezTo>
+                  <a:cubicBezTo>
+                    <a:pt x="0" y="307043"/>
+                    <a:pt x="409391" y="0"/>
+                    <a:pt x="914400" y="0"/>
+                  </a:cubicBezTo>
+                  <a:close/>
+                </a:path>
+              </a:pathLst>
+            </a:custGeom>
+            <a:solidFill>
+              <a:srgbClr val="333333"/>
+            </a:solidFill>
+            <a:ln w="50800">
+              <a:solidFill>
+                <a:schemeClr val="tx1"/>
+              </a:solidFill>
+            </a:ln>
+          </p:spPr>
+          <p:style>
+            <a:lnRef idx="2">
+              <a:schemeClr val="accent1">
+                <a:shade val="50000"/>
+              </a:schemeClr>
+            </a:lnRef>
+            <a:fillRef idx="1">
+              <a:schemeClr val="accent1"/>
+            </a:fillRef>
+            <a:effectRef idx="0">
+              <a:schemeClr val="accent1"/>
+            </a:effectRef>
+            <a:fontRef idx="minor">
+              <a:schemeClr val="lt1"/>
+            </a:fontRef>
+          </p:style>
+          <p:txBody>
+            <a:bodyPr rtlCol="0" anchor="ctr"/>
+            <a:lstStyle/>
+            <a:p>
+              <a:pPr algn="ctr"/>
+              <a:endParaRPr lang="en-US"/>
+            </a:p>
+          </p:txBody>
+        </p:sp>
+        <p:sp>
+          <p:nvSpPr>
+            <p:cNvPr id="13" name="Oval 12"/>
+            <p:cNvSpPr/>
+            <p:nvPr/>
+          </p:nvSpPr>
+          <p:spPr>
+            <a:xfrm rot="300000">
+              <a:off x="7086600" y="685800"/>
+              <a:ext cx="914400" cy="457200"/>
+            </a:xfrm>
+            <a:prstGeom prst="ellipse">
+              <a:avLst/>
+            </a:prstGeom>
+            <a:solidFill>
+              <a:schemeClr val="bg1"/>
+            </a:solidFill>
+            <a:ln w="50800">
+              <a:solidFill>
+                <a:schemeClr val="tx1"/>
+              </a:solidFill>
+            </a:ln>
+          </p:spPr>
+          <p:style>
+            <a:lnRef idx="2">
+              <a:schemeClr val="accent1">
+                <a:shade val="50000"/>
+              </a:schemeClr>
+            </a:lnRef>
+            <a:fillRef idx="1">
+              <a:schemeClr val="accent1"/>
+            </a:fillRef>
+            <a:effectRef idx="0">
+              <a:schemeClr val="accent1"/>
+            </a:effectRef>
+            <a:fontRef idx="minor">
+              <a:schemeClr val="lt1"/>
+            </a:fontRef>
+          </p:style>
+          <p:txBody>
+            <a:bodyPr rtlCol="0" anchor="ctr"/>
+            <a:lstStyle/>
+            <a:p>
+              <a:pPr algn="ctr"/>
+              <a:endParaRPr lang="en-US"/>
+            </a:p>
+          </p:txBody>
+        </p:sp>
+        <p:sp>
+          <p:nvSpPr>
+            <p:cNvPr id="14" name="Oval 13"/>
+            <p:cNvSpPr/>
+            <p:nvPr/>
+          </p:nvSpPr>
+          <p:spPr>
+            <a:xfrm rot="21300000">
+              <a:off x="3886200" y="685800"/>
+              <a:ext cx="914400" cy="457200"/>
+            </a:xfrm>
+            <a:prstGeom prst="ellipse">
+              <a:avLst/>
+            </a:prstGeom>
+            <a:solidFill>
+              <a:schemeClr val="bg1"/>
+            </a:solidFill>
+            <a:ln w="50800">
+              <a:solidFill>
+                <a:schemeClr val="tx1"/>
+              </a:solidFill>
+            </a:ln>
+          </p:spPr>
+          <p:style>
+            <a:lnRef idx="2">
+              <a:schemeClr val="accent1">
+                <a:shade val="50000"/>
+              </a:schemeClr>
+            </a:lnRef>
+            <a:fillRef idx="1">
+              <a:schemeClr val="accent1"/>
+            </a:fillRef>
+            <a:effectRef idx="0">
+              <a:schemeClr val="accent1"/>
+            </a:effectRef>
+            <a:fontRef idx="minor">
+              <a:schemeClr val="lt1"/>
+            </a:fontRef>
+          </p:style>
+          <p:txBody>
+            <a:bodyPr rtlCol="0" anchor="ctr"/>
+            <a:lstStyle/>
+            <a:p>
+              <a:pPr algn="ctr"/>
+              <a:endParaRPr lang="en-US"/>
+            </a:p>
+          </p:txBody>
+        </p:sp>
+        <p:sp>
+          <p:nvSpPr>
+            <p:cNvPr id="47" name="Freeform 46"/>
+            <p:cNvSpPr/>
+            <p:nvPr/>
+          </p:nvSpPr>
+          <p:spPr>
+            <a:xfrm>
+              <a:off x="3657600" y="1908626"/>
+              <a:ext cx="914400" cy="1748974"/>
+            </a:xfrm>
+            <a:custGeom>
+              <a:avLst/>
+              <a:gdLst>
+                <a:gd name="connsiteX0" fmla="*/ 507950 w 914400"/>
+                <a:gd name="connsiteY0" fmla="*/ 0 h 1748974"/>
+                <a:gd name="connsiteX1" fmla="*/ 555493 w 914400"/>
+                <a:gd name="connsiteY1" fmla="*/ 30537 h 1748974"/>
+                <a:gd name="connsiteX2" fmla="*/ 914400 w 914400"/>
+                <a:gd name="connsiteY2" fmla="*/ 834574 h 1748974"/>
+                <a:gd name="connsiteX3" fmla="*/ 228600 w 914400"/>
+                <a:gd name="connsiteY3" fmla="*/ 1748974 h 1748974"/>
+                <a:gd name="connsiteX4" fmla="*/ 90388 w 914400"/>
+                <a:gd name="connsiteY4" fmla="*/ 1730397 h 1748974"/>
+                <a:gd name="connsiteX5" fmla="*/ 49268 w 914400"/>
+                <a:gd name="connsiteY5" fmla="*/ 1716300 h 1748974"/>
+                <a:gd name="connsiteX6" fmla="*/ 46444 w 914400"/>
+                <a:gd name="connsiteY6" fmla="*/ 1706412 h 1748974"/>
+                <a:gd name="connsiteX7" fmla="*/ 0 w 914400"/>
+                <a:gd name="connsiteY7" fmla="*/ 1291774 h 1748974"/>
+                <a:gd name="connsiteX8" fmla="*/ 390413 w 914400"/>
+                <a:gd name="connsiteY8" fmla="*/ 141462 h 1748974"/>
+              </a:gdLst>
+              <a:ahLst/>
+              <a:cxnLst>
+                <a:cxn ang="0">
+                  <a:pos x="connsiteX0" y="connsiteY0"/>
+                </a:cxn>
+                <a:cxn ang="0">
+                  <a:pos x="connsiteX1" y="connsiteY1"/>
+                </a:cxn>
+                <a:cxn ang="0">
+                  <a:pos x="connsiteX2" y="connsiteY2"/>
+                </a:cxn>
+                <a:cxn ang="0">
+                  <a:pos x="connsiteX3" y="connsiteY3"/>
+                </a:cxn>
+                <a:cxn ang="0">
+                  <a:pos x="connsiteX4" y="connsiteY4"/>
+                </a:cxn>
+                <a:cxn ang="0">
+                  <a:pos x="connsiteX5" y="connsiteY5"/>
+                </a:cxn>
+                <a:cxn ang="0">
+                  <a:pos x="connsiteX6" y="connsiteY6"/>
+                </a:cxn>
+                <a:cxn ang="0">
+                  <a:pos x="connsiteX7" y="connsiteY7"/>
+                </a:cxn>
+                <a:cxn ang="0">
+                  <a:pos x="connsiteX8" y="connsiteY8"/>
+                </a:cxn>
+              </a:cxnLst>
+              <a:rect l="l" t="t" r="r" b="b"/>
+              <a:pathLst>
+                <a:path w="914400" h="1748974">
+                  <a:moveTo>
+                    <a:pt x="507950" y="0"/>
+                  </a:moveTo>
+                  <a:lnTo>
+                    <a:pt x="555493" y="30537"/>
+                  </a:lnTo>
+                  <a:cubicBezTo>
+                    <a:pt x="769275" y="185381"/>
+                    <a:pt x="914400" y="487380"/>
+                    <a:pt x="914400" y="834574"/>
+                  </a:cubicBezTo>
+                  <a:cubicBezTo>
+                    <a:pt x="914400" y="1339583"/>
+                    <a:pt x="607357" y="1748974"/>
+                    <a:pt x="228600" y="1748974"/>
+                  </a:cubicBezTo>
+                  <a:cubicBezTo>
+                    <a:pt x="181256" y="1748974"/>
+                    <a:pt x="135031" y="1742577"/>
+                    <a:pt x="90388" y="1730397"/>
+                  </a:cubicBezTo>
+                  <a:lnTo>
+                    <a:pt x="49268" y="1716300"/>
+                  </a:lnTo>
+                  <a:lnTo>
+                    <a:pt x="46444" y="1706412"/>
+                  </a:lnTo>
+                  <a:cubicBezTo>
+                    <a:pt x="15992" y="1572480"/>
+                    <a:pt x="0" y="1433808"/>
+                    <a:pt x="0" y="1291774"/>
+                  </a:cubicBezTo>
+                  <a:cubicBezTo>
+                    <a:pt x="0" y="865673"/>
+                    <a:pt x="143927" y="469825"/>
+                    <a:pt x="390413" y="141462"/>
+                  </a:cubicBezTo>
+                  <a:close/>
+                </a:path>
+              </a:pathLst>
+            </a:custGeom>
+            <a:solidFill>
+              <a:srgbClr val="009966"/>
+            </a:solidFill>
+            <a:ln w="50800">
+              <a:solidFill>
+                <a:schemeClr val="tx1"/>
+              </a:solidFill>
+            </a:ln>
+          </p:spPr>
+          <p:style>
+            <a:lnRef idx="2">
+              <a:schemeClr val="accent1">
+                <a:shade val="50000"/>
+              </a:schemeClr>
+            </a:lnRef>
+            <a:fillRef idx="1">
+              <a:schemeClr val="accent1"/>
+            </a:fillRef>
+            <a:effectRef idx="0">
+              <a:schemeClr val="accent1"/>
+            </a:effectRef>
+            <a:fontRef idx="minor">
+              <a:schemeClr val="lt1"/>
+            </a:fontRef>
+          </p:style>
+          <p:txBody>
+            <a:bodyPr rtlCol="0" anchor="ctr"/>
+            <a:lstStyle/>
+            <a:p>
+              <a:pPr algn="ctr"/>
+              <a:endParaRPr lang="en-US"/>
+            </a:p>
+          </p:txBody>
+        </p:sp>
+        <p:sp>
+          <p:nvSpPr>
+            <p:cNvPr id="2" name="Oval 1"/>
+            <p:cNvSpPr/>
+            <p:nvPr/>
+          </p:nvSpPr>
+          <p:spPr>
+            <a:xfrm>
+              <a:off x="4114800" y="228600"/>
+              <a:ext cx="3657600" cy="3657600"/>
+            </a:xfrm>
+            <a:prstGeom prst="ellipse">
+              <a:avLst/>
+            </a:prstGeom>
+            <a:solidFill>
+              <a:schemeClr val="bg1"/>
+            </a:solidFill>
+            <a:ln w="50800">
+              <a:solidFill>
+                <a:schemeClr val="tx1"/>
+              </a:solidFill>
+            </a:ln>
+          </p:spPr>
+          <p:style>
+            <a:lnRef idx="2">
+              <a:schemeClr val="accent1">
+                <a:shade val="50000"/>
+              </a:schemeClr>
+            </a:lnRef>
+            <a:fillRef idx="1">
+              <a:schemeClr val="accent1"/>
+            </a:fillRef>
+            <a:effectRef idx="0">
+              <a:schemeClr val="accent1"/>
+            </a:effectRef>
+            <a:fontRef idx="minor">
+              <a:schemeClr val="lt1"/>
+            </a:fontRef>
+          </p:style>
+          <p:txBody>
+            <a:bodyPr rtlCol="0" anchor="ctr"/>
+            <a:lstStyle/>
+            <a:p>
+              <a:pPr algn="ctr"/>
+              <a:endParaRPr lang="en-US"/>
+            </a:p>
+          </p:txBody>
+        </p:sp>
+        <p:sp>
+          <p:nvSpPr>
+            <p:cNvPr id="50" name="Freeform 49"/>
+            <p:cNvSpPr/>
+            <p:nvPr/>
+          </p:nvSpPr>
+          <p:spPr>
+            <a:xfrm>
+              <a:off x="5715000" y="241980"/>
+              <a:ext cx="2044020" cy="2044020"/>
+            </a:xfrm>
+            <a:custGeom>
+              <a:avLst/>
+              <a:gdLst>
+                <a:gd name="connsiteX0" fmla="*/ 441389 w 2044020"/>
+                <a:gd name="connsiteY0" fmla="*/ 0 h 2044020"/>
+                <a:gd name="connsiteX1" fmla="*/ 597167 w 2044020"/>
+                <a:gd name="connsiteY1" fmla="*/ 23775 h 2044020"/>
+                <a:gd name="connsiteX2" fmla="*/ 2020245 w 2044020"/>
+                <a:gd name="connsiteY2" fmla="*/ 1446853 h 2044020"/>
+                <a:gd name="connsiteX3" fmla="*/ 2044020 w 2044020"/>
+                <a:gd name="connsiteY3" fmla="*/ 1602631 h 2044020"/>
+                <a:gd name="connsiteX4" fmla="*/ 2024994 w 2044020"/>
+                <a:gd name="connsiteY4" fmla="*/ 1628074 h 2044020"/>
+                <a:gd name="connsiteX5" fmla="*/ 1143000 w 2044020"/>
+                <a:gd name="connsiteY5" fmla="*/ 2044020 h 2044020"/>
+                <a:gd name="connsiteX6" fmla="*/ 0 w 2044020"/>
+                <a:gd name="connsiteY6" fmla="*/ 901020 h 2044020"/>
+                <a:gd name="connsiteX7" fmla="*/ 415946 w 2044020"/>
+                <a:gd name="connsiteY7" fmla="*/ 19026 h 2044020"/>
+              </a:gdLst>
+              <a:ahLst/>
+              <a:cxnLst>
+                <a:cxn ang="0">
+                  <a:pos x="connsiteX0" y="connsiteY0"/>
+                </a:cxn>
+                <a:cxn ang="0">
+                  <a:pos x="connsiteX1" y="connsiteY1"/>
+                </a:cxn>
+                <a:cxn ang="0">
+                  <a:pos x="connsiteX2" y="connsiteY2"/>
+                </a:cxn>
+                <a:cxn ang="0">
+                  <a:pos x="connsiteX3" y="connsiteY3"/>
+                </a:cxn>
+                <a:cxn ang="0">
+                  <a:pos x="connsiteX4" y="connsiteY4"/>
+                </a:cxn>
+                <a:cxn ang="0">
+                  <a:pos x="connsiteX5" y="connsiteY5"/>
+                </a:cxn>
+                <a:cxn ang="0">
+                  <a:pos x="connsiteX6" y="connsiteY6"/>
+                </a:cxn>
+                <a:cxn ang="0">
+                  <a:pos x="connsiteX7" y="connsiteY7"/>
+                </a:cxn>
+              </a:cxnLst>
+              <a:rect l="l" t="t" r="r" b="b"/>
+              <a:pathLst>
+                <a:path w="2044020" h="2044020">
+                  <a:moveTo>
+                    <a:pt x="441389" y="0"/>
+                  </a:moveTo>
+                  <a:lnTo>
+                    <a:pt x="597167" y="23775"/>
+                  </a:lnTo>
+                  <a:cubicBezTo>
+                    <a:pt x="1311470" y="169942"/>
+                    <a:pt x="1874078" y="732550"/>
+                    <a:pt x="2020245" y="1446853"/>
+                  </a:cubicBezTo>
+                  <a:lnTo>
+                    <a:pt x="2044020" y="1602631"/>
+                  </a:lnTo>
+                  <a:lnTo>
+                    <a:pt x="2024994" y="1628074"/>
+                  </a:lnTo>
+                  <a:cubicBezTo>
+                    <a:pt x="1815351" y="1882103"/>
+                    <a:pt x="1498085" y="2044020"/>
+                    <a:pt x="1143000" y="2044020"/>
+                  </a:cubicBezTo>
+                  <a:cubicBezTo>
+                    <a:pt x="511739" y="2044020"/>
+                    <a:pt x="0" y="1532281"/>
+                    <a:pt x="0" y="901020"/>
+                  </a:cubicBezTo>
+                  <a:cubicBezTo>
+                    <a:pt x="0" y="545936"/>
+                    <a:pt x="161918" y="228669"/>
+                    <a:pt x="415946" y="19026"/>
+                  </a:cubicBezTo>
+                  <a:close/>
+                </a:path>
+              </a:pathLst>
+            </a:custGeom>
+            <a:solidFill>
+              <a:srgbClr val="009966"/>
+            </a:solidFill>
+            <a:ln w="50800">
+              <a:solidFill>
+                <a:schemeClr val="tx1"/>
+              </a:solidFill>
+            </a:ln>
+          </p:spPr>
+          <p:style>
+            <a:lnRef idx="2">
+              <a:schemeClr val="accent1">
+                <a:shade val="50000"/>
+              </a:schemeClr>
+            </a:lnRef>
+            <a:fillRef idx="1">
+              <a:schemeClr val="accent1"/>
+            </a:fillRef>
+            <a:effectRef idx="0">
+              <a:schemeClr val="accent1"/>
+            </a:effectRef>
+            <a:fontRef idx="minor">
+              <a:schemeClr val="lt1"/>
+            </a:fontRef>
+          </p:style>
+          <p:txBody>
+            <a:bodyPr rtlCol="0" anchor="ctr"/>
+            <a:lstStyle/>
+            <a:p>
+              <a:pPr algn="ctr"/>
+              <a:endParaRPr lang="en-US"/>
+            </a:p>
+          </p:txBody>
+        </p:sp>
+        <p:grpSp>
+          <p:nvGrpSpPr>
+            <p:cNvPr id="27" name="Group 26"/>
+            <p:cNvGrpSpPr/>
+            <p:nvPr/>
+          </p:nvGrpSpPr>
+          <p:grpSpPr>
+            <a:xfrm>
+              <a:off x="4800600" y="0"/>
+              <a:ext cx="2286000" cy="685800"/>
+              <a:chOff x="114300" y="-114300"/>
+              <a:chExt cx="2286000" cy="685800"/>
+            </a:xfrm>
+          </p:grpSpPr>
+          <p:sp>
+            <p:nvSpPr>
+              <p:cNvPr id="25" name="Freeform 24"/>
+              <p:cNvSpPr/>
+              <p:nvPr/>
+            </p:nvSpPr>
+            <p:spPr>
+              <a:xfrm rot="3600000">
+                <a:off x="0" y="0"/>
+                <a:ext cx="685800" cy="457200"/>
+              </a:xfrm>
+              <a:custGeom>
+                <a:avLst/>
+                <a:gdLst>
+                  <a:gd name="connsiteX0" fmla="*/ 457200 w 685800"/>
+                  <a:gd name="connsiteY0" fmla="*/ 0 h 457200"/>
+                  <a:gd name="connsiteX1" fmla="*/ 685800 w 685800"/>
+                  <a:gd name="connsiteY1" fmla="*/ 228600 h 457200"/>
+                  <a:gd name="connsiteX2" fmla="*/ 457200 w 685800"/>
+                  <a:gd name="connsiteY2" fmla="*/ 457200 h 457200"/>
+                  <a:gd name="connsiteX3" fmla="*/ 0 w 685800"/>
+                  <a:gd name="connsiteY3" fmla="*/ 228600 h 457200"/>
+                  <a:gd name="connsiteX4" fmla="*/ 457200 w 685800"/>
+                  <a:gd name="connsiteY4" fmla="*/ 0 h 457200"/>
+                </a:gdLst>
+                <a:ahLst/>
+                <a:cxnLst>
+                  <a:cxn ang="0">
+                    <a:pos x="connsiteX0" y="connsiteY0"/>
+                  </a:cxn>
+                  <a:cxn ang="0">
+                    <a:pos x="connsiteX1" y="connsiteY1"/>
+                  </a:cxn>
+                  <a:cxn ang="0">
+                    <a:pos x="connsiteX2" y="connsiteY2"/>
+                  </a:cxn>
+                  <a:cxn ang="0">
+                    <a:pos x="connsiteX3" y="connsiteY3"/>
+                  </a:cxn>
+                  <a:cxn ang="0">
+                    <a:pos x="connsiteX4" y="connsiteY4"/>
+                  </a:cxn>
+                </a:cxnLst>
+                <a:rect l="l" t="t" r="r" b="b"/>
+                <a:pathLst>
+                  <a:path w="685800" h="457200">
+                    <a:moveTo>
+                      <a:pt x="457200" y="0"/>
+                    </a:moveTo>
+                    <a:cubicBezTo>
+                      <a:pt x="583452" y="0"/>
+                      <a:pt x="685800" y="102348"/>
+                      <a:pt x="685800" y="228600"/>
+                    </a:cubicBezTo>
+                    <a:cubicBezTo>
+                      <a:pt x="685800" y="354852"/>
+                      <a:pt x="583452" y="457200"/>
+                      <a:pt x="457200" y="457200"/>
+                    </a:cubicBezTo>
+                    <a:cubicBezTo>
+                      <a:pt x="204695" y="457200"/>
+                      <a:pt x="0" y="354852"/>
+                      <a:pt x="0" y="228600"/>
+                    </a:cubicBezTo>
+                    <a:cubicBezTo>
+                      <a:pt x="0" y="102348"/>
+                      <a:pt x="204695" y="0"/>
+                      <a:pt x="457200" y="0"/>
+                    </a:cubicBezTo>
+                    <a:close/>
+                  </a:path>
+                </a:pathLst>
+              </a:custGeom>
+              <a:solidFill>
+                <a:srgbClr val="333333"/>
+              </a:solidFill>
+              <a:ln w="50800">
+                <a:solidFill>
+                  <a:schemeClr val="tx1"/>
+                </a:solidFill>
+              </a:ln>
+            </p:spPr>
+            <p:style>
+              <a:lnRef idx="2">
+                <a:schemeClr val="accent1">
+                  <a:shade val="50000"/>
+                </a:schemeClr>
+              </a:lnRef>
+              <a:fillRef idx="1">
+                <a:schemeClr val="accent1"/>
+              </a:fillRef>
+              <a:effectRef idx="0">
+                <a:schemeClr val="accent1"/>
+              </a:effectRef>
+              <a:fontRef idx="minor">
+                <a:schemeClr val="lt1"/>
+              </a:fontRef>
+            </p:style>
+            <p:txBody>
+              <a:bodyPr rtlCol="0" anchor="ctr"/>
+              <a:lstStyle/>
+              <a:p>
+                <a:pPr algn="ctr"/>
+                <a:endParaRPr lang="en-US"/>
+              </a:p>
+            </p:txBody>
+          </p:sp>
+          <p:sp>
+            <p:nvSpPr>
+              <p:cNvPr id="26" name="Freeform 25"/>
+              <p:cNvSpPr/>
+              <p:nvPr/>
+            </p:nvSpPr>
+            <p:spPr>
+              <a:xfrm rot="7200000">
+                <a:off x="1828800" y="0"/>
+                <a:ext cx="685800" cy="457200"/>
+              </a:xfrm>
+              <a:custGeom>
+                <a:avLst/>
+                <a:gdLst>
+                  <a:gd name="connsiteX0" fmla="*/ 457200 w 685800"/>
+                  <a:gd name="connsiteY0" fmla="*/ 0 h 457200"/>
+                  <a:gd name="connsiteX1" fmla="*/ 685800 w 685800"/>
+                  <a:gd name="connsiteY1" fmla="*/ 228600 h 457200"/>
+                  <a:gd name="connsiteX2" fmla="*/ 457200 w 685800"/>
+                  <a:gd name="connsiteY2" fmla="*/ 457200 h 457200"/>
+                  <a:gd name="connsiteX3" fmla="*/ 0 w 685800"/>
+                  <a:gd name="connsiteY3" fmla="*/ 228600 h 457200"/>
+                  <a:gd name="connsiteX4" fmla="*/ 457200 w 685800"/>
+                  <a:gd name="connsiteY4" fmla="*/ 0 h 457200"/>
+                </a:gdLst>
+                <a:ahLst/>
+                <a:cxnLst>
+                  <a:cxn ang="0">
+                    <a:pos x="connsiteX0" y="connsiteY0"/>
+                  </a:cxn>
+                  <a:cxn ang="0">
+                    <a:pos x="connsiteX1" y="connsiteY1"/>
+                  </a:cxn>
+                  <a:cxn ang="0">
+                    <a:pos x="connsiteX2" y="connsiteY2"/>
+                  </a:cxn>
+                  <a:cxn ang="0">
+                    <a:pos x="connsiteX3" y="connsiteY3"/>
+                  </a:cxn>
+                  <a:cxn ang="0">
+                    <a:pos x="connsiteX4" y="connsiteY4"/>
+                  </a:cxn>
+                </a:cxnLst>
+                <a:rect l="l" t="t" r="r" b="b"/>
+                <a:pathLst>
+                  <a:path w="685800" h="457200">
+                    <a:moveTo>
+                      <a:pt x="457200" y="0"/>
+                    </a:moveTo>
+                    <a:cubicBezTo>
+                      <a:pt x="583452" y="0"/>
+                      <a:pt x="685800" y="102348"/>
+                      <a:pt x="685800" y="228600"/>
+                    </a:cubicBezTo>
+                    <a:cubicBezTo>
+                      <a:pt x="685800" y="354852"/>
+                      <a:pt x="583452" y="457200"/>
+                      <a:pt x="457200" y="457200"/>
+                    </a:cubicBezTo>
+                    <a:cubicBezTo>
+                      <a:pt x="204695" y="457200"/>
+                      <a:pt x="0" y="354852"/>
+                      <a:pt x="0" y="228600"/>
+                    </a:cubicBezTo>
+                    <a:cubicBezTo>
+                      <a:pt x="0" y="102348"/>
+                      <a:pt x="204695" y="0"/>
+                      <a:pt x="457200" y="0"/>
+                    </a:cubicBezTo>
+                    <a:close/>
+                  </a:path>
+                </a:pathLst>
+              </a:custGeom>
+              <a:solidFill>
+                <a:srgbClr val="333333"/>
+              </a:solidFill>
+              <a:ln w="50800">
+                <a:solidFill>
+                  <a:schemeClr val="tx1"/>
+                </a:solidFill>
+              </a:ln>
+            </p:spPr>
+            <p:style>
+              <a:lnRef idx="2">
+                <a:schemeClr val="accent1">
+                  <a:shade val="50000"/>
+                </a:schemeClr>
+              </a:lnRef>
+              <a:fillRef idx="1">
+                <a:schemeClr val="accent1"/>
+              </a:fillRef>
+              <a:effectRef idx="0">
+                <a:schemeClr val="accent1"/>
+              </a:effectRef>
+              <a:fontRef idx="minor">
+                <a:schemeClr val="lt1"/>
+              </a:fontRef>
+            </p:style>
+            <p:txBody>
+              <a:bodyPr rtlCol="0" anchor="ctr"/>
+              <a:lstStyle/>
+              <a:p>
+                <a:pPr algn="ctr"/>
+                <a:endParaRPr lang="en-US"/>
+              </a:p>
+            </p:txBody>
+          </p:sp>
+        </p:grpSp>
+        <p:sp>
+          <p:nvSpPr>
+            <p:cNvPr id="28" name="Oval 27"/>
+            <p:cNvSpPr/>
+            <p:nvPr/>
+          </p:nvSpPr>
+          <p:spPr>
+            <a:xfrm>
+              <a:off x="4572000" y="1371600"/>
+              <a:ext cx="685800" cy="685800"/>
+            </a:xfrm>
+            <a:prstGeom prst="ellipse">
+              <a:avLst/>
+            </a:prstGeom>
+            <a:solidFill>
+              <a:schemeClr val="bg1"/>
+            </a:solidFill>
+            <a:ln w="50800">
+              <a:solidFill>
+                <a:schemeClr val="tx1"/>
+              </a:solidFill>
+            </a:ln>
+          </p:spPr>
+          <p:style>
+            <a:lnRef idx="2">
+              <a:schemeClr val="accent1">
+                <a:shade val="50000"/>
+              </a:schemeClr>
+            </a:lnRef>
+            <a:fillRef idx="1">
+              <a:schemeClr val="accent1"/>
+            </a:fillRef>
+            <a:effectRef idx="0">
+              <a:schemeClr val="accent1"/>
+            </a:effectRef>
+            <a:fontRef idx="minor">
+              <a:schemeClr val="lt1"/>
+            </a:fontRef>
+          </p:style>
+          <p:txBody>
+            <a:bodyPr rtlCol="0" anchor="ctr"/>
+            <a:lstStyle/>
+            <a:p>
+              <a:pPr algn="ctr"/>
+              <a:endParaRPr lang="en-US"/>
+            </a:p>
+          </p:txBody>
+        </p:sp>
+        <p:sp>
+          <p:nvSpPr>
+            <p:cNvPr id="29" name="Oval 28"/>
+            <p:cNvSpPr/>
+            <p:nvPr/>
+          </p:nvSpPr>
+          <p:spPr>
+            <a:xfrm>
+              <a:off x="6400800" y="1143000"/>
+              <a:ext cx="685800" cy="685800"/>
+            </a:xfrm>
+            <a:prstGeom prst="ellipse">
+              <a:avLst/>
+            </a:prstGeom>
+            <a:solidFill>
+              <a:schemeClr val="bg1"/>
+            </a:solidFill>
+            <a:ln w="50800">
+              <a:solidFill>
+                <a:schemeClr val="tx1"/>
+              </a:solidFill>
+            </a:ln>
+          </p:spPr>
+          <p:style>
+            <a:lnRef idx="2">
+              <a:schemeClr val="accent1">
+                <a:shade val="50000"/>
+              </a:schemeClr>
+            </a:lnRef>
+            <a:fillRef idx="1">
+              <a:schemeClr val="accent1"/>
+            </a:fillRef>
+            <a:effectRef idx="0">
+              <a:schemeClr val="accent1"/>
+            </a:effectRef>
+            <a:fontRef idx="minor">
+              <a:schemeClr val="lt1"/>
+            </a:fontRef>
+          </p:style>
+          <p:txBody>
+            <a:bodyPr rtlCol="0" anchor="ctr"/>
+            <a:lstStyle/>
+            <a:p>
+              <a:pPr algn="ctr"/>
+              <a:endParaRPr lang="en-US"/>
+            </a:p>
+          </p:txBody>
+        </p:sp>
+        <p:sp>
+          <p:nvSpPr>
+            <p:cNvPr id="31" name="Oval 30"/>
+            <p:cNvSpPr/>
+            <p:nvPr/>
+          </p:nvSpPr>
+          <p:spPr>
+            <a:xfrm>
+              <a:off x="6492240" y="1325880"/>
+              <a:ext cx="457200" cy="457200"/>
+            </a:xfrm>
+            <a:prstGeom prst="ellipse">
+              <a:avLst/>
+            </a:prstGeom>
+            <a:solidFill>
+              <a:srgbClr val="333333"/>
+            </a:solidFill>
+            <a:ln w="50800">
+              <a:solidFill>
+                <a:schemeClr val="tx1"/>
+              </a:solidFill>
+            </a:ln>
+          </p:spPr>
+          <p:style>
+            <a:lnRef idx="2">
+              <a:schemeClr val="accent1">
+                <a:shade val="50000"/>
+              </a:schemeClr>
+            </a:lnRef>
+            <a:fillRef idx="1">
+              <a:schemeClr val="accent1"/>
+            </a:fillRef>
+            <a:effectRef idx="0">
+              <a:schemeClr val="accent1"/>
+            </a:effectRef>
+            <a:fontRef idx="minor">
+              <a:schemeClr val="lt1"/>
+            </a:fontRef>
+          </p:style>
+          <p:txBody>
+            <a:bodyPr rtlCol="0" anchor="ctr"/>
+            <a:lstStyle/>
+            <a:p>
+              <a:pPr algn="ctr"/>
+              <a:endParaRPr lang="en-US"/>
+            </a:p>
+          </p:txBody>
+        </p:sp>
+        <p:sp>
+          <p:nvSpPr>
+            <p:cNvPr id="32" name="Oval 31"/>
+            <p:cNvSpPr/>
+            <p:nvPr/>
+          </p:nvSpPr>
+          <p:spPr>
+            <a:xfrm>
+              <a:off x="4754880" y="1554480"/>
+              <a:ext cx="457200" cy="457200"/>
+            </a:xfrm>
+            <a:prstGeom prst="ellipse">
+              <a:avLst/>
+            </a:prstGeom>
+            <a:solidFill>
+              <a:srgbClr val="333333"/>
+            </a:solidFill>
+            <a:ln w="50800">
+              <a:solidFill>
+                <a:schemeClr val="tx1"/>
+              </a:solidFill>
+            </a:ln>
+          </p:spPr>
+          <p:style>
+            <a:lnRef idx="2">
+              <a:schemeClr val="accent1">
+                <a:shade val="50000"/>
+              </a:schemeClr>
+            </a:lnRef>
+            <a:fillRef idx="1">
+              <a:schemeClr val="accent1"/>
+            </a:fillRef>
+            <a:effectRef idx="0">
+              <a:schemeClr val="accent1"/>
+            </a:effectRef>
+            <a:fontRef idx="minor">
+              <a:schemeClr val="lt1"/>
+            </a:fontRef>
+          </p:style>
+          <p:txBody>
+            <a:bodyPr rtlCol="0" anchor="ctr"/>
+            <a:lstStyle/>
+            <a:p>
+              <a:pPr algn="ctr"/>
+              <a:endParaRPr lang="en-US"/>
+            </a:p>
+          </p:txBody>
+        </p:sp>
+        <p:sp>
+          <p:nvSpPr>
+            <p:cNvPr id="33" name="Oval 32"/>
+            <p:cNvSpPr/>
+            <p:nvPr/>
+          </p:nvSpPr>
+          <p:spPr>
+            <a:xfrm>
+              <a:off x="4818784" y="2570746"/>
+              <a:ext cx="2286000" cy="1371600"/>
+            </a:xfrm>
+            <a:prstGeom prst="ellipse">
+              <a:avLst/>
+            </a:prstGeom>
+            <a:solidFill>
+              <a:srgbClr val="FFDDDD"/>
+            </a:solidFill>
+            <a:ln w="50800">
+              <a:solidFill>
+                <a:schemeClr val="tx1"/>
+              </a:solidFill>
+            </a:ln>
+          </p:spPr>
+          <p:style>
+            <a:lnRef idx="2">
+              <a:schemeClr val="accent1">
+                <a:shade val="50000"/>
+              </a:schemeClr>
+            </a:lnRef>
+            <a:fillRef idx="1">
+              <a:schemeClr val="accent1"/>
+            </a:fillRef>
+            <a:effectRef idx="0">
+              <a:schemeClr val="accent1"/>
+            </a:effectRef>
+            <a:fontRef idx="minor">
+              <a:schemeClr val="lt1"/>
+            </a:fontRef>
+          </p:style>
+          <p:txBody>
+            <a:bodyPr rtlCol="0" anchor="ctr"/>
+            <a:lstStyle/>
+            <a:p>
+              <a:pPr algn="ctr"/>
+              <a:endParaRPr lang="en-US"/>
+            </a:p>
+          </p:txBody>
+        </p:sp>
+        <p:sp>
+          <p:nvSpPr>
+            <p:cNvPr id="34" name="Oval 33"/>
+            <p:cNvSpPr/>
+            <p:nvPr/>
+          </p:nvSpPr>
+          <p:spPr>
+            <a:xfrm rot="1800000">
+              <a:off x="5257800" y="2971800"/>
+              <a:ext cx="457200" cy="228600"/>
+            </a:xfrm>
+            <a:prstGeom prst="ellipse">
+              <a:avLst/>
+            </a:prstGeom>
+            <a:solidFill>
+              <a:srgbClr val="333333"/>
+            </a:solidFill>
+            <a:ln w="50800">
+              <a:solidFill>
+                <a:schemeClr val="tx1"/>
+              </a:solidFill>
+            </a:ln>
+          </p:spPr>
+          <p:style>
+            <a:lnRef idx="2">
+              <a:schemeClr val="accent1">
+                <a:shade val="50000"/>
+              </a:schemeClr>
+            </a:lnRef>
+            <a:fillRef idx="1">
+              <a:schemeClr val="accent1"/>
+            </a:fillRef>
+            <a:effectRef idx="0">
+              <a:schemeClr val="accent1"/>
+            </a:effectRef>
+            <a:fontRef idx="minor">
+              <a:schemeClr val="lt1"/>
+            </a:fontRef>
+          </p:style>
+          <p:txBody>
+            <a:bodyPr rtlCol="0" anchor="ctr"/>
+            <a:lstStyle/>
+            <a:p>
+              <a:pPr algn="ctr"/>
+              <a:endParaRPr lang="en-US"/>
+            </a:p>
+          </p:txBody>
+        </p:sp>
+        <p:sp>
+          <p:nvSpPr>
+            <p:cNvPr id="35" name="Oval 34"/>
+            <p:cNvSpPr/>
+            <p:nvPr/>
+          </p:nvSpPr>
+          <p:spPr>
+            <a:xfrm rot="19800000">
+              <a:off x="6172200" y="2971800"/>
+              <a:ext cx="457200" cy="228600"/>
+            </a:xfrm>
+            <a:prstGeom prst="ellipse">
+              <a:avLst/>
+            </a:prstGeom>
+            <a:solidFill>
+              <a:srgbClr val="333333"/>
+            </a:solidFill>
+            <a:ln w="50800">
+              <a:solidFill>
+                <a:schemeClr val="tx1"/>
+              </a:solidFill>
+            </a:ln>
+          </p:spPr>
+          <p:style>
+            <a:lnRef idx="2">
+              <a:schemeClr val="accent1">
+                <a:shade val="50000"/>
+              </a:schemeClr>
+            </a:lnRef>
+            <a:fillRef idx="1">
+              <a:schemeClr val="accent1"/>
+            </a:fillRef>
+            <a:effectRef idx="0">
+              <a:schemeClr val="accent1"/>
+            </a:effectRef>
+            <a:fontRef idx="minor">
+              <a:schemeClr val="lt1"/>
+            </a:fontRef>
+          </p:style>
+          <p:txBody>
+            <a:bodyPr rtlCol="0" anchor="ctr"/>
+            <a:lstStyle/>
+            <a:p>
+              <a:pPr algn="ctr"/>
+              <a:endParaRPr lang="en-US"/>
+            </a:p>
+          </p:txBody>
+        </p:sp>
+        <p:sp>
+          <p:nvSpPr>
+            <p:cNvPr id="44" name="Freeform 43"/>
+            <p:cNvSpPr/>
+            <p:nvPr/>
+          </p:nvSpPr>
+          <p:spPr>
+            <a:xfrm>
+              <a:off x="7315201" y="3657600"/>
+              <a:ext cx="854455" cy="1078676"/>
+            </a:xfrm>
+            <a:custGeom>
+              <a:avLst/>
+              <a:gdLst>
+                <a:gd name="connsiteX0" fmla="*/ 800100 w 854455"/>
+                <a:gd name="connsiteY0" fmla="*/ 0 h 1078676"/>
+                <a:gd name="connsiteX1" fmla="*/ 854455 w 854455"/>
+                <a:gd name="connsiteY1" fmla="*/ 4697 h 1078676"/>
+                <a:gd name="connsiteX2" fmla="*/ 811626 w 854455"/>
+                <a:gd name="connsiteY2" fmla="*/ 154608 h 1078676"/>
+                <a:gd name="connsiteX3" fmla="*/ 244846 w 854455"/>
+                <a:gd name="connsiteY3" fmla="*/ 997602 h 1078676"/>
+                <a:gd name="connsiteX4" fmla="*/ 145730 w 854455"/>
+                <a:gd name="connsiteY4" fmla="*/ 1078676 h 1078676"/>
+                <a:gd name="connsiteX5" fmla="*/ 136645 w 854455"/>
+                <a:gd name="connsiteY5" fmla="*/ 1069238 h 1078676"/>
+                <a:gd name="connsiteX6" fmla="*/ 0 w 854455"/>
+                <a:gd name="connsiteY6" fmla="*/ 685800 h 1078676"/>
+                <a:gd name="connsiteX7" fmla="*/ 800100 w 854455"/>
+                <a:gd name="connsiteY7" fmla="*/ 0 h 1078676"/>
+              </a:gdLst>
+              <a:ahLst/>
+              <a:cxnLst>
+                <a:cxn ang="0">
+                  <a:pos x="connsiteX0" y="connsiteY0"/>
+                </a:cxn>
+                <a:cxn ang="0">
+                  <a:pos x="connsiteX1" y="connsiteY1"/>
+                </a:cxn>
+                <a:cxn ang="0">
+                  <a:pos x="connsiteX2" y="connsiteY2"/>
+                </a:cxn>
+                <a:cxn ang="0">
+                  <a:pos x="connsiteX3" y="connsiteY3"/>
+                </a:cxn>
+                <a:cxn ang="0">
+                  <a:pos x="connsiteX4" y="connsiteY4"/>
+                </a:cxn>
+                <a:cxn ang="0">
+                  <a:pos x="connsiteX5" y="connsiteY5"/>
+                </a:cxn>
+                <a:cxn ang="0">
+                  <a:pos x="connsiteX6" y="connsiteY6"/>
+                </a:cxn>
+                <a:cxn ang="0">
+                  <a:pos x="connsiteX7" y="connsiteY7"/>
+                </a:cxn>
+              </a:cxnLst>
+              <a:rect l="l" t="t" r="r" b="b"/>
+              <a:pathLst>
+                <a:path w="854455" h="1078676">
+                  <a:moveTo>
+                    <a:pt x="800100" y="0"/>
+                  </a:moveTo>
+                  <a:lnTo>
+                    <a:pt x="854455" y="4697"/>
+                  </a:lnTo>
+                  <a:lnTo>
+                    <a:pt x="811626" y="154608"/>
+                  </a:lnTo>
+                  <a:cubicBezTo>
+                    <a:pt x="700306" y="476725"/>
+                    <a:pt x="503399" y="764904"/>
+                    <a:pt x="244846" y="997602"/>
+                  </a:cubicBezTo>
+                  <a:lnTo>
+                    <a:pt x="145730" y="1078676"/>
+                  </a:lnTo>
+                  <a:lnTo>
+                    <a:pt x="136645" y="1069238"/>
+                  </a:lnTo>
+                  <a:cubicBezTo>
+                    <a:pt x="50375" y="959783"/>
+                    <a:pt x="0" y="827834"/>
+                    <a:pt x="0" y="685800"/>
+                  </a:cubicBezTo>
+                  <a:cubicBezTo>
+                    <a:pt x="0" y="307043"/>
+                    <a:pt x="358217" y="0"/>
+                    <a:pt x="800100" y="0"/>
+                  </a:cubicBezTo>
+                  <a:close/>
+                </a:path>
+              </a:pathLst>
+            </a:custGeom>
+            <a:solidFill>
+              <a:srgbClr val="009966"/>
+            </a:solidFill>
+            <a:ln w="50800">
+              <a:solidFill>
+                <a:schemeClr val="tx1"/>
+              </a:solidFill>
+            </a:ln>
+          </p:spPr>
+          <p:style>
+            <a:lnRef idx="2">
+              <a:schemeClr val="accent1">
+                <a:shade val="50000"/>
+              </a:schemeClr>
+            </a:lnRef>
+            <a:fillRef idx="1">
+              <a:schemeClr val="accent1"/>
+            </a:fillRef>
+            <a:effectRef idx="0">
+              <a:schemeClr val="accent1"/>
+            </a:effectRef>
+            <a:fontRef idx="minor">
+              <a:schemeClr val="lt1"/>
+            </a:fontRef>
+          </p:style>
+          <p:txBody>
+            <a:bodyPr rtlCol="0" anchor="ctr"/>
+            <a:lstStyle/>
+            <a:p>
+              <a:pPr algn="ctr"/>
+              <a:endParaRPr lang="en-US"/>
+            </a:p>
+          </p:txBody>
+        </p:sp>
+      </p:grpSp>
+    </p:spTree>
+    <p:extLst>
+      <p:ext uri="{BB962C8B-B14F-4D97-AF65-F5344CB8AC3E}">
+        <p14:creationId xmlns:p14="http://schemas.microsoft.com/office/powerpoint/2010/main" val="573166301"/>
+      </p:ext>
+    </p:extLst>
+  </p:cSld>
+  <p:clrMapOvr>
+    <a:masterClrMapping/>
+  </p:clrMapOvr>
+</p:sld>
+</file>
+
+<file path=ppt/slides/slide7.xml><?xml version="1.0" encoding="utf-8"?>
+<p:sld xmlns:a="http://schemas.openxmlformats.org/drawingml/2006/main" xmlns:r="http://schemas.openxmlformats.org/officeDocument/2006/relationships" xmlns:p="http://schemas.openxmlformats.org/presentationml/2006/main">
+  <p:cSld>
+    <p:spTree>
+      <p:nvGrpSpPr>
+        <p:cNvPr id="1" name=""/>
+        <p:cNvGrpSpPr/>
+        <p:nvPr/>
+      </p:nvGrpSpPr>
+      <p:grpSpPr>
+        <a:xfrm>
+          <a:off x="0" y="0"/>
+          <a:ext cx="0" cy="0"/>
+          <a:chOff x="0" y="0"/>
+          <a:chExt cx="0" cy="0"/>
+        </a:xfrm>
+      </p:grpSpPr>
+      <p:grpSp>
+        <p:nvGrpSpPr>
+          <p:cNvPr id="9" name="Group 8"/>
+          <p:cNvGrpSpPr/>
+          <p:nvPr/>
+        </p:nvGrpSpPr>
+        <p:grpSpPr>
+          <a:xfrm>
+            <a:off x="3657600" y="0"/>
+            <a:ext cx="4576064" cy="5715000"/>
+            <a:chOff x="3657600" y="0"/>
+            <a:chExt cx="4576064" cy="5715000"/>
+          </a:xfrm>
+        </p:grpSpPr>
+        <p:grpSp>
+          <p:nvGrpSpPr>
+            <p:cNvPr id="27" name="Group 26"/>
+            <p:cNvGrpSpPr/>
+            <p:nvPr/>
+          </p:nvGrpSpPr>
+          <p:grpSpPr>
+            <a:xfrm>
+              <a:off x="4800600" y="0"/>
+              <a:ext cx="2286000" cy="685800"/>
+              <a:chOff x="114300" y="-114300"/>
+              <a:chExt cx="2286000" cy="685800"/>
+            </a:xfrm>
+          </p:grpSpPr>
+          <p:sp>
+            <p:nvSpPr>
+              <p:cNvPr id="25" name="Freeform 24"/>
+              <p:cNvSpPr/>
+              <p:nvPr/>
+            </p:nvSpPr>
+            <p:spPr>
+              <a:xfrm rot="3600000">
+                <a:off x="0" y="0"/>
+                <a:ext cx="685800" cy="457200"/>
+              </a:xfrm>
+              <a:custGeom>
+                <a:avLst/>
+                <a:gdLst>
+                  <a:gd name="connsiteX0" fmla="*/ 457200 w 685800"/>
+                  <a:gd name="connsiteY0" fmla="*/ 0 h 457200"/>
+                  <a:gd name="connsiteX1" fmla="*/ 685800 w 685800"/>
+                  <a:gd name="connsiteY1" fmla="*/ 228600 h 457200"/>
+                  <a:gd name="connsiteX2" fmla="*/ 457200 w 685800"/>
+                  <a:gd name="connsiteY2" fmla="*/ 457200 h 457200"/>
+                  <a:gd name="connsiteX3" fmla="*/ 0 w 685800"/>
+                  <a:gd name="connsiteY3" fmla="*/ 228600 h 457200"/>
+                  <a:gd name="connsiteX4" fmla="*/ 457200 w 685800"/>
+                  <a:gd name="connsiteY4" fmla="*/ 0 h 457200"/>
+                </a:gdLst>
+                <a:ahLst/>
+                <a:cxnLst>
+                  <a:cxn ang="0">
+                    <a:pos x="connsiteX0" y="connsiteY0"/>
+                  </a:cxn>
+                  <a:cxn ang="0">
+                    <a:pos x="connsiteX1" y="connsiteY1"/>
+                  </a:cxn>
+                  <a:cxn ang="0">
+                    <a:pos x="connsiteX2" y="connsiteY2"/>
+                  </a:cxn>
+                  <a:cxn ang="0">
+                    <a:pos x="connsiteX3" y="connsiteY3"/>
+                  </a:cxn>
+                  <a:cxn ang="0">
+                    <a:pos x="connsiteX4" y="connsiteY4"/>
+                  </a:cxn>
+                </a:cxnLst>
+                <a:rect l="l" t="t" r="r" b="b"/>
+                <a:pathLst>
+                  <a:path w="685800" h="457200">
+                    <a:moveTo>
+                      <a:pt x="457200" y="0"/>
+                    </a:moveTo>
+                    <a:cubicBezTo>
+                      <a:pt x="583452" y="0"/>
+                      <a:pt x="685800" y="102348"/>
+                      <a:pt x="685800" y="228600"/>
+                    </a:cubicBezTo>
+                    <a:cubicBezTo>
+                      <a:pt x="685800" y="354852"/>
+                      <a:pt x="583452" y="457200"/>
+                      <a:pt x="457200" y="457200"/>
+                    </a:cubicBezTo>
+                    <a:cubicBezTo>
+                      <a:pt x="204695" y="457200"/>
+                      <a:pt x="0" y="354852"/>
+                      <a:pt x="0" y="228600"/>
+                    </a:cubicBezTo>
+                    <a:cubicBezTo>
+                      <a:pt x="0" y="102348"/>
+                      <a:pt x="204695" y="0"/>
+                      <a:pt x="457200" y="0"/>
+                    </a:cubicBezTo>
+                    <a:close/>
+                  </a:path>
+                </a:pathLst>
+              </a:custGeom>
+              <a:solidFill>
+                <a:srgbClr val="333333"/>
+              </a:solidFill>
+              <a:ln w="50800">
+                <a:solidFill>
+                  <a:schemeClr val="tx1"/>
+                </a:solidFill>
+              </a:ln>
+            </p:spPr>
+            <p:style>
+              <a:lnRef idx="2">
+                <a:schemeClr val="accent1">
+                  <a:shade val="50000"/>
+                </a:schemeClr>
+              </a:lnRef>
+              <a:fillRef idx="1">
+                <a:schemeClr val="accent1"/>
+              </a:fillRef>
+              <a:effectRef idx="0">
+                <a:schemeClr val="accent1"/>
+              </a:effectRef>
+              <a:fontRef idx="minor">
+                <a:schemeClr val="lt1"/>
+              </a:fontRef>
+            </p:style>
+            <p:txBody>
+              <a:bodyPr rtlCol="0" anchor="ctr"/>
+              <a:lstStyle/>
+              <a:p>
+                <a:pPr algn="ctr"/>
+                <a:endParaRPr lang="en-US"/>
+              </a:p>
+            </p:txBody>
+          </p:sp>
+          <p:sp>
+            <p:nvSpPr>
+              <p:cNvPr id="26" name="Freeform 25"/>
+              <p:cNvSpPr/>
+              <p:nvPr/>
+            </p:nvSpPr>
+            <p:spPr>
+              <a:xfrm rot="7200000">
+                <a:off x="1828800" y="0"/>
+                <a:ext cx="685800" cy="457200"/>
+              </a:xfrm>
+              <a:custGeom>
+                <a:avLst/>
+                <a:gdLst>
+                  <a:gd name="connsiteX0" fmla="*/ 457200 w 685800"/>
+                  <a:gd name="connsiteY0" fmla="*/ 0 h 457200"/>
+                  <a:gd name="connsiteX1" fmla="*/ 685800 w 685800"/>
+                  <a:gd name="connsiteY1" fmla="*/ 228600 h 457200"/>
+                  <a:gd name="connsiteX2" fmla="*/ 457200 w 685800"/>
+                  <a:gd name="connsiteY2" fmla="*/ 457200 h 457200"/>
+                  <a:gd name="connsiteX3" fmla="*/ 0 w 685800"/>
+                  <a:gd name="connsiteY3" fmla="*/ 228600 h 457200"/>
+                  <a:gd name="connsiteX4" fmla="*/ 457200 w 685800"/>
+                  <a:gd name="connsiteY4" fmla="*/ 0 h 457200"/>
+                </a:gdLst>
+                <a:ahLst/>
+                <a:cxnLst>
+                  <a:cxn ang="0">
+                    <a:pos x="connsiteX0" y="connsiteY0"/>
+                  </a:cxn>
+                  <a:cxn ang="0">
+                    <a:pos x="connsiteX1" y="connsiteY1"/>
+                  </a:cxn>
+                  <a:cxn ang="0">
+                    <a:pos x="connsiteX2" y="connsiteY2"/>
+                  </a:cxn>
+                  <a:cxn ang="0">
+                    <a:pos x="connsiteX3" y="connsiteY3"/>
+                  </a:cxn>
+                  <a:cxn ang="0">
+                    <a:pos x="connsiteX4" y="connsiteY4"/>
+                  </a:cxn>
+                </a:cxnLst>
+                <a:rect l="l" t="t" r="r" b="b"/>
+                <a:pathLst>
+                  <a:path w="685800" h="457200">
+                    <a:moveTo>
+                      <a:pt x="457200" y="0"/>
+                    </a:moveTo>
+                    <a:cubicBezTo>
+                      <a:pt x="583452" y="0"/>
+                      <a:pt x="685800" y="102348"/>
+                      <a:pt x="685800" y="228600"/>
+                    </a:cubicBezTo>
+                    <a:cubicBezTo>
+                      <a:pt x="685800" y="354852"/>
+                      <a:pt x="583452" y="457200"/>
+                      <a:pt x="457200" y="457200"/>
+                    </a:cubicBezTo>
+                    <a:cubicBezTo>
+                      <a:pt x="204695" y="457200"/>
+                      <a:pt x="0" y="354852"/>
+                      <a:pt x="0" y="228600"/>
+                    </a:cubicBezTo>
+                    <a:cubicBezTo>
+                      <a:pt x="0" y="102348"/>
+                      <a:pt x="204695" y="0"/>
+                      <a:pt x="457200" y="0"/>
+                    </a:cubicBezTo>
+                    <a:close/>
+                  </a:path>
+                </a:pathLst>
+              </a:custGeom>
+              <a:solidFill>
+                <a:srgbClr val="333333"/>
+              </a:solidFill>
+              <a:ln w="50800">
+                <a:solidFill>
+                  <a:schemeClr val="tx1"/>
+                </a:solidFill>
+              </a:ln>
+            </p:spPr>
+            <p:style>
+              <a:lnRef idx="2">
+                <a:schemeClr val="accent1">
+                  <a:shade val="50000"/>
+                </a:schemeClr>
+              </a:lnRef>
+              <a:fillRef idx="1">
+                <a:schemeClr val="accent1"/>
+              </a:fillRef>
+              <a:effectRef idx="0">
+                <a:schemeClr val="accent1"/>
+              </a:effectRef>
+              <a:fontRef idx="minor">
+                <a:schemeClr val="lt1"/>
+              </a:fontRef>
+            </p:style>
+            <p:txBody>
+              <a:bodyPr rtlCol="0" anchor="ctr"/>
+              <a:lstStyle/>
+              <a:p>
+                <a:pPr algn="ctr"/>
+                <a:endParaRPr lang="en-US"/>
+              </a:p>
+            </p:txBody>
+          </p:sp>
+        </p:grpSp>
+        <p:sp>
+          <p:nvSpPr>
+            <p:cNvPr id="2" name="Oval 1"/>
+            <p:cNvSpPr/>
+            <p:nvPr/>
+          </p:nvSpPr>
+          <p:spPr>
+            <a:xfrm>
+              <a:off x="4114800" y="228600"/>
+              <a:ext cx="3657600" cy="3657600"/>
+            </a:xfrm>
+            <a:prstGeom prst="ellipse">
+              <a:avLst/>
+            </a:prstGeom>
+            <a:solidFill>
+              <a:schemeClr val="bg1"/>
+            </a:solidFill>
+            <a:ln w="50800">
+              <a:solidFill>
+                <a:schemeClr val="tx1"/>
+              </a:solidFill>
+            </a:ln>
+          </p:spPr>
+          <p:style>
+            <a:lnRef idx="2">
+              <a:schemeClr val="accent1">
+                <a:shade val="50000"/>
+              </a:schemeClr>
+            </a:lnRef>
+            <a:fillRef idx="1">
+              <a:schemeClr val="accent1"/>
+            </a:fillRef>
+            <a:effectRef idx="0">
+              <a:schemeClr val="accent1"/>
+            </a:effectRef>
+            <a:fontRef idx="minor">
+              <a:schemeClr val="lt1"/>
+            </a:fontRef>
+          </p:style>
+          <p:txBody>
+            <a:bodyPr rtlCol="0" anchor="ctr"/>
+            <a:lstStyle/>
+            <a:p>
+              <a:pPr algn="ctr"/>
+              <a:endParaRPr lang="en-US"/>
+            </a:p>
+          </p:txBody>
+        </p:sp>
+        <p:sp>
+          <p:nvSpPr>
+            <p:cNvPr id="50" name="Freeform 49"/>
+            <p:cNvSpPr/>
+            <p:nvPr/>
+          </p:nvSpPr>
+          <p:spPr>
+            <a:xfrm flipH="1">
+              <a:off x="4132244" y="241980"/>
+              <a:ext cx="2044020" cy="2044020"/>
+            </a:xfrm>
+            <a:custGeom>
+              <a:avLst/>
+              <a:gdLst>
+                <a:gd name="connsiteX0" fmla="*/ 441389 w 2044020"/>
+                <a:gd name="connsiteY0" fmla="*/ 0 h 2044020"/>
+                <a:gd name="connsiteX1" fmla="*/ 597167 w 2044020"/>
+                <a:gd name="connsiteY1" fmla="*/ 23775 h 2044020"/>
+                <a:gd name="connsiteX2" fmla="*/ 2020245 w 2044020"/>
+                <a:gd name="connsiteY2" fmla="*/ 1446853 h 2044020"/>
+                <a:gd name="connsiteX3" fmla="*/ 2044020 w 2044020"/>
+                <a:gd name="connsiteY3" fmla="*/ 1602631 h 2044020"/>
+                <a:gd name="connsiteX4" fmla="*/ 2024994 w 2044020"/>
+                <a:gd name="connsiteY4" fmla="*/ 1628074 h 2044020"/>
+                <a:gd name="connsiteX5" fmla="*/ 1143000 w 2044020"/>
+                <a:gd name="connsiteY5" fmla="*/ 2044020 h 2044020"/>
+                <a:gd name="connsiteX6" fmla="*/ 0 w 2044020"/>
+                <a:gd name="connsiteY6" fmla="*/ 901020 h 2044020"/>
+                <a:gd name="connsiteX7" fmla="*/ 415946 w 2044020"/>
+                <a:gd name="connsiteY7" fmla="*/ 19026 h 2044020"/>
+              </a:gdLst>
+              <a:ahLst/>
+              <a:cxnLst>
+                <a:cxn ang="0">
+                  <a:pos x="connsiteX0" y="connsiteY0"/>
+                </a:cxn>
+                <a:cxn ang="0">
+                  <a:pos x="connsiteX1" y="connsiteY1"/>
+                </a:cxn>
+                <a:cxn ang="0">
+                  <a:pos x="connsiteX2" y="connsiteY2"/>
+                </a:cxn>
+                <a:cxn ang="0">
+                  <a:pos x="connsiteX3" y="connsiteY3"/>
+                </a:cxn>
+                <a:cxn ang="0">
+                  <a:pos x="connsiteX4" y="connsiteY4"/>
+                </a:cxn>
+                <a:cxn ang="0">
+                  <a:pos x="connsiteX5" y="connsiteY5"/>
+                </a:cxn>
+                <a:cxn ang="0">
+                  <a:pos x="connsiteX6" y="connsiteY6"/>
+                </a:cxn>
+                <a:cxn ang="0">
+                  <a:pos x="connsiteX7" y="connsiteY7"/>
+                </a:cxn>
+              </a:cxnLst>
+              <a:rect l="l" t="t" r="r" b="b"/>
+              <a:pathLst>
+                <a:path w="2044020" h="2044020">
+                  <a:moveTo>
+                    <a:pt x="441389" y="0"/>
+                  </a:moveTo>
+                  <a:lnTo>
+                    <a:pt x="597167" y="23775"/>
+                  </a:lnTo>
+                  <a:cubicBezTo>
+                    <a:pt x="1311470" y="169942"/>
+                    <a:pt x="1874078" y="732550"/>
+                    <a:pt x="2020245" y="1446853"/>
+                  </a:cubicBezTo>
+                  <a:lnTo>
+                    <a:pt x="2044020" y="1602631"/>
+                  </a:lnTo>
+                  <a:lnTo>
+                    <a:pt x="2024994" y="1628074"/>
+                  </a:lnTo>
+                  <a:cubicBezTo>
+                    <a:pt x="1815351" y="1882103"/>
+                    <a:pt x="1498085" y="2044020"/>
+                    <a:pt x="1143000" y="2044020"/>
+                  </a:cubicBezTo>
+                  <a:cubicBezTo>
+                    <a:pt x="511739" y="2044020"/>
+                    <a:pt x="0" y="1532281"/>
+                    <a:pt x="0" y="901020"/>
+                  </a:cubicBezTo>
+                  <a:cubicBezTo>
+                    <a:pt x="0" y="545936"/>
+                    <a:pt x="161918" y="228669"/>
+                    <a:pt x="415946" y="19026"/>
+                  </a:cubicBezTo>
+                  <a:close/>
+                </a:path>
+              </a:pathLst>
+            </a:custGeom>
+            <a:solidFill>
+              <a:srgbClr val="009966"/>
+            </a:solidFill>
+            <a:ln w="50800">
+              <a:solidFill>
+                <a:schemeClr val="tx1"/>
+              </a:solidFill>
+            </a:ln>
+          </p:spPr>
+          <p:style>
+            <a:lnRef idx="2">
+              <a:schemeClr val="accent1">
+                <a:shade val="50000"/>
+              </a:schemeClr>
+            </a:lnRef>
+            <a:fillRef idx="1">
+              <a:schemeClr val="accent1"/>
+            </a:fillRef>
+            <a:effectRef idx="0">
+              <a:schemeClr val="accent1"/>
+            </a:effectRef>
+            <a:fontRef idx="minor">
+              <a:schemeClr val="lt1"/>
+            </a:fontRef>
+          </p:style>
+          <p:txBody>
+            <a:bodyPr rtlCol="0" anchor="ctr"/>
+            <a:lstStyle/>
+            <a:p>
+              <a:pPr algn="ctr"/>
+              <a:endParaRPr lang="en-US"/>
+            </a:p>
+          </p:txBody>
+        </p:sp>
+        <p:sp>
+          <p:nvSpPr>
+            <p:cNvPr id="3" name="Oval 2"/>
+            <p:cNvSpPr/>
+            <p:nvPr/>
+          </p:nvSpPr>
+          <p:spPr>
+            <a:xfrm>
+              <a:off x="3657600" y="1143000"/>
+              <a:ext cx="4572000" cy="4114800"/>
+            </a:xfrm>
+            <a:prstGeom prst="ellipse">
+              <a:avLst/>
+            </a:prstGeom>
+            <a:solidFill>
+              <a:schemeClr val="bg1"/>
+            </a:solidFill>
+            <a:ln w="50800">
+              <a:solidFill>
+                <a:schemeClr val="tx1"/>
+              </a:solidFill>
+            </a:ln>
+          </p:spPr>
+          <p:style>
+            <a:lnRef idx="2">
+              <a:schemeClr val="accent1">
+                <a:shade val="50000"/>
+              </a:schemeClr>
+            </a:lnRef>
+            <a:fillRef idx="1">
+              <a:schemeClr val="accent1"/>
+            </a:fillRef>
+            <a:effectRef idx="0">
+              <a:schemeClr val="accent1"/>
+            </a:effectRef>
+            <a:fontRef idx="minor">
+              <a:schemeClr val="lt1"/>
+            </a:fontRef>
+          </p:style>
+          <p:txBody>
+            <a:bodyPr rtlCol="0" anchor="ctr"/>
+            <a:lstStyle/>
+            <a:p>
+              <a:pPr algn="ctr"/>
+              <a:endParaRPr lang="en-US"/>
+            </a:p>
+          </p:txBody>
+        </p:sp>
+        <p:sp>
+          <p:nvSpPr>
+            <p:cNvPr id="11" name="Freeform 10"/>
+            <p:cNvSpPr/>
+            <p:nvPr/>
+          </p:nvSpPr>
+          <p:spPr>
+            <a:xfrm>
+              <a:off x="3886200" y="4800600"/>
+              <a:ext cx="1828800" cy="914400"/>
+            </a:xfrm>
+            <a:custGeom>
+              <a:avLst/>
+              <a:gdLst>
+                <a:gd name="connsiteX0" fmla="*/ 914400 w 1828800"/>
+                <a:gd name="connsiteY0" fmla="*/ 0 h 914400"/>
+                <a:gd name="connsiteX1" fmla="*/ 1828800 w 1828800"/>
+                <a:gd name="connsiteY1" fmla="*/ 685800 h 914400"/>
+                <a:gd name="connsiteX2" fmla="*/ 914400 w 1828800"/>
+                <a:gd name="connsiteY2" fmla="*/ 914400 h 914400"/>
+                <a:gd name="connsiteX3" fmla="*/ 0 w 1828800"/>
+                <a:gd name="connsiteY3" fmla="*/ 685800 h 914400"/>
+                <a:gd name="connsiteX4" fmla="*/ 914400 w 1828800"/>
+                <a:gd name="connsiteY4" fmla="*/ 0 h 914400"/>
+              </a:gdLst>
+              <a:ahLst/>
+              <a:cxnLst>
+                <a:cxn ang="0">
+                  <a:pos x="connsiteX0" y="connsiteY0"/>
+                </a:cxn>
+                <a:cxn ang="0">
+                  <a:pos x="connsiteX1" y="connsiteY1"/>
+                </a:cxn>
+                <a:cxn ang="0">
+                  <a:pos x="connsiteX2" y="connsiteY2"/>
+                </a:cxn>
+                <a:cxn ang="0">
+                  <a:pos x="connsiteX3" y="connsiteY3"/>
+                </a:cxn>
+                <a:cxn ang="0">
+                  <a:pos x="connsiteX4" y="connsiteY4"/>
+                </a:cxn>
+              </a:cxnLst>
+              <a:rect l="l" t="t" r="r" b="b"/>
+              <a:pathLst>
+                <a:path w="1828800" h="914400">
+                  <a:moveTo>
+                    <a:pt x="914400" y="0"/>
+                  </a:moveTo>
+                  <a:cubicBezTo>
+                    <a:pt x="1419409" y="0"/>
+                    <a:pt x="1828800" y="307043"/>
+                    <a:pt x="1828800" y="685800"/>
+                  </a:cubicBezTo>
+                  <a:cubicBezTo>
+                    <a:pt x="1828800" y="812052"/>
+                    <a:pt x="1419409" y="914400"/>
+                    <a:pt x="914400" y="914400"/>
+                  </a:cubicBezTo>
+                  <a:cubicBezTo>
+                    <a:pt x="409391" y="914400"/>
+                    <a:pt x="0" y="812052"/>
+                    <a:pt x="0" y="685800"/>
+                  </a:cubicBezTo>
+                  <a:cubicBezTo>
+                    <a:pt x="0" y="307043"/>
+                    <a:pt x="409391" y="0"/>
+                    <a:pt x="914400" y="0"/>
+                  </a:cubicBezTo>
+                  <a:close/>
+                </a:path>
+              </a:pathLst>
+            </a:custGeom>
+            <a:solidFill>
+              <a:srgbClr val="333333"/>
+            </a:solidFill>
+            <a:ln w="50800">
+              <a:solidFill>
+                <a:schemeClr val="tx1"/>
+              </a:solidFill>
+            </a:ln>
+          </p:spPr>
+          <p:style>
+            <a:lnRef idx="2">
+              <a:schemeClr val="accent1">
+                <a:shade val="50000"/>
+              </a:schemeClr>
+            </a:lnRef>
+            <a:fillRef idx="1">
+              <a:schemeClr val="accent1"/>
+            </a:fillRef>
+            <a:effectRef idx="0">
+              <a:schemeClr val="accent1"/>
+            </a:effectRef>
+            <a:fontRef idx="minor">
+              <a:schemeClr val="lt1"/>
+            </a:fontRef>
+          </p:style>
+          <p:txBody>
+            <a:bodyPr rtlCol="0" anchor="ctr"/>
+            <a:lstStyle/>
+            <a:p>
+              <a:pPr algn="ctr"/>
+              <a:endParaRPr lang="en-US"/>
+            </a:p>
+          </p:txBody>
+        </p:sp>
+        <p:sp>
+          <p:nvSpPr>
+            <p:cNvPr id="12" name="Freeform 11"/>
+            <p:cNvSpPr/>
+            <p:nvPr/>
+          </p:nvSpPr>
+          <p:spPr>
+            <a:xfrm>
+              <a:off x="6172200" y="4800600"/>
+              <a:ext cx="1828800" cy="914400"/>
+            </a:xfrm>
+            <a:custGeom>
+              <a:avLst/>
+              <a:gdLst>
+                <a:gd name="connsiteX0" fmla="*/ 914400 w 1828800"/>
+                <a:gd name="connsiteY0" fmla="*/ 0 h 914400"/>
+                <a:gd name="connsiteX1" fmla="*/ 1828800 w 1828800"/>
+                <a:gd name="connsiteY1" fmla="*/ 685800 h 914400"/>
+                <a:gd name="connsiteX2" fmla="*/ 914400 w 1828800"/>
+                <a:gd name="connsiteY2" fmla="*/ 914400 h 914400"/>
+                <a:gd name="connsiteX3" fmla="*/ 0 w 1828800"/>
+                <a:gd name="connsiteY3" fmla="*/ 685800 h 914400"/>
+                <a:gd name="connsiteX4" fmla="*/ 914400 w 1828800"/>
+                <a:gd name="connsiteY4" fmla="*/ 0 h 914400"/>
+              </a:gdLst>
+              <a:ahLst/>
+              <a:cxnLst>
+                <a:cxn ang="0">
+                  <a:pos x="connsiteX0" y="connsiteY0"/>
+                </a:cxn>
+                <a:cxn ang="0">
+                  <a:pos x="connsiteX1" y="connsiteY1"/>
+                </a:cxn>
+                <a:cxn ang="0">
+                  <a:pos x="connsiteX2" y="connsiteY2"/>
+                </a:cxn>
+                <a:cxn ang="0">
+                  <a:pos x="connsiteX3" y="connsiteY3"/>
+                </a:cxn>
+                <a:cxn ang="0">
+                  <a:pos x="connsiteX4" y="connsiteY4"/>
+                </a:cxn>
+              </a:cxnLst>
+              <a:rect l="l" t="t" r="r" b="b"/>
+              <a:pathLst>
+                <a:path w="1828800" h="914400">
+                  <a:moveTo>
+                    <a:pt x="914400" y="0"/>
+                  </a:moveTo>
+                  <a:cubicBezTo>
+                    <a:pt x="1419409" y="0"/>
+                    <a:pt x="1828800" y="307043"/>
+                    <a:pt x="1828800" y="685800"/>
+                  </a:cubicBezTo>
+                  <a:cubicBezTo>
+                    <a:pt x="1828800" y="812052"/>
+                    <a:pt x="1419409" y="914400"/>
+                    <a:pt x="914400" y="914400"/>
+                  </a:cubicBezTo>
+                  <a:cubicBezTo>
+                    <a:pt x="409391" y="914400"/>
+                    <a:pt x="0" y="812052"/>
+                    <a:pt x="0" y="685800"/>
+                  </a:cubicBezTo>
+                  <a:cubicBezTo>
+                    <a:pt x="0" y="307043"/>
+                    <a:pt x="409391" y="0"/>
+                    <a:pt x="914400" y="0"/>
+                  </a:cubicBezTo>
+                  <a:close/>
+                </a:path>
+              </a:pathLst>
+            </a:custGeom>
+            <a:solidFill>
+              <a:srgbClr val="333333"/>
+            </a:solidFill>
+            <a:ln w="50800">
+              <a:solidFill>
+                <a:schemeClr val="tx1"/>
+              </a:solidFill>
+            </a:ln>
+          </p:spPr>
+          <p:style>
+            <a:lnRef idx="2">
+              <a:schemeClr val="accent1">
+                <a:shade val="50000"/>
+              </a:schemeClr>
+            </a:lnRef>
+            <a:fillRef idx="1">
+              <a:schemeClr val="accent1"/>
+            </a:fillRef>
+            <a:effectRef idx="0">
+              <a:schemeClr val="accent1"/>
+            </a:effectRef>
+            <a:fontRef idx="minor">
+              <a:schemeClr val="lt1"/>
+            </a:fontRef>
+          </p:style>
+          <p:txBody>
+            <a:bodyPr rtlCol="0" anchor="ctr"/>
+            <a:lstStyle/>
+            <a:p>
+              <a:pPr algn="ctr"/>
+              <a:endParaRPr lang="en-US"/>
+            </a:p>
+          </p:txBody>
+        </p:sp>
+        <p:sp>
+          <p:nvSpPr>
+            <p:cNvPr id="13" name="Oval 12"/>
+            <p:cNvSpPr/>
+            <p:nvPr/>
+          </p:nvSpPr>
+          <p:spPr>
+            <a:xfrm rot="300000">
+              <a:off x="7086600" y="685800"/>
+              <a:ext cx="914400" cy="457200"/>
+            </a:xfrm>
+            <a:prstGeom prst="ellipse">
+              <a:avLst/>
+            </a:prstGeom>
+            <a:solidFill>
+              <a:schemeClr val="bg1"/>
+            </a:solidFill>
+            <a:ln w="50800">
+              <a:solidFill>
+                <a:schemeClr val="tx1"/>
+              </a:solidFill>
+            </a:ln>
+          </p:spPr>
+          <p:style>
+            <a:lnRef idx="2">
+              <a:schemeClr val="accent1">
+                <a:shade val="50000"/>
+              </a:schemeClr>
+            </a:lnRef>
+            <a:fillRef idx="1">
+              <a:schemeClr val="accent1"/>
+            </a:fillRef>
+            <a:effectRef idx="0">
+              <a:schemeClr val="accent1"/>
+            </a:effectRef>
+            <a:fontRef idx="minor">
+              <a:schemeClr val="lt1"/>
+            </a:fontRef>
+          </p:style>
+          <p:txBody>
+            <a:bodyPr rtlCol="0" anchor="ctr"/>
+            <a:lstStyle/>
+            <a:p>
+              <a:pPr algn="ctr"/>
+              <a:endParaRPr lang="en-US"/>
+            </a:p>
+          </p:txBody>
+        </p:sp>
+        <p:sp>
+          <p:nvSpPr>
+            <p:cNvPr id="14" name="Oval 13"/>
+            <p:cNvSpPr/>
+            <p:nvPr/>
+          </p:nvSpPr>
+          <p:spPr>
+            <a:xfrm rot="21300000">
+              <a:off x="3886200" y="685800"/>
+              <a:ext cx="914400" cy="457200"/>
+            </a:xfrm>
+            <a:prstGeom prst="ellipse">
+              <a:avLst/>
+            </a:prstGeom>
+            <a:solidFill>
+              <a:schemeClr val="bg1"/>
+            </a:solidFill>
+            <a:ln w="50800">
+              <a:solidFill>
+                <a:schemeClr val="tx1"/>
+              </a:solidFill>
+            </a:ln>
+          </p:spPr>
+          <p:style>
+            <a:lnRef idx="2">
+              <a:schemeClr val="accent1">
+                <a:shade val="50000"/>
+              </a:schemeClr>
+            </a:lnRef>
+            <a:fillRef idx="1">
+              <a:schemeClr val="accent1"/>
+            </a:fillRef>
+            <a:effectRef idx="0">
+              <a:schemeClr val="accent1"/>
+            </a:effectRef>
+            <a:fontRef idx="minor">
+              <a:schemeClr val="lt1"/>
+            </a:fontRef>
+          </p:style>
+          <p:txBody>
+            <a:bodyPr rtlCol="0" anchor="ctr"/>
+            <a:lstStyle/>
+            <a:p>
+              <a:pPr algn="ctr"/>
+              <a:endParaRPr lang="en-US"/>
+            </a:p>
+          </p:txBody>
+        </p:sp>
+        <p:sp>
+          <p:nvSpPr>
+            <p:cNvPr id="47" name="Freeform 46"/>
+            <p:cNvSpPr/>
+            <p:nvPr/>
+          </p:nvSpPr>
+          <p:spPr>
+            <a:xfrm flipH="1">
+              <a:off x="7319264" y="1908626"/>
+              <a:ext cx="914400" cy="1748974"/>
+            </a:xfrm>
+            <a:custGeom>
+              <a:avLst/>
+              <a:gdLst>
+                <a:gd name="connsiteX0" fmla="*/ 507950 w 914400"/>
+                <a:gd name="connsiteY0" fmla="*/ 0 h 1748974"/>
+                <a:gd name="connsiteX1" fmla="*/ 555493 w 914400"/>
+                <a:gd name="connsiteY1" fmla="*/ 30537 h 1748974"/>
+                <a:gd name="connsiteX2" fmla="*/ 914400 w 914400"/>
+                <a:gd name="connsiteY2" fmla="*/ 834574 h 1748974"/>
+                <a:gd name="connsiteX3" fmla="*/ 228600 w 914400"/>
+                <a:gd name="connsiteY3" fmla="*/ 1748974 h 1748974"/>
+                <a:gd name="connsiteX4" fmla="*/ 90388 w 914400"/>
+                <a:gd name="connsiteY4" fmla="*/ 1730397 h 1748974"/>
+                <a:gd name="connsiteX5" fmla="*/ 49268 w 914400"/>
+                <a:gd name="connsiteY5" fmla="*/ 1716300 h 1748974"/>
+                <a:gd name="connsiteX6" fmla="*/ 46444 w 914400"/>
+                <a:gd name="connsiteY6" fmla="*/ 1706412 h 1748974"/>
+                <a:gd name="connsiteX7" fmla="*/ 0 w 914400"/>
+                <a:gd name="connsiteY7" fmla="*/ 1291774 h 1748974"/>
+                <a:gd name="connsiteX8" fmla="*/ 390413 w 914400"/>
+                <a:gd name="connsiteY8" fmla="*/ 141462 h 1748974"/>
+              </a:gdLst>
+              <a:ahLst/>
+              <a:cxnLst>
+                <a:cxn ang="0">
+                  <a:pos x="connsiteX0" y="connsiteY0"/>
+                </a:cxn>
+                <a:cxn ang="0">
+                  <a:pos x="connsiteX1" y="connsiteY1"/>
+                </a:cxn>
+                <a:cxn ang="0">
+                  <a:pos x="connsiteX2" y="connsiteY2"/>
+                </a:cxn>
+                <a:cxn ang="0">
+                  <a:pos x="connsiteX3" y="connsiteY3"/>
+                </a:cxn>
+                <a:cxn ang="0">
+                  <a:pos x="connsiteX4" y="connsiteY4"/>
+                </a:cxn>
+                <a:cxn ang="0">
+                  <a:pos x="connsiteX5" y="connsiteY5"/>
+                </a:cxn>
+                <a:cxn ang="0">
+                  <a:pos x="connsiteX6" y="connsiteY6"/>
+                </a:cxn>
+                <a:cxn ang="0">
+                  <a:pos x="connsiteX7" y="connsiteY7"/>
+                </a:cxn>
+                <a:cxn ang="0">
+                  <a:pos x="connsiteX8" y="connsiteY8"/>
+                </a:cxn>
+              </a:cxnLst>
+              <a:rect l="l" t="t" r="r" b="b"/>
+              <a:pathLst>
+                <a:path w="914400" h="1748974">
+                  <a:moveTo>
+                    <a:pt x="507950" y="0"/>
+                  </a:moveTo>
+                  <a:lnTo>
+                    <a:pt x="555493" y="30537"/>
+                  </a:lnTo>
+                  <a:cubicBezTo>
+                    <a:pt x="769275" y="185381"/>
+                    <a:pt x="914400" y="487380"/>
+                    <a:pt x="914400" y="834574"/>
+                  </a:cubicBezTo>
+                  <a:cubicBezTo>
+                    <a:pt x="914400" y="1339583"/>
+                    <a:pt x="607357" y="1748974"/>
+                    <a:pt x="228600" y="1748974"/>
+                  </a:cubicBezTo>
+                  <a:cubicBezTo>
+                    <a:pt x="181256" y="1748974"/>
+                    <a:pt x="135031" y="1742577"/>
+                    <a:pt x="90388" y="1730397"/>
+                  </a:cubicBezTo>
+                  <a:lnTo>
+                    <a:pt x="49268" y="1716300"/>
+                  </a:lnTo>
+                  <a:lnTo>
+                    <a:pt x="46444" y="1706412"/>
+                  </a:lnTo>
+                  <a:cubicBezTo>
+                    <a:pt x="15992" y="1572480"/>
+                    <a:pt x="0" y="1433808"/>
+                    <a:pt x="0" y="1291774"/>
+                  </a:cubicBezTo>
+                  <a:cubicBezTo>
+                    <a:pt x="0" y="865673"/>
+                    <a:pt x="143927" y="469825"/>
+                    <a:pt x="390413" y="141462"/>
+                  </a:cubicBezTo>
+                  <a:close/>
+                </a:path>
+              </a:pathLst>
+            </a:custGeom>
+            <a:solidFill>
+              <a:srgbClr val="009966"/>
+            </a:solidFill>
+            <a:ln w="50800">
+              <a:solidFill>
+                <a:schemeClr val="tx1"/>
+              </a:solidFill>
+            </a:ln>
+          </p:spPr>
+          <p:style>
+            <a:lnRef idx="2">
+              <a:schemeClr val="accent1">
+                <a:shade val="50000"/>
+              </a:schemeClr>
+            </a:lnRef>
+            <a:fillRef idx="1">
+              <a:schemeClr val="accent1"/>
+            </a:fillRef>
+            <a:effectRef idx="0">
+              <a:schemeClr val="accent1"/>
+            </a:effectRef>
+            <a:fontRef idx="minor">
+              <a:schemeClr val="lt1"/>
+            </a:fontRef>
+          </p:style>
+          <p:txBody>
+            <a:bodyPr rtlCol="0" anchor="ctr"/>
+            <a:lstStyle/>
+            <a:p>
+              <a:pPr algn="ctr"/>
+              <a:endParaRPr lang="en-US"/>
+            </a:p>
+          </p:txBody>
+        </p:sp>
+        <p:sp>
+          <p:nvSpPr>
+            <p:cNvPr id="44" name="Freeform 43"/>
+            <p:cNvSpPr/>
+            <p:nvPr/>
+          </p:nvSpPr>
+          <p:spPr>
+            <a:xfrm flipH="1">
+              <a:off x="3721608" y="3657600"/>
+              <a:ext cx="854455" cy="1078676"/>
+            </a:xfrm>
+            <a:custGeom>
+              <a:avLst/>
+              <a:gdLst>
+                <a:gd name="connsiteX0" fmla="*/ 800100 w 854455"/>
+                <a:gd name="connsiteY0" fmla="*/ 0 h 1078676"/>
+                <a:gd name="connsiteX1" fmla="*/ 854455 w 854455"/>
+                <a:gd name="connsiteY1" fmla="*/ 4697 h 1078676"/>
+                <a:gd name="connsiteX2" fmla="*/ 811626 w 854455"/>
+                <a:gd name="connsiteY2" fmla="*/ 154608 h 1078676"/>
+                <a:gd name="connsiteX3" fmla="*/ 244846 w 854455"/>
+                <a:gd name="connsiteY3" fmla="*/ 997602 h 1078676"/>
+                <a:gd name="connsiteX4" fmla="*/ 145730 w 854455"/>
+                <a:gd name="connsiteY4" fmla="*/ 1078676 h 1078676"/>
+                <a:gd name="connsiteX5" fmla="*/ 136645 w 854455"/>
+                <a:gd name="connsiteY5" fmla="*/ 1069238 h 1078676"/>
+                <a:gd name="connsiteX6" fmla="*/ 0 w 854455"/>
+                <a:gd name="connsiteY6" fmla="*/ 685800 h 1078676"/>
+                <a:gd name="connsiteX7" fmla="*/ 800100 w 854455"/>
+                <a:gd name="connsiteY7" fmla="*/ 0 h 1078676"/>
+              </a:gdLst>
+              <a:ahLst/>
+              <a:cxnLst>
+                <a:cxn ang="0">
+                  <a:pos x="connsiteX0" y="connsiteY0"/>
+                </a:cxn>
+                <a:cxn ang="0">
+                  <a:pos x="connsiteX1" y="connsiteY1"/>
+                </a:cxn>
+                <a:cxn ang="0">
+                  <a:pos x="connsiteX2" y="connsiteY2"/>
+                </a:cxn>
+                <a:cxn ang="0">
+                  <a:pos x="connsiteX3" y="connsiteY3"/>
+                </a:cxn>
+                <a:cxn ang="0">
+                  <a:pos x="connsiteX4" y="connsiteY4"/>
+                </a:cxn>
+                <a:cxn ang="0">
+                  <a:pos x="connsiteX5" y="connsiteY5"/>
+                </a:cxn>
+                <a:cxn ang="0">
+                  <a:pos x="connsiteX6" y="connsiteY6"/>
+                </a:cxn>
+                <a:cxn ang="0">
+                  <a:pos x="connsiteX7" y="connsiteY7"/>
+                </a:cxn>
+              </a:cxnLst>
+              <a:rect l="l" t="t" r="r" b="b"/>
+              <a:pathLst>
+                <a:path w="854455" h="1078676">
+                  <a:moveTo>
+                    <a:pt x="800100" y="0"/>
+                  </a:moveTo>
+                  <a:lnTo>
+                    <a:pt x="854455" y="4697"/>
+                  </a:lnTo>
+                  <a:lnTo>
+                    <a:pt x="811626" y="154608"/>
+                  </a:lnTo>
+                  <a:cubicBezTo>
+                    <a:pt x="700306" y="476725"/>
+                    <a:pt x="503399" y="764904"/>
+                    <a:pt x="244846" y="997602"/>
+                  </a:cubicBezTo>
+                  <a:lnTo>
+                    <a:pt x="145730" y="1078676"/>
+                  </a:lnTo>
+                  <a:lnTo>
+                    <a:pt x="136645" y="1069238"/>
+                  </a:lnTo>
+                  <a:cubicBezTo>
+                    <a:pt x="50375" y="959783"/>
+                    <a:pt x="0" y="827834"/>
+                    <a:pt x="0" y="685800"/>
+                  </a:cubicBezTo>
+                  <a:cubicBezTo>
+                    <a:pt x="0" y="307043"/>
+                    <a:pt x="358217" y="0"/>
+                    <a:pt x="800100" y="0"/>
+                  </a:cubicBezTo>
+                  <a:close/>
+                </a:path>
+              </a:pathLst>
+            </a:custGeom>
+            <a:solidFill>
+              <a:srgbClr val="009966"/>
+            </a:solidFill>
+            <a:ln w="50800">
+              <a:solidFill>
+                <a:schemeClr val="tx1"/>
+              </a:solidFill>
+            </a:ln>
+          </p:spPr>
+          <p:style>
+            <a:lnRef idx="2">
+              <a:schemeClr val="accent1">
+                <a:shade val="50000"/>
+              </a:schemeClr>
+            </a:lnRef>
+            <a:fillRef idx="1">
+              <a:schemeClr val="accent1"/>
+            </a:fillRef>
+            <a:effectRef idx="0">
+              <a:schemeClr val="accent1"/>
+            </a:effectRef>
+            <a:fontRef idx="minor">
+              <a:schemeClr val="lt1"/>
+            </a:fontRef>
+          </p:style>
+          <p:txBody>
+            <a:bodyPr rtlCol="0" anchor="ctr"/>
+            <a:lstStyle/>
+            <a:p>
+              <a:pPr algn="ctr"/>
+              <a:endParaRPr lang="en-US"/>
+            </a:p>
+          </p:txBody>
+        </p:sp>
+        <p:sp>
+          <p:nvSpPr>
+            <p:cNvPr id="36" name="Freeform 35"/>
+            <p:cNvSpPr/>
+            <p:nvPr/>
+          </p:nvSpPr>
+          <p:spPr>
+            <a:xfrm>
+              <a:off x="5029200" y="2286000"/>
+              <a:ext cx="1028700" cy="2286000"/>
+            </a:xfrm>
+            <a:custGeom>
+              <a:avLst/>
+              <a:gdLst>
+                <a:gd name="connsiteX0" fmla="*/ 914400 w 1028700"/>
+                <a:gd name="connsiteY0" fmla="*/ 0 h 2286000"/>
+                <a:gd name="connsiteX1" fmla="*/ 1007892 w 1028700"/>
+                <a:gd name="connsiteY1" fmla="*/ 5901 h 2286000"/>
+                <a:gd name="connsiteX2" fmla="*/ 1028700 w 1028700"/>
+                <a:gd name="connsiteY2" fmla="*/ 9871 h 2286000"/>
+                <a:gd name="connsiteX3" fmla="*/ 958717 w 1028700"/>
+                <a:gd name="connsiteY3" fmla="*/ 23222 h 2286000"/>
+                <a:gd name="connsiteX4" fmla="*/ 228600 w 1028700"/>
+                <a:gd name="connsiteY4" fmla="*/ 1143000 h 2286000"/>
+                <a:gd name="connsiteX5" fmla="*/ 958717 w 1028700"/>
+                <a:gd name="connsiteY5" fmla="*/ 2262779 h 2286000"/>
+                <a:gd name="connsiteX6" fmla="*/ 1028700 w 1028700"/>
+                <a:gd name="connsiteY6" fmla="*/ 2276129 h 2286000"/>
+                <a:gd name="connsiteX7" fmla="*/ 1007892 w 1028700"/>
+                <a:gd name="connsiteY7" fmla="*/ 2280099 h 2286000"/>
+                <a:gd name="connsiteX8" fmla="*/ 914400 w 1028700"/>
+                <a:gd name="connsiteY8" fmla="*/ 2286000 h 2286000"/>
+                <a:gd name="connsiteX9" fmla="*/ 0 w 1028700"/>
+                <a:gd name="connsiteY9" fmla="*/ 1143000 h 2286000"/>
+                <a:gd name="connsiteX10" fmla="*/ 914400 w 1028700"/>
+                <a:gd name="connsiteY10" fmla="*/ 0 h 2286000"/>
+              </a:gdLst>
+              <a:ahLst/>
+              <a:cxnLst>
+                <a:cxn ang="0">
+                  <a:pos x="connsiteX0" y="connsiteY0"/>
+                </a:cxn>
+                <a:cxn ang="0">
+                  <a:pos x="connsiteX1" y="connsiteY1"/>
+                </a:cxn>
+                <a:cxn ang="0">
+                  <a:pos x="connsiteX2" y="connsiteY2"/>
+                </a:cxn>
+                <a:cxn ang="0">
+                  <a:pos x="connsiteX3" y="connsiteY3"/>
+                </a:cxn>
+                <a:cxn ang="0">
+                  <a:pos x="connsiteX4" y="connsiteY4"/>
+                </a:cxn>
+                <a:cxn ang="0">
+                  <a:pos x="connsiteX5" y="connsiteY5"/>
+                </a:cxn>
+                <a:cxn ang="0">
+                  <a:pos x="connsiteX6" y="connsiteY6"/>
+                </a:cxn>
+                <a:cxn ang="0">
+                  <a:pos x="connsiteX7" y="connsiteY7"/>
+                </a:cxn>
+                <a:cxn ang="0">
+                  <a:pos x="connsiteX8" y="connsiteY8"/>
+                </a:cxn>
+                <a:cxn ang="0">
+                  <a:pos x="connsiteX9" y="connsiteY9"/>
+                </a:cxn>
+                <a:cxn ang="0">
+                  <a:pos x="connsiteX10" y="connsiteY10"/>
+                </a:cxn>
+              </a:cxnLst>
+              <a:rect l="l" t="t" r="r" b="b"/>
+              <a:pathLst>
+                <a:path w="1028700" h="2286000">
+                  <a:moveTo>
+                    <a:pt x="914400" y="0"/>
+                  </a:moveTo>
+                  <a:cubicBezTo>
+                    <a:pt x="945963" y="0"/>
+                    <a:pt x="977153" y="1999"/>
+                    <a:pt x="1007892" y="5901"/>
+                  </a:cubicBezTo>
+                  <a:lnTo>
+                    <a:pt x="1028700" y="9871"/>
+                  </a:lnTo>
+                  <a:lnTo>
+                    <a:pt x="958717" y="23222"/>
+                  </a:lnTo>
+                  <a:cubicBezTo>
+                    <a:pt x="542040" y="129802"/>
+                    <a:pt x="228600" y="590647"/>
+                    <a:pt x="228600" y="1143000"/>
+                  </a:cubicBezTo>
+                  <a:cubicBezTo>
+                    <a:pt x="228600" y="1695353"/>
+                    <a:pt x="542040" y="2156198"/>
+                    <a:pt x="958717" y="2262779"/>
+                  </a:cubicBezTo>
+                  <a:lnTo>
+                    <a:pt x="1028700" y="2276129"/>
+                  </a:lnTo>
+                  <a:lnTo>
+                    <a:pt x="1007892" y="2280099"/>
+                  </a:lnTo>
+                  <a:cubicBezTo>
+                    <a:pt x="977153" y="2284001"/>
+                    <a:pt x="945963" y="2286000"/>
+                    <a:pt x="914400" y="2286000"/>
+                  </a:cubicBezTo>
+                  <a:cubicBezTo>
+                    <a:pt x="409391" y="2286000"/>
+                    <a:pt x="0" y="1774261"/>
+                    <a:pt x="0" y="1143000"/>
+                  </a:cubicBezTo>
+                  <a:cubicBezTo>
+                    <a:pt x="0" y="511739"/>
+                    <a:pt x="409391" y="0"/>
+                    <a:pt x="914400" y="0"/>
+                  </a:cubicBezTo>
+                  <a:close/>
+                </a:path>
+              </a:pathLst>
+            </a:custGeom>
+            <a:solidFill>
+              <a:schemeClr val="bg1"/>
+            </a:solidFill>
+            <a:ln w="50800">
+              <a:solidFill>
+                <a:schemeClr val="tx1"/>
+              </a:solidFill>
+            </a:ln>
+          </p:spPr>
+          <p:style>
+            <a:lnRef idx="2">
+              <a:schemeClr val="accent1">
+                <a:shade val="50000"/>
+              </a:schemeClr>
+            </a:lnRef>
+            <a:fillRef idx="1">
+              <a:schemeClr val="accent1"/>
+            </a:fillRef>
+            <a:effectRef idx="0">
+              <a:schemeClr val="accent1"/>
+            </a:effectRef>
+            <a:fontRef idx="minor">
+              <a:schemeClr val="lt1"/>
+            </a:fontRef>
+          </p:style>
+          <p:txBody>
+            <a:bodyPr rtlCol="0" anchor="ctr"/>
+            <a:lstStyle/>
+            <a:p>
+              <a:pPr algn="ctr"/>
+              <a:endParaRPr lang="en-US"/>
+            </a:p>
+          </p:txBody>
+        </p:sp>
+        <p:sp>
+          <p:nvSpPr>
+            <p:cNvPr id="8" name="Oval 7"/>
+            <p:cNvSpPr/>
+            <p:nvPr/>
+          </p:nvSpPr>
+          <p:spPr>
+            <a:xfrm>
+              <a:off x="5715000" y="4343400"/>
+              <a:ext cx="457200" cy="457200"/>
+            </a:xfrm>
+            <a:prstGeom prst="ellipse">
+              <a:avLst/>
+            </a:prstGeom>
+            <a:solidFill>
+              <a:srgbClr val="333333"/>
+            </a:solidFill>
+            <a:ln w="50800">
+              <a:solidFill>
+                <a:schemeClr val="tx1"/>
+              </a:solidFill>
+            </a:ln>
+          </p:spPr>
+          <p:style>
+            <a:lnRef idx="2">
+              <a:schemeClr val="accent1">
+                <a:shade val="50000"/>
+              </a:schemeClr>
+            </a:lnRef>
+            <a:fillRef idx="1">
+              <a:schemeClr val="accent1"/>
+            </a:fillRef>
+            <a:effectRef idx="0">
+              <a:schemeClr val="accent1"/>
+            </a:effectRef>
+            <a:fontRef idx="minor">
+              <a:schemeClr val="lt1"/>
+            </a:fontRef>
+          </p:style>
+          <p:txBody>
+            <a:bodyPr rtlCol="0" anchor="ctr"/>
+            <a:lstStyle/>
+            <a:p>
+              <a:pPr algn="ctr"/>
+              <a:endParaRPr lang="en-US"/>
+            </a:p>
+          </p:txBody>
+        </p:sp>
+      </p:grpSp>
+    </p:spTree>
+    <p:extLst>
+      <p:ext uri="{BB962C8B-B14F-4D97-AF65-F5344CB8AC3E}">
+        <p14:creationId xmlns:p14="http://schemas.microsoft.com/office/powerpoint/2010/main" val="4147990376"/>
+      </p:ext>
+    </p:extLst>
+  </p:cSld>
+  <p:clrMapOvr>
+    <a:masterClrMapping/>
+  </p:clrMapOvr>
+</p:sld>
+</file>
+
 <file path=ppt/theme/theme1.xml><?xml version="1.0" encoding="utf-8"?>
 <a:theme xmlns:a="http://schemas.openxmlformats.org/drawingml/2006/main" name="Office Theme">
   <a:themeElements>

--- a/Presentation1.pptx
+++ b/Presentation1.pptx
@@ -4786,16 +4786,16 @@
       </p:grpSpPr>
       <p:grpSp>
         <p:nvGrpSpPr>
-          <p:cNvPr id="51" name="Group 50"/>
+          <p:cNvPr id="62" name="Group 61"/>
           <p:cNvGrpSpPr/>
           <p:nvPr/>
         </p:nvGrpSpPr>
         <p:grpSpPr>
           <a:xfrm>
-            <a:off x="3657600" y="0"/>
-            <a:ext cx="4572000" cy="5715000"/>
-            <a:chOff x="3657600" y="0"/>
-            <a:chExt cx="4572000" cy="5715000"/>
+            <a:off x="0" y="-114300"/>
+            <a:ext cx="4572000" cy="5829300"/>
+            <a:chOff x="0" y="-114300"/>
+            <a:chExt cx="4572000" cy="5829300"/>
           </a:xfrm>
         </p:grpSpPr>
         <p:sp>
@@ -4806,7 +4806,7 @@
           </p:nvSpPr>
           <p:spPr>
             <a:xfrm>
-              <a:off x="3657600" y="1143000"/>
+              <a:off x="0" y="1143000"/>
               <a:ext cx="4572000" cy="4114800"/>
             </a:xfrm>
             <a:prstGeom prst="ellipse">
@@ -4814,6 +4814,145 @@
             </a:prstGeom>
             <a:solidFill>
               <a:schemeClr val="bg1"/>
+            </a:solidFill>
+            <a:ln w="50800">
+              <a:solidFill>
+                <a:schemeClr val="tx1"/>
+              </a:solidFill>
+            </a:ln>
+          </p:spPr>
+          <p:style>
+            <a:lnRef idx="2">
+              <a:schemeClr val="accent1">
+                <a:shade val="50000"/>
+              </a:schemeClr>
+            </a:lnRef>
+            <a:fillRef idx="1">
+              <a:schemeClr val="accent1"/>
+            </a:fillRef>
+            <a:effectRef idx="0">
+              <a:schemeClr val="accent1"/>
+            </a:effectRef>
+            <a:fontRef idx="minor">
+              <a:schemeClr val="lt1"/>
+            </a:fontRef>
+          </p:style>
+          <p:txBody>
+            <a:bodyPr rtlCol="0" anchor="ctr"/>
+            <a:lstStyle/>
+            <a:p>
+              <a:pPr algn="ctr"/>
+              <a:endParaRPr lang="en-US"/>
+            </a:p>
+          </p:txBody>
+        </p:sp>
+        <p:sp>
+          <p:nvSpPr>
+            <p:cNvPr id="54" name="Freeform 53"/>
+            <p:cNvSpPr/>
+            <p:nvPr/>
+          </p:nvSpPr>
+          <p:spPr>
+            <a:xfrm>
+              <a:off x="3200400" y="3657601"/>
+              <a:ext cx="1294758" cy="1239061"/>
+            </a:xfrm>
+            <a:custGeom>
+              <a:avLst/>
+              <a:gdLst>
+                <a:gd name="connsiteX0" fmla="*/ 914400 w 1294758"/>
+                <a:gd name="connsiteY0" fmla="*/ 0 h 1239061"/>
+                <a:gd name="connsiteX1" fmla="*/ 1270326 w 1294758"/>
+                <a:gd name="connsiteY1" fmla="*/ 53894 h 1239061"/>
+                <a:gd name="connsiteX2" fmla="*/ 1294758 w 1294758"/>
+                <a:gd name="connsiteY2" fmla="*/ 63840 h 1239061"/>
+                <a:gd name="connsiteX3" fmla="*/ 1268826 w 1294758"/>
+                <a:gd name="connsiteY3" fmla="*/ 154608 h 1239061"/>
+                <a:gd name="connsiteX4" fmla="*/ 539708 w 1294758"/>
+                <a:gd name="connsiteY4" fmla="*/ 1130390 h 1239061"/>
+                <a:gd name="connsiteX5" fmla="*/ 378238 w 1294758"/>
+                <a:gd name="connsiteY5" fmla="*/ 1239061 h 1239061"/>
+                <a:gd name="connsiteX6" fmla="*/ 267822 w 1294758"/>
+                <a:gd name="connsiteY6" fmla="*/ 1170734 h 1239061"/>
+                <a:gd name="connsiteX7" fmla="*/ 0 w 1294758"/>
+                <a:gd name="connsiteY7" fmla="*/ 685800 h 1239061"/>
+                <a:gd name="connsiteX8" fmla="*/ 914400 w 1294758"/>
+                <a:gd name="connsiteY8" fmla="*/ 0 h 1239061"/>
+              </a:gdLst>
+              <a:ahLst/>
+              <a:cxnLst>
+                <a:cxn ang="0">
+                  <a:pos x="connsiteX0" y="connsiteY0"/>
+                </a:cxn>
+                <a:cxn ang="0">
+                  <a:pos x="connsiteX1" y="connsiteY1"/>
+                </a:cxn>
+                <a:cxn ang="0">
+                  <a:pos x="connsiteX2" y="connsiteY2"/>
+                </a:cxn>
+                <a:cxn ang="0">
+                  <a:pos x="connsiteX3" y="connsiteY3"/>
+                </a:cxn>
+                <a:cxn ang="0">
+                  <a:pos x="connsiteX4" y="connsiteY4"/>
+                </a:cxn>
+                <a:cxn ang="0">
+                  <a:pos x="connsiteX5" y="connsiteY5"/>
+                </a:cxn>
+                <a:cxn ang="0">
+                  <a:pos x="connsiteX6" y="connsiteY6"/>
+                </a:cxn>
+                <a:cxn ang="0">
+                  <a:pos x="connsiteX7" y="connsiteY7"/>
+                </a:cxn>
+                <a:cxn ang="0">
+                  <a:pos x="connsiteX8" y="connsiteY8"/>
+                </a:cxn>
+              </a:cxnLst>
+              <a:rect l="l" t="t" r="r" b="b"/>
+              <a:pathLst>
+                <a:path w="1294758" h="1239061">
+                  <a:moveTo>
+                    <a:pt x="914400" y="0"/>
+                  </a:moveTo>
+                  <a:cubicBezTo>
+                    <a:pt x="1040652" y="0"/>
+                    <a:pt x="1160929" y="19190"/>
+                    <a:pt x="1270326" y="53894"/>
+                  </a:cubicBezTo>
+                  <a:lnTo>
+                    <a:pt x="1294758" y="63840"/>
+                  </a:lnTo>
+                  <a:lnTo>
+                    <a:pt x="1268826" y="154608"/>
+                  </a:lnTo>
+                  <a:cubicBezTo>
+                    <a:pt x="1135241" y="541148"/>
+                    <a:pt x="878413" y="878819"/>
+                    <a:pt x="539708" y="1130390"/>
+                  </a:cubicBezTo>
+                  <a:lnTo>
+                    <a:pt x="378238" y="1239061"/>
+                  </a:lnTo>
+                  <a:lnTo>
+                    <a:pt x="267822" y="1170734"/>
+                  </a:lnTo>
+                  <a:cubicBezTo>
+                    <a:pt x="102348" y="1046629"/>
+                    <a:pt x="0" y="875179"/>
+                    <a:pt x="0" y="685800"/>
+                  </a:cubicBezTo>
+                  <a:cubicBezTo>
+                    <a:pt x="0" y="307043"/>
+                    <a:pt x="409391" y="0"/>
+                    <a:pt x="914400" y="0"/>
+                  </a:cubicBezTo>
+                  <a:close/>
+                </a:path>
+              </a:pathLst>
+            </a:custGeom>
+            <a:solidFill>
+              <a:srgbClr val="009966"/>
             </a:solidFill>
             <a:ln w="50800">
               <a:solidFill>
@@ -4854,7 +4993,7 @@
           </p:nvSpPr>
           <p:spPr>
             <a:xfrm>
-              <a:off x="3886200" y="4800600"/>
+              <a:off x="228600" y="4800600"/>
               <a:ext cx="1828800" cy="914400"/>
             </a:xfrm>
             <a:custGeom>
@@ -4961,7 +5100,7 @@
           </p:nvSpPr>
           <p:spPr>
             <a:xfrm>
-              <a:off x="6172200" y="4800600"/>
+              <a:off x="2514600" y="4800600"/>
               <a:ext cx="1828800" cy="914400"/>
             </a:xfrm>
             <a:custGeom>
@@ -5067,8 +5206,8 @@
             <p:nvPr/>
           </p:nvSpPr>
           <p:spPr>
-            <a:xfrm rot="300000">
-              <a:off x="7086600" y="685800"/>
+            <a:xfrm rot="900000">
+              <a:off x="3429000" y="457200"/>
               <a:ext cx="914400" cy="457200"/>
             </a:xfrm>
             <a:prstGeom prst="ellipse">
@@ -5115,8 +5254,8 @@
             <p:nvPr/>
           </p:nvSpPr>
           <p:spPr>
-            <a:xfrm rot="21300000">
-              <a:off x="3886200" y="685800"/>
+            <a:xfrm rot="-900000">
+              <a:off x="228600" y="457200"/>
               <a:ext cx="914400" cy="457200"/>
             </a:xfrm>
             <a:prstGeom prst="ellipse">
@@ -5158,36 +5297,34 @@
         </p:sp>
         <p:sp>
           <p:nvSpPr>
-            <p:cNvPr id="47" name="Freeform 46"/>
+            <p:cNvPr id="57" name="Freeform 56"/>
             <p:cNvSpPr/>
             <p:nvPr/>
           </p:nvSpPr>
           <p:spPr>
             <a:xfrm>
-              <a:off x="3657600" y="1908626"/>
-              <a:ext cx="914400" cy="1748974"/>
+              <a:off x="73664" y="1487800"/>
+              <a:ext cx="1297937" cy="1712601"/>
             </a:xfrm>
             <a:custGeom>
               <a:avLst/>
               <a:gdLst>
-                <a:gd name="connsiteX0" fmla="*/ 507950 w 914400"/>
-                <a:gd name="connsiteY0" fmla="*/ 0 h 1748974"/>
-                <a:gd name="connsiteX1" fmla="*/ 555493 w 914400"/>
-                <a:gd name="connsiteY1" fmla="*/ 30537 h 1748974"/>
-                <a:gd name="connsiteX2" fmla="*/ 914400 w 914400"/>
-                <a:gd name="connsiteY2" fmla="*/ 834574 h 1748974"/>
-                <a:gd name="connsiteX3" fmla="*/ 228600 w 914400"/>
-                <a:gd name="connsiteY3" fmla="*/ 1748974 h 1748974"/>
-                <a:gd name="connsiteX4" fmla="*/ 90388 w 914400"/>
-                <a:gd name="connsiteY4" fmla="*/ 1730397 h 1748974"/>
-                <a:gd name="connsiteX5" fmla="*/ 49268 w 914400"/>
-                <a:gd name="connsiteY5" fmla="*/ 1716300 h 1748974"/>
-                <a:gd name="connsiteX6" fmla="*/ 46444 w 914400"/>
-                <a:gd name="connsiteY6" fmla="*/ 1706412 h 1748974"/>
-                <a:gd name="connsiteX7" fmla="*/ 0 w 914400"/>
-                <a:gd name="connsiteY7" fmla="*/ 1291774 h 1748974"/>
-                <a:gd name="connsiteX8" fmla="*/ 390413 w 914400"/>
-                <a:gd name="connsiteY8" fmla="*/ 141462 h 1748974"/>
+                <a:gd name="connsiteX0" fmla="*/ 946234 w 1297937"/>
+                <a:gd name="connsiteY0" fmla="*/ 0 h 1712601"/>
+                <a:gd name="connsiteX1" fmla="*/ 995574 w 1297937"/>
+                <a:gd name="connsiteY1" fmla="*/ 39966 h 1712601"/>
+                <a:gd name="connsiteX2" fmla="*/ 1297937 w 1297937"/>
+                <a:gd name="connsiteY2" fmla="*/ 798201 h 1712601"/>
+                <a:gd name="connsiteX3" fmla="*/ 612137 w 1297937"/>
+                <a:gd name="connsiteY3" fmla="*/ 1712601 h 1712601"/>
+                <a:gd name="connsiteX4" fmla="*/ 43461 w 1297937"/>
+                <a:gd name="connsiteY4" fmla="*/ 1309451 h 1712601"/>
+                <a:gd name="connsiteX5" fmla="*/ 0 w 1297937"/>
+                <a:gd name="connsiteY5" fmla="*/ 1202689 h 1712601"/>
+                <a:gd name="connsiteX6" fmla="*/ 29111 w 1297937"/>
+                <a:gd name="connsiteY6" fmla="*/ 1100793 h 1712601"/>
+                <a:gd name="connsiteX7" fmla="*/ 934213 w 1297937"/>
+                <a:gd name="connsiteY7" fmla="*/ 6573 h 1712601"/>
               </a:gdLst>
               <a:ahLst/>
               <a:cxnLst>
@@ -5215,49 +5352,41 @@
                 <a:cxn ang="0">
                   <a:pos x="connsiteX7" y="connsiteY7"/>
                 </a:cxn>
-                <a:cxn ang="0">
-                  <a:pos x="connsiteX8" y="connsiteY8"/>
-                </a:cxn>
               </a:cxnLst>
               <a:rect l="l" t="t" r="r" b="b"/>
               <a:pathLst>
-                <a:path w="914400" h="1748974">
+                <a:path w="1297937" h="1712601">
                   <a:moveTo>
-                    <a:pt x="507950" y="0"/>
+                    <a:pt x="946234" y="0"/>
                   </a:moveTo>
                   <a:lnTo>
-                    <a:pt x="555493" y="30537"/>
+                    <a:pt x="995574" y="39966"/>
                   </a:lnTo>
                   <a:cubicBezTo>
-                    <a:pt x="769275" y="185381"/>
-                    <a:pt x="914400" y="487380"/>
-                    <a:pt x="914400" y="834574"/>
+                    <a:pt x="1177998" y="204291"/>
+                    <a:pt x="1297937" y="482570"/>
+                    <a:pt x="1297937" y="798201"/>
                   </a:cubicBezTo>
                   <a:cubicBezTo>
-                    <a:pt x="914400" y="1339583"/>
-                    <a:pt x="607357" y="1748974"/>
-                    <a:pt x="228600" y="1748974"/>
+                    <a:pt x="1297937" y="1303210"/>
+                    <a:pt x="990894" y="1712601"/>
+                    <a:pt x="612137" y="1712601"/>
                   </a:cubicBezTo>
                   <a:cubicBezTo>
-                    <a:pt x="181256" y="1748974"/>
-                    <a:pt x="135031" y="1742577"/>
-                    <a:pt x="90388" y="1730397"/>
+                    <a:pt x="375414" y="1712601"/>
+                    <a:pt x="166704" y="1552683"/>
+                    <a:pt x="43461" y="1309451"/>
                   </a:cubicBezTo>
                   <a:lnTo>
-                    <a:pt x="49268" y="1716300"/>
+                    <a:pt x="0" y="1202689"/>
                   </a:lnTo>
                   <a:lnTo>
-                    <a:pt x="46444" y="1706412"/>
+                    <a:pt x="29111" y="1100793"/>
                   </a:lnTo>
                   <a:cubicBezTo>
-                    <a:pt x="15992" y="1572480"/>
-                    <a:pt x="0" y="1433808"/>
-                    <a:pt x="0" y="1291774"/>
-                  </a:cubicBezTo>
-                  <a:cubicBezTo>
-                    <a:pt x="0" y="865673"/>
-                    <a:pt x="143927" y="469825"/>
-                    <a:pt x="390413" y="141462"/>
+                    <a:pt x="184960" y="649830"/>
+                    <a:pt x="508557" y="265383"/>
+                    <a:pt x="934213" y="6573"/>
                   </a:cubicBezTo>
                   <a:close/>
                 </a:path>
@@ -5305,7 +5434,7 @@
           </p:nvSpPr>
           <p:spPr>
             <a:xfrm>
-              <a:off x="4114800" y="228600"/>
+              <a:off x="457200" y="0"/>
               <a:ext cx="3657600" cy="3657600"/>
             </a:xfrm>
             <a:prstGeom prst="ellipse">
@@ -5347,34 +5476,141 @@
         </p:sp>
         <p:sp>
           <p:nvSpPr>
-            <p:cNvPr id="50" name="Freeform 49"/>
+            <p:cNvPr id="25" name="Freeform 24"/>
+            <p:cNvSpPr/>
+            <p:nvPr/>
+          </p:nvSpPr>
+          <p:spPr>
+            <a:xfrm rot="3600000">
+              <a:off x="914400" y="0"/>
+              <a:ext cx="685800" cy="457200"/>
+            </a:xfrm>
+            <a:custGeom>
+              <a:avLst/>
+              <a:gdLst>
+                <a:gd name="connsiteX0" fmla="*/ 457200 w 685800"/>
+                <a:gd name="connsiteY0" fmla="*/ 0 h 457200"/>
+                <a:gd name="connsiteX1" fmla="*/ 685800 w 685800"/>
+                <a:gd name="connsiteY1" fmla="*/ 228600 h 457200"/>
+                <a:gd name="connsiteX2" fmla="*/ 457200 w 685800"/>
+                <a:gd name="connsiteY2" fmla="*/ 457200 h 457200"/>
+                <a:gd name="connsiteX3" fmla="*/ 0 w 685800"/>
+                <a:gd name="connsiteY3" fmla="*/ 228600 h 457200"/>
+                <a:gd name="connsiteX4" fmla="*/ 457200 w 685800"/>
+                <a:gd name="connsiteY4" fmla="*/ 0 h 457200"/>
+              </a:gdLst>
+              <a:ahLst/>
+              <a:cxnLst>
+                <a:cxn ang="0">
+                  <a:pos x="connsiteX0" y="connsiteY0"/>
+                </a:cxn>
+                <a:cxn ang="0">
+                  <a:pos x="connsiteX1" y="connsiteY1"/>
+                </a:cxn>
+                <a:cxn ang="0">
+                  <a:pos x="connsiteX2" y="connsiteY2"/>
+                </a:cxn>
+                <a:cxn ang="0">
+                  <a:pos x="connsiteX3" y="connsiteY3"/>
+                </a:cxn>
+                <a:cxn ang="0">
+                  <a:pos x="connsiteX4" y="connsiteY4"/>
+                </a:cxn>
+              </a:cxnLst>
+              <a:rect l="l" t="t" r="r" b="b"/>
+              <a:pathLst>
+                <a:path w="685800" h="457200">
+                  <a:moveTo>
+                    <a:pt x="457200" y="0"/>
+                  </a:moveTo>
+                  <a:cubicBezTo>
+                    <a:pt x="583452" y="0"/>
+                    <a:pt x="685800" y="102348"/>
+                    <a:pt x="685800" y="228600"/>
+                  </a:cubicBezTo>
+                  <a:cubicBezTo>
+                    <a:pt x="685800" y="354852"/>
+                    <a:pt x="583452" y="457200"/>
+                    <a:pt x="457200" y="457200"/>
+                  </a:cubicBezTo>
+                  <a:cubicBezTo>
+                    <a:pt x="204695" y="457200"/>
+                    <a:pt x="0" y="354852"/>
+                    <a:pt x="0" y="228600"/>
+                  </a:cubicBezTo>
+                  <a:cubicBezTo>
+                    <a:pt x="0" y="102348"/>
+                    <a:pt x="204695" y="0"/>
+                    <a:pt x="457200" y="0"/>
+                  </a:cubicBezTo>
+                  <a:close/>
+                </a:path>
+              </a:pathLst>
+            </a:custGeom>
+            <a:solidFill>
+              <a:srgbClr val="333333"/>
+            </a:solidFill>
+            <a:ln w="50800">
+              <a:solidFill>
+                <a:schemeClr val="tx1"/>
+              </a:solidFill>
+            </a:ln>
+          </p:spPr>
+          <p:style>
+            <a:lnRef idx="2">
+              <a:schemeClr val="accent1">
+                <a:shade val="50000"/>
+              </a:schemeClr>
+            </a:lnRef>
+            <a:fillRef idx="1">
+              <a:schemeClr val="accent1"/>
+            </a:fillRef>
+            <a:effectRef idx="0">
+              <a:schemeClr val="accent1"/>
+            </a:effectRef>
+            <a:fontRef idx="minor">
+              <a:schemeClr val="lt1"/>
+            </a:fontRef>
+          </p:style>
+          <p:txBody>
+            <a:bodyPr rtlCol="0" anchor="ctr"/>
+            <a:lstStyle/>
+            <a:p>
+              <a:pPr algn="ctr"/>
+              <a:endParaRPr lang="en-US"/>
+            </a:p>
+          </p:txBody>
+        </p:sp>
+        <p:sp>
+          <p:nvSpPr>
+            <p:cNvPr id="61" name="Freeform 60"/>
             <p:cNvSpPr/>
             <p:nvPr/>
           </p:nvSpPr>
           <p:spPr>
             <a:xfrm>
-              <a:off x="5715000" y="241980"/>
-              <a:ext cx="2044020" cy="2044020"/>
+              <a:off x="1828800" y="0"/>
+              <a:ext cx="2286000" cy="2286000"/>
             </a:xfrm>
             <a:custGeom>
               <a:avLst/>
               <a:gdLst>
-                <a:gd name="connsiteX0" fmla="*/ 441389 w 2044020"/>
-                <a:gd name="connsiteY0" fmla="*/ 0 h 2044020"/>
-                <a:gd name="connsiteX1" fmla="*/ 597167 w 2044020"/>
-                <a:gd name="connsiteY1" fmla="*/ 23775 h 2044020"/>
-                <a:gd name="connsiteX2" fmla="*/ 2020245 w 2044020"/>
-                <a:gd name="connsiteY2" fmla="*/ 1446853 h 2044020"/>
-                <a:gd name="connsiteX3" fmla="*/ 2044020 w 2044020"/>
-                <a:gd name="connsiteY3" fmla="*/ 1602631 h 2044020"/>
-                <a:gd name="connsiteX4" fmla="*/ 2024994 w 2044020"/>
-                <a:gd name="connsiteY4" fmla="*/ 1628074 h 2044020"/>
-                <a:gd name="connsiteX5" fmla="*/ 1143000 w 2044020"/>
-                <a:gd name="connsiteY5" fmla="*/ 2044020 h 2044020"/>
-                <a:gd name="connsiteX6" fmla="*/ 0 w 2044020"/>
-                <a:gd name="connsiteY6" fmla="*/ 901020 h 2044020"/>
-                <a:gd name="connsiteX7" fmla="*/ 415946 w 2044020"/>
-                <a:gd name="connsiteY7" fmla="*/ 19026 h 2044020"/>
+                <a:gd name="connsiteX0" fmla="*/ 457200 w 2286000"/>
+                <a:gd name="connsiteY0" fmla="*/ 0 h 2286000"/>
+                <a:gd name="connsiteX1" fmla="*/ 2286000 w 2286000"/>
+                <a:gd name="connsiteY1" fmla="*/ 1828800 h 2286000"/>
+                <a:gd name="connsiteX2" fmla="*/ 2280396 w 2286000"/>
+                <a:gd name="connsiteY2" fmla="*/ 1939773 h 2286000"/>
+                <a:gd name="connsiteX3" fmla="*/ 2244065 w 2286000"/>
+                <a:gd name="connsiteY3" fmla="*/ 1972793 h 2286000"/>
+                <a:gd name="connsiteX4" fmla="*/ 1371600 w 2286000"/>
+                <a:gd name="connsiteY4" fmla="*/ 2286000 h 2286000"/>
+                <a:gd name="connsiteX5" fmla="*/ 0 w 2286000"/>
+                <a:gd name="connsiteY5" fmla="*/ 914400 h 2286000"/>
+                <a:gd name="connsiteX6" fmla="*/ 313207 w 2286000"/>
+                <a:gd name="connsiteY6" fmla="*/ 41935 h 2286000"/>
+                <a:gd name="connsiteX7" fmla="*/ 346227 w 2286000"/>
+                <a:gd name="connsiteY7" fmla="*/ 5604 h 2286000"/>
               </a:gdLst>
               <a:ahLst/>
               <a:cxnLst>
@@ -5405,39 +5641,39 @@
               </a:cxnLst>
               <a:rect l="l" t="t" r="r" b="b"/>
               <a:pathLst>
-                <a:path w="2044020" h="2044020">
+                <a:path w="2286000" h="2286000">
                   <a:moveTo>
-                    <a:pt x="441389" y="0"/>
+                    <a:pt x="457200" y="0"/>
                   </a:moveTo>
+                  <a:cubicBezTo>
+                    <a:pt x="1467218" y="0"/>
+                    <a:pt x="2286000" y="818782"/>
+                    <a:pt x="2286000" y="1828800"/>
+                  </a:cubicBezTo>
                   <a:lnTo>
-                    <a:pt x="597167" y="23775"/>
+                    <a:pt x="2280396" y="1939773"/>
+                  </a:lnTo>
+                  <a:lnTo>
+                    <a:pt x="2244065" y="1972793"/>
                   </a:lnTo>
                   <a:cubicBezTo>
-                    <a:pt x="1311470" y="169942"/>
-                    <a:pt x="1874078" y="732550"/>
-                    <a:pt x="2020245" y="1446853"/>
+                    <a:pt x="2006972" y="2168460"/>
+                    <a:pt x="1703013" y="2286000"/>
+                    <a:pt x="1371600" y="2286000"/>
+                  </a:cubicBezTo>
+                  <a:cubicBezTo>
+                    <a:pt x="614086" y="2286000"/>
+                    <a:pt x="0" y="1671914"/>
+                    <a:pt x="0" y="914400"/>
+                  </a:cubicBezTo>
+                  <a:cubicBezTo>
+                    <a:pt x="0" y="582988"/>
+                    <a:pt x="117540" y="279028"/>
+                    <a:pt x="313207" y="41935"/>
                   </a:cubicBezTo>
                   <a:lnTo>
-                    <a:pt x="2044020" y="1602631"/>
+                    <a:pt x="346227" y="5604"/>
                   </a:lnTo>
-                  <a:lnTo>
-                    <a:pt x="2024994" y="1628074"/>
-                  </a:lnTo>
-                  <a:cubicBezTo>
-                    <a:pt x="1815351" y="1882103"/>
-                    <a:pt x="1498085" y="2044020"/>
-                    <a:pt x="1143000" y="2044020"/>
-                  </a:cubicBezTo>
-                  <a:cubicBezTo>
-                    <a:pt x="511739" y="2044020"/>
-                    <a:pt x="0" y="1532281"/>
-                    <a:pt x="0" y="901020"/>
-                  </a:cubicBezTo>
-                  <a:cubicBezTo>
-                    <a:pt x="0" y="545936"/>
-                    <a:pt x="161918" y="228669"/>
-                    <a:pt x="415946" y="19026"/>
-                  </a:cubicBezTo>
                   <a:close/>
                 </a:path>
               </a:pathLst>
@@ -5476,235 +5712,113 @@
             </a:p>
           </p:txBody>
         </p:sp>
-        <p:grpSp>
-          <p:nvGrpSpPr>
-            <p:cNvPr id="27" name="Group 26"/>
-            <p:cNvGrpSpPr/>
+        <p:sp>
+          <p:nvSpPr>
+            <p:cNvPr id="26" name="Freeform 25"/>
+            <p:cNvSpPr/>
             <p:nvPr/>
-          </p:nvGrpSpPr>
-          <p:grpSpPr>
-            <a:xfrm>
-              <a:off x="4800600" y="0"/>
-              <a:ext cx="2286000" cy="685800"/>
-              <a:chOff x="114300" y="-114300"/>
-              <a:chExt cx="2286000" cy="685800"/>
+          </p:nvSpPr>
+          <p:spPr>
+            <a:xfrm rot="7200000">
+              <a:off x="2971800" y="0"/>
+              <a:ext cx="685800" cy="457200"/>
             </a:xfrm>
-          </p:grpSpPr>
-          <p:sp>
-            <p:nvSpPr>
-              <p:cNvPr id="25" name="Freeform 24"/>
-              <p:cNvSpPr/>
-              <p:nvPr/>
-            </p:nvSpPr>
-            <p:spPr>
-              <a:xfrm rot="3600000">
-                <a:off x="0" y="0"/>
-                <a:ext cx="685800" cy="457200"/>
-              </a:xfrm>
-              <a:custGeom>
-                <a:avLst/>
-                <a:gdLst>
-                  <a:gd name="connsiteX0" fmla="*/ 457200 w 685800"/>
-                  <a:gd name="connsiteY0" fmla="*/ 0 h 457200"/>
-                  <a:gd name="connsiteX1" fmla="*/ 685800 w 685800"/>
-                  <a:gd name="connsiteY1" fmla="*/ 228600 h 457200"/>
-                  <a:gd name="connsiteX2" fmla="*/ 457200 w 685800"/>
-                  <a:gd name="connsiteY2" fmla="*/ 457200 h 457200"/>
-                  <a:gd name="connsiteX3" fmla="*/ 0 w 685800"/>
-                  <a:gd name="connsiteY3" fmla="*/ 228600 h 457200"/>
-                  <a:gd name="connsiteX4" fmla="*/ 457200 w 685800"/>
-                  <a:gd name="connsiteY4" fmla="*/ 0 h 457200"/>
-                </a:gdLst>
-                <a:ahLst/>
-                <a:cxnLst>
-                  <a:cxn ang="0">
-                    <a:pos x="connsiteX0" y="connsiteY0"/>
-                  </a:cxn>
-                  <a:cxn ang="0">
-                    <a:pos x="connsiteX1" y="connsiteY1"/>
-                  </a:cxn>
-                  <a:cxn ang="0">
-                    <a:pos x="connsiteX2" y="connsiteY2"/>
-                  </a:cxn>
-                  <a:cxn ang="0">
-                    <a:pos x="connsiteX3" y="connsiteY3"/>
-                  </a:cxn>
-                  <a:cxn ang="0">
-                    <a:pos x="connsiteX4" y="connsiteY4"/>
-                  </a:cxn>
-                </a:cxnLst>
-                <a:rect l="l" t="t" r="r" b="b"/>
-                <a:pathLst>
-                  <a:path w="685800" h="457200">
-                    <a:moveTo>
-                      <a:pt x="457200" y="0"/>
-                    </a:moveTo>
-                    <a:cubicBezTo>
-                      <a:pt x="583452" y="0"/>
-                      <a:pt x="685800" y="102348"/>
-                      <a:pt x="685800" y="228600"/>
-                    </a:cubicBezTo>
-                    <a:cubicBezTo>
-                      <a:pt x="685800" y="354852"/>
-                      <a:pt x="583452" y="457200"/>
-                      <a:pt x="457200" y="457200"/>
-                    </a:cubicBezTo>
-                    <a:cubicBezTo>
-                      <a:pt x="204695" y="457200"/>
-                      <a:pt x="0" y="354852"/>
-                      <a:pt x="0" y="228600"/>
-                    </a:cubicBezTo>
-                    <a:cubicBezTo>
-                      <a:pt x="0" y="102348"/>
-                      <a:pt x="204695" y="0"/>
-                      <a:pt x="457200" y="0"/>
-                    </a:cubicBezTo>
-                    <a:close/>
-                  </a:path>
-                </a:pathLst>
-              </a:custGeom>
+            <a:custGeom>
+              <a:avLst/>
+              <a:gdLst>
+                <a:gd name="connsiteX0" fmla="*/ 457200 w 685800"/>
+                <a:gd name="connsiteY0" fmla="*/ 0 h 457200"/>
+                <a:gd name="connsiteX1" fmla="*/ 685800 w 685800"/>
+                <a:gd name="connsiteY1" fmla="*/ 228600 h 457200"/>
+                <a:gd name="connsiteX2" fmla="*/ 457200 w 685800"/>
+                <a:gd name="connsiteY2" fmla="*/ 457200 h 457200"/>
+                <a:gd name="connsiteX3" fmla="*/ 0 w 685800"/>
+                <a:gd name="connsiteY3" fmla="*/ 228600 h 457200"/>
+                <a:gd name="connsiteX4" fmla="*/ 457200 w 685800"/>
+                <a:gd name="connsiteY4" fmla="*/ 0 h 457200"/>
+              </a:gdLst>
+              <a:ahLst/>
+              <a:cxnLst>
+                <a:cxn ang="0">
+                  <a:pos x="connsiteX0" y="connsiteY0"/>
+                </a:cxn>
+                <a:cxn ang="0">
+                  <a:pos x="connsiteX1" y="connsiteY1"/>
+                </a:cxn>
+                <a:cxn ang="0">
+                  <a:pos x="connsiteX2" y="connsiteY2"/>
+                </a:cxn>
+                <a:cxn ang="0">
+                  <a:pos x="connsiteX3" y="connsiteY3"/>
+                </a:cxn>
+                <a:cxn ang="0">
+                  <a:pos x="connsiteX4" y="connsiteY4"/>
+                </a:cxn>
+              </a:cxnLst>
+              <a:rect l="l" t="t" r="r" b="b"/>
+              <a:pathLst>
+                <a:path w="685800" h="457200">
+                  <a:moveTo>
+                    <a:pt x="457200" y="0"/>
+                  </a:moveTo>
+                  <a:cubicBezTo>
+                    <a:pt x="583452" y="0"/>
+                    <a:pt x="685800" y="102348"/>
+                    <a:pt x="685800" y="228600"/>
+                  </a:cubicBezTo>
+                  <a:cubicBezTo>
+                    <a:pt x="685800" y="354852"/>
+                    <a:pt x="583452" y="457200"/>
+                    <a:pt x="457200" y="457200"/>
+                  </a:cubicBezTo>
+                  <a:cubicBezTo>
+                    <a:pt x="204695" y="457200"/>
+                    <a:pt x="0" y="354852"/>
+                    <a:pt x="0" y="228600"/>
+                  </a:cubicBezTo>
+                  <a:cubicBezTo>
+                    <a:pt x="0" y="102348"/>
+                    <a:pt x="204695" y="0"/>
+                    <a:pt x="457200" y="0"/>
+                  </a:cubicBezTo>
+                  <a:close/>
+                </a:path>
+              </a:pathLst>
+            </a:custGeom>
+            <a:solidFill>
+              <a:srgbClr val="333333"/>
+            </a:solidFill>
+            <a:ln w="50800">
               <a:solidFill>
-                <a:srgbClr val="333333"/>
+                <a:schemeClr val="tx1"/>
               </a:solidFill>
-              <a:ln w="50800">
-                <a:solidFill>
-                  <a:schemeClr val="tx1"/>
-                </a:solidFill>
-              </a:ln>
-            </p:spPr>
-            <p:style>
-              <a:lnRef idx="2">
-                <a:schemeClr val="accent1">
-                  <a:shade val="50000"/>
-                </a:schemeClr>
-              </a:lnRef>
-              <a:fillRef idx="1">
-                <a:schemeClr val="accent1"/>
-              </a:fillRef>
-              <a:effectRef idx="0">
-                <a:schemeClr val="accent1"/>
-              </a:effectRef>
-              <a:fontRef idx="minor">
-                <a:schemeClr val="lt1"/>
-              </a:fontRef>
-            </p:style>
-            <p:txBody>
-              <a:bodyPr rtlCol="0" anchor="ctr"/>
-              <a:lstStyle/>
-              <a:p>
-                <a:pPr algn="ctr"/>
-                <a:endParaRPr lang="en-US"/>
-              </a:p>
-            </p:txBody>
-          </p:sp>
-          <p:sp>
-            <p:nvSpPr>
-              <p:cNvPr id="26" name="Freeform 25"/>
-              <p:cNvSpPr/>
-              <p:nvPr/>
-            </p:nvSpPr>
-            <p:spPr>
-              <a:xfrm rot="7200000">
-                <a:off x="1828800" y="0"/>
-                <a:ext cx="685800" cy="457200"/>
-              </a:xfrm>
-              <a:custGeom>
-                <a:avLst/>
-                <a:gdLst>
-                  <a:gd name="connsiteX0" fmla="*/ 457200 w 685800"/>
-                  <a:gd name="connsiteY0" fmla="*/ 0 h 457200"/>
-                  <a:gd name="connsiteX1" fmla="*/ 685800 w 685800"/>
-                  <a:gd name="connsiteY1" fmla="*/ 228600 h 457200"/>
-                  <a:gd name="connsiteX2" fmla="*/ 457200 w 685800"/>
-                  <a:gd name="connsiteY2" fmla="*/ 457200 h 457200"/>
-                  <a:gd name="connsiteX3" fmla="*/ 0 w 685800"/>
-                  <a:gd name="connsiteY3" fmla="*/ 228600 h 457200"/>
-                  <a:gd name="connsiteX4" fmla="*/ 457200 w 685800"/>
-                  <a:gd name="connsiteY4" fmla="*/ 0 h 457200"/>
-                </a:gdLst>
-                <a:ahLst/>
-                <a:cxnLst>
-                  <a:cxn ang="0">
-                    <a:pos x="connsiteX0" y="connsiteY0"/>
-                  </a:cxn>
-                  <a:cxn ang="0">
-                    <a:pos x="connsiteX1" y="connsiteY1"/>
-                  </a:cxn>
-                  <a:cxn ang="0">
-                    <a:pos x="connsiteX2" y="connsiteY2"/>
-                  </a:cxn>
-                  <a:cxn ang="0">
-                    <a:pos x="connsiteX3" y="connsiteY3"/>
-                  </a:cxn>
-                  <a:cxn ang="0">
-                    <a:pos x="connsiteX4" y="connsiteY4"/>
-                  </a:cxn>
-                </a:cxnLst>
-                <a:rect l="l" t="t" r="r" b="b"/>
-                <a:pathLst>
-                  <a:path w="685800" h="457200">
-                    <a:moveTo>
-                      <a:pt x="457200" y="0"/>
-                    </a:moveTo>
-                    <a:cubicBezTo>
-                      <a:pt x="583452" y="0"/>
-                      <a:pt x="685800" y="102348"/>
-                      <a:pt x="685800" y="228600"/>
-                    </a:cubicBezTo>
-                    <a:cubicBezTo>
-                      <a:pt x="685800" y="354852"/>
-                      <a:pt x="583452" y="457200"/>
-                      <a:pt x="457200" y="457200"/>
-                    </a:cubicBezTo>
-                    <a:cubicBezTo>
-                      <a:pt x="204695" y="457200"/>
-                      <a:pt x="0" y="354852"/>
-                      <a:pt x="0" y="228600"/>
-                    </a:cubicBezTo>
-                    <a:cubicBezTo>
-                      <a:pt x="0" y="102348"/>
-                      <a:pt x="204695" y="0"/>
-                      <a:pt x="457200" y="0"/>
-                    </a:cubicBezTo>
-                    <a:close/>
-                  </a:path>
-                </a:pathLst>
-              </a:custGeom>
-              <a:solidFill>
-                <a:srgbClr val="333333"/>
-              </a:solidFill>
-              <a:ln w="50800">
-                <a:solidFill>
-                  <a:schemeClr val="tx1"/>
-                </a:solidFill>
-              </a:ln>
-            </p:spPr>
-            <p:style>
-              <a:lnRef idx="2">
-                <a:schemeClr val="accent1">
-                  <a:shade val="50000"/>
-                </a:schemeClr>
-              </a:lnRef>
-              <a:fillRef idx="1">
-                <a:schemeClr val="accent1"/>
-              </a:fillRef>
-              <a:effectRef idx="0">
-                <a:schemeClr val="accent1"/>
-              </a:effectRef>
-              <a:fontRef idx="minor">
-                <a:schemeClr val="lt1"/>
-              </a:fontRef>
-            </p:style>
-            <p:txBody>
-              <a:bodyPr rtlCol="0" anchor="ctr"/>
-              <a:lstStyle/>
-              <a:p>
-                <a:pPr algn="ctr"/>
-                <a:endParaRPr lang="en-US"/>
-              </a:p>
-            </p:txBody>
-          </p:sp>
-        </p:grpSp>
+            </a:ln>
+          </p:spPr>
+          <p:style>
+            <a:lnRef idx="2">
+              <a:schemeClr val="accent1">
+                <a:shade val="50000"/>
+              </a:schemeClr>
+            </a:lnRef>
+            <a:fillRef idx="1">
+              <a:schemeClr val="accent1"/>
+            </a:fillRef>
+            <a:effectRef idx="0">
+              <a:schemeClr val="accent1"/>
+            </a:effectRef>
+            <a:fontRef idx="minor">
+              <a:schemeClr val="lt1"/>
+            </a:fontRef>
+          </p:style>
+          <p:txBody>
+            <a:bodyPr rtlCol="0" anchor="ctr"/>
+            <a:lstStyle/>
+            <a:p>
+              <a:pPr algn="ctr"/>
+              <a:endParaRPr lang="en-US"/>
+            </a:p>
+          </p:txBody>
+        </p:sp>
         <p:sp>
           <p:nvSpPr>
             <p:cNvPr id="28" name="Oval 27"/>
@@ -5713,7 +5827,7 @@
           </p:nvSpPr>
           <p:spPr>
             <a:xfrm>
-              <a:off x="4572000" y="1371600"/>
+              <a:off x="914400" y="1143000"/>
               <a:ext cx="685800" cy="685800"/>
             </a:xfrm>
             <a:prstGeom prst="ellipse">
@@ -5761,7 +5875,7 @@
           </p:nvSpPr>
           <p:spPr>
             <a:xfrm>
-              <a:off x="6400800" y="1143000"/>
+              <a:off x="2743200" y="914400"/>
               <a:ext cx="685800" cy="685800"/>
             </a:xfrm>
             <a:prstGeom prst="ellipse">
@@ -5809,7 +5923,7 @@
           </p:nvSpPr>
           <p:spPr>
             <a:xfrm>
-              <a:off x="6492240" y="1325880"/>
+              <a:off x="2834640" y="1097280"/>
               <a:ext cx="457200" cy="457200"/>
             </a:xfrm>
             <a:prstGeom prst="ellipse">
@@ -5857,7 +5971,7 @@
           </p:nvSpPr>
           <p:spPr>
             <a:xfrm>
-              <a:off x="4754880" y="1554480"/>
+              <a:off x="1097280" y="1280160"/>
               <a:ext cx="457200" cy="457200"/>
             </a:xfrm>
             <a:prstGeom prst="ellipse">
@@ -5905,7 +6019,7 @@
           </p:nvSpPr>
           <p:spPr>
             <a:xfrm>
-              <a:off x="4818784" y="2570746"/>
+              <a:off x="1143000" y="2286000"/>
               <a:ext cx="2286000" cy="1371600"/>
             </a:xfrm>
             <a:prstGeom prst="ellipse">
@@ -5953,7 +6067,7 @@
           </p:nvSpPr>
           <p:spPr>
             <a:xfrm rot="1800000">
-              <a:off x="5257800" y="2971800"/>
+              <a:off x="1600200" y="2971800"/>
               <a:ext cx="457200" cy="228600"/>
             </a:xfrm>
             <a:prstGeom prst="ellipse">
@@ -6001,7 +6115,7 @@
           </p:nvSpPr>
           <p:spPr>
             <a:xfrm rot="19800000">
-              <a:off x="6172200" y="2971800"/>
+              <a:off x="2514600" y="2971800"/>
               <a:ext cx="457200" cy="228600"/>
             </a:xfrm>
             <a:prstGeom prst="ellipse">
@@ -6009,135 +6123,6 @@
             </a:prstGeom>
             <a:solidFill>
               <a:srgbClr val="333333"/>
-            </a:solidFill>
-            <a:ln w="50800">
-              <a:solidFill>
-                <a:schemeClr val="tx1"/>
-              </a:solidFill>
-            </a:ln>
-          </p:spPr>
-          <p:style>
-            <a:lnRef idx="2">
-              <a:schemeClr val="accent1">
-                <a:shade val="50000"/>
-              </a:schemeClr>
-            </a:lnRef>
-            <a:fillRef idx="1">
-              <a:schemeClr val="accent1"/>
-            </a:fillRef>
-            <a:effectRef idx="0">
-              <a:schemeClr val="accent1"/>
-            </a:effectRef>
-            <a:fontRef idx="minor">
-              <a:schemeClr val="lt1"/>
-            </a:fontRef>
-          </p:style>
-          <p:txBody>
-            <a:bodyPr rtlCol="0" anchor="ctr"/>
-            <a:lstStyle/>
-            <a:p>
-              <a:pPr algn="ctr"/>
-              <a:endParaRPr lang="en-US"/>
-            </a:p>
-          </p:txBody>
-        </p:sp>
-        <p:sp>
-          <p:nvSpPr>
-            <p:cNvPr id="44" name="Freeform 43"/>
-            <p:cNvSpPr/>
-            <p:nvPr/>
-          </p:nvSpPr>
-          <p:spPr>
-            <a:xfrm>
-              <a:off x="7315201" y="3657600"/>
-              <a:ext cx="854455" cy="1078676"/>
-            </a:xfrm>
-            <a:custGeom>
-              <a:avLst/>
-              <a:gdLst>
-                <a:gd name="connsiteX0" fmla="*/ 800100 w 854455"/>
-                <a:gd name="connsiteY0" fmla="*/ 0 h 1078676"/>
-                <a:gd name="connsiteX1" fmla="*/ 854455 w 854455"/>
-                <a:gd name="connsiteY1" fmla="*/ 4697 h 1078676"/>
-                <a:gd name="connsiteX2" fmla="*/ 811626 w 854455"/>
-                <a:gd name="connsiteY2" fmla="*/ 154608 h 1078676"/>
-                <a:gd name="connsiteX3" fmla="*/ 244846 w 854455"/>
-                <a:gd name="connsiteY3" fmla="*/ 997602 h 1078676"/>
-                <a:gd name="connsiteX4" fmla="*/ 145730 w 854455"/>
-                <a:gd name="connsiteY4" fmla="*/ 1078676 h 1078676"/>
-                <a:gd name="connsiteX5" fmla="*/ 136645 w 854455"/>
-                <a:gd name="connsiteY5" fmla="*/ 1069238 h 1078676"/>
-                <a:gd name="connsiteX6" fmla="*/ 0 w 854455"/>
-                <a:gd name="connsiteY6" fmla="*/ 685800 h 1078676"/>
-                <a:gd name="connsiteX7" fmla="*/ 800100 w 854455"/>
-                <a:gd name="connsiteY7" fmla="*/ 0 h 1078676"/>
-              </a:gdLst>
-              <a:ahLst/>
-              <a:cxnLst>
-                <a:cxn ang="0">
-                  <a:pos x="connsiteX0" y="connsiteY0"/>
-                </a:cxn>
-                <a:cxn ang="0">
-                  <a:pos x="connsiteX1" y="connsiteY1"/>
-                </a:cxn>
-                <a:cxn ang="0">
-                  <a:pos x="connsiteX2" y="connsiteY2"/>
-                </a:cxn>
-                <a:cxn ang="0">
-                  <a:pos x="connsiteX3" y="connsiteY3"/>
-                </a:cxn>
-                <a:cxn ang="0">
-                  <a:pos x="connsiteX4" y="connsiteY4"/>
-                </a:cxn>
-                <a:cxn ang="0">
-                  <a:pos x="connsiteX5" y="connsiteY5"/>
-                </a:cxn>
-                <a:cxn ang="0">
-                  <a:pos x="connsiteX6" y="connsiteY6"/>
-                </a:cxn>
-                <a:cxn ang="0">
-                  <a:pos x="connsiteX7" y="connsiteY7"/>
-                </a:cxn>
-              </a:cxnLst>
-              <a:rect l="l" t="t" r="r" b="b"/>
-              <a:pathLst>
-                <a:path w="854455" h="1078676">
-                  <a:moveTo>
-                    <a:pt x="800100" y="0"/>
-                  </a:moveTo>
-                  <a:lnTo>
-                    <a:pt x="854455" y="4697"/>
-                  </a:lnTo>
-                  <a:lnTo>
-                    <a:pt x="811626" y="154608"/>
-                  </a:lnTo>
-                  <a:cubicBezTo>
-                    <a:pt x="700306" y="476725"/>
-                    <a:pt x="503399" y="764904"/>
-                    <a:pt x="244846" y="997602"/>
-                  </a:cubicBezTo>
-                  <a:lnTo>
-                    <a:pt x="145730" y="1078676"/>
-                  </a:lnTo>
-                  <a:lnTo>
-                    <a:pt x="136645" y="1069238"/>
-                  </a:lnTo>
-                  <a:cubicBezTo>
-                    <a:pt x="50375" y="959783"/>
-                    <a:pt x="0" y="827834"/>
-                    <a:pt x="0" y="685800"/>
-                  </a:cubicBezTo>
-                  <a:cubicBezTo>
-                    <a:pt x="0" y="307043"/>
-                    <a:pt x="358217" y="0"/>
-                    <a:pt x="800100" y="0"/>
-                  </a:cubicBezTo>
-                  <a:close/>
-                </a:path>
-              </a:pathLst>
-            </a:custGeom>
-            <a:solidFill>
-              <a:srgbClr val="009966"/>
             </a:solidFill>
             <a:ln w="50800">
               <a:solidFill>
@@ -6203,247 +6188,328 @@
       </p:grpSpPr>
       <p:grpSp>
         <p:nvGrpSpPr>
-          <p:cNvPr id="9" name="Group 8"/>
+          <p:cNvPr id="7" name="Group 6"/>
           <p:cNvGrpSpPr/>
           <p:nvPr/>
         </p:nvGrpSpPr>
         <p:grpSpPr>
           <a:xfrm>
-            <a:off x="3657600" y="0"/>
-            <a:ext cx="4576064" cy="5715000"/>
-            <a:chOff x="3657600" y="0"/>
-            <a:chExt cx="4576064" cy="5715000"/>
+            <a:off x="0" y="-114300"/>
+            <a:ext cx="4572000" cy="5829300"/>
+            <a:chOff x="0" y="-114300"/>
+            <a:chExt cx="4572000" cy="5829300"/>
           </a:xfrm>
         </p:grpSpPr>
-        <p:grpSp>
-          <p:nvGrpSpPr>
-            <p:cNvPr id="27" name="Group 26"/>
-            <p:cNvGrpSpPr/>
+        <p:sp>
+          <p:nvSpPr>
+            <p:cNvPr id="13" name="Oval 12"/>
+            <p:cNvSpPr/>
             <p:nvPr/>
-          </p:nvGrpSpPr>
-          <p:grpSpPr>
-            <a:xfrm>
-              <a:off x="4800600" y="0"/>
-              <a:ext cx="2286000" cy="685800"/>
-              <a:chOff x="114300" y="-114300"/>
-              <a:chExt cx="2286000" cy="685800"/>
+          </p:nvSpPr>
+          <p:spPr>
+            <a:xfrm rot="900000">
+              <a:off x="3429000" y="457200"/>
+              <a:ext cx="914400" cy="457200"/>
             </a:xfrm>
-          </p:grpSpPr>
-          <p:sp>
-            <p:nvSpPr>
-              <p:cNvPr id="25" name="Freeform 24"/>
-              <p:cNvSpPr/>
-              <p:nvPr/>
-            </p:nvSpPr>
-            <p:spPr>
-              <a:xfrm rot="3600000">
-                <a:off x="0" y="0"/>
-                <a:ext cx="685800" cy="457200"/>
-              </a:xfrm>
-              <a:custGeom>
-                <a:avLst/>
-                <a:gdLst>
-                  <a:gd name="connsiteX0" fmla="*/ 457200 w 685800"/>
-                  <a:gd name="connsiteY0" fmla="*/ 0 h 457200"/>
-                  <a:gd name="connsiteX1" fmla="*/ 685800 w 685800"/>
-                  <a:gd name="connsiteY1" fmla="*/ 228600 h 457200"/>
-                  <a:gd name="connsiteX2" fmla="*/ 457200 w 685800"/>
-                  <a:gd name="connsiteY2" fmla="*/ 457200 h 457200"/>
-                  <a:gd name="connsiteX3" fmla="*/ 0 w 685800"/>
-                  <a:gd name="connsiteY3" fmla="*/ 228600 h 457200"/>
-                  <a:gd name="connsiteX4" fmla="*/ 457200 w 685800"/>
-                  <a:gd name="connsiteY4" fmla="*/ 0 h 457200"/>
-                </a:gdLst>
-                <a:ahLst/>
-                <a:cxnLst>
-                  <a:cxn ang="0">
-                    <a:pos x="connsiteX0" y="connsiteY0"/>
-                  </a:cxn>
-                  <a:cxn ang="0">
-                    <a:pos x="connsiteX1" y="connsiteY1"/>
-                  </a:cxn>
-                  <a:cxn ang="0">
-                    <a:pos x="connsiteX2" y="connsiteY2"/>
-                  </a:cxn>
-                  <a:cxn ang="0">
-                    <a:pos x="connsiteX3" y="connsiteY3"/>
-                  </a:cxn>
-                  <a:cxn ang="0">
-                    <a:pos x="connsiteX4" y="connsiteY4"/>
-                  </a:cxn>
-                </a:cxnLst>
-                <a:rect l="l" t="t" r="r" b="b"/>
-                <a:pathLst>
-                  <a:path w="685800" h="457200">
-                    <a:moveTo>
-                      <a:pt x="457200" y="0"/>
-                    </a:moveTo>
-                    <a:cubicBezTo>
-                      <a:pt x="583452" y="0"/>
-                      <a:pt x="685800" y="102348"/>
-                      <a:pt x="685800" y="228600"/>
-                    </a:cubicBezTo>
-                    <a:cubicBezTo>
-                      <a:pt x="685800" y="354852"/>
-                      <a:pt x="583452" y="457200"/>
-                      <a:pt x="457200" y="457200"/>
-                    </a:cubicBezTo>
-                    <a:cubicBezTo>
-                      <a:pt x="204695" y="457200"/>
-                      <a:pt x="0" y="354852"/>
-                      <a:pt x="0" y="228600"/>
-                    </a:cubicBezTo>
-                    <a:cubicBezTo>
-                      <a:pt x="0" y="102348"/>
-                      <a:pt x="204695" y="0"/>
-                      <a:pt x="457200" y="0"/>
-                    </a:cubicBezTo>
-                    <a:close/>
-                  </a:path>
-                </a:pathLst>
-              </a:custGeom>
+            <a:prstGeom prst="ellipse">
+              <a:avLst/>
+            </a:prstGeom>
+            <a:solidFill>
+              <a:schemeClr val="bg1"/>
+            </a:solidFill>
+            <a:ln w="50800">
               <a:solidFill>
-                <a:srgbClr val="333333"/>
+                <a:schemeClr val="tx1"/>
               </a:solidFill>
-              <a:ln w="50800">
-                <a:solidFill>
-                  <a:schemeClr val="tx1"/>
-                </a:solidFill>
-              </a:ln>
-            </p:spPr>
-            <p:style>
-              <a:lnRef idx="2">
-                <a:schemeClr val="accent1">
-                  <a:shade val="50000"/>
-                </a:schemeClr>
-              </a:lnRef>
-              <a:fillRef idx="1">
-                <a:schemeClr val="accent1"/>
-              </a:fillRef>
-              <a:effectRef idx="0">
-                <a:schemeClr val="accent1"/>
-              </a:effectRef>
-              <a:fontRef idx="minor">
-                <a:schemeClr val="lt1"/>
-              </a:fontRef>
-            </p:style>
-            <p:txBody>
-              <a:bodyPr rtlCol="0" anchor="ctr"/>
-              <a:lstStyle/>
-              <a:p>
-                <a:pPr algn="ctr"/>
-                <a:endParaRPr lang="en-US"/>
-              </a:p>
-            </p:txBody>
-          </p:sp>
-          <p:sp>
-            <p:nvSpPr>
-              <p:cNvPr id="26" name="Freeform 25"/>
-              <p:cNvSpPr/>
-              <p:nvPr/>
-            </p:nvSpPr>
-            <p:spPr>
-              <a:xfrm rot="7200000">
-                <a:off x="1828800" y="0"/>
-                <a:ext cx="685800" cy="457200"/>
-              </a:xfrm>
-              <a:custGeom>
-                <a:avLst/>
-                <a:gdLst>
-                  <a:gd name="connsiteX0" fmla="*/ 457200 w 685800"/>
-                  <a:gd name="connsiteY0" fmla="*/ 0 h 457200"/>
-                  <a:gd name="connsiteX1" fmla="*/ 685800 w 685800"/>
-                  <a:gd name="connsiteY1" fmla="*/ 228600 h 457200"/>
-                  <a:gd name="connsiteX2" fmla="*/ 457200 w 685800"/>
-                  <a:gd name="connsiteY2" fmla="*/ 457200 h 457200"/>
-                  <a:gd name="connsiteX3" fmla="*/ 0 w 685800"/>
-                  <a:gd name="connsiteY3" fmla="*/ 228600 h 457200"/>
-                  <a:gd name="connsiteX4" fmla="*/ 457200 w 685800"/>
-                  <a:gd name="connsiteY4" fmla="*/ 0 h 457200"/>
-                </a:gdLst>
-                <a:ahLst/>
-                <a:cxnLst>
-                  <a:cxn ang="0">
-                    <a:pos x="connsiteX0" y="connsiteY0"/>
-                  </a:cxn>
-                  <a:cxn ang="0">
-                    <a:pos x="connsiteX1" y="connsiteY1"/>
-                  </a:cxn>
-                  <a:cxn ang="0">
-                    <a:pos x="connsiteX2" y="connsiteY2"/>
-                  </a:cxn>
-                  <a:cxn ang="0">
-                    <a:pos x="connsiteX3" y="connsiteY3"/>
-                  </a:cxn>
-                  <a:cxn ang="0">
-                    <a:pos x="connsiteX4" y="connsiteY4"/>
-                  </a:cxn>
-                </a:cxnLst>
-                <a:rect l="l" t="t" r="r" b="b"/>
-                <a:pathLst>
-                  <a:path w="685800" h="457200">
-                    <a:moveTo>
-                      <a:pt x="457200" y="0"/>
-                    </a:moveTo>
-                    <a:cubicBezTo>
-                      <a:pt x="583452" y="0"/>
-                      <a:pt x="685800" y="102348"/>
-                      <a:pt x="685800" y="228600"/>
-                    </a:cubicBezTo>
-                    <a:cubicBezTo>
-                      <a:pt x="685800" y="354852"/>
-                      <a:pt x="583452" y="457200"/>
-                      <a:pt x="457200" y="457200"/>
-                    </a:cubicBezTo>
-                    <a:cubicBezTo>
-                      <a:pt x="204695" y="457200"/>
-                      <a:pt x="0" y="354852"/>
-                      <a:pt x="0" y="228600"/>
-                    </a:cubicBezTo>
-                    <a:cubicBezTo>
-                      <a:pt x="0" y="102348"/>
-                      <a:pt x="204695" y="0"/>
-                      <a:pt x="457200" y="0"/>
-                    </a:cubicBezTo>
-                    <a:close/>
-                  </a:path>
-                </a:pathLst>
-              </a:custGeom>
+            </a:ln>
+          </p:spPr>
+          <p:style>
+            <a:lnRef idx="2">
+              <a:schemeClr val="accent1">
+                <a:shade val="50000"/>
+              </a:schemeClr>
+            </a:lnRef>
+            <a:fillRef idx="1">
+              <a:schemeClr val="accent1"/>
+            </a:fillRef>
+            <a:effectRef idx="0">
+              <a:schemeClr val="accent1"/>
+            </a:effectRef>
+            <a:fontRef idx="minor">
+              <a:schemeClr val="lt1"/>
+            </a:fontRef>
+          </p:style>
+          <p:txBody>
+            <a:bodyPr rtlCol="0" anchor="ctr"/>
+            <a:lstStyle/>
+            <a:p>
+              <a:pPr algn="ctr"/>
+              <a:endParaRPr lang="en-US"/>
+            </a:p>
+          </p:txBody>
+        </p:sp>
+        <p:sp>
+          <p:nvSpPr>
+            <p:cNvPr id="14" name="Oval 13"/>
+            <p:cNvSpPr/>
+            <p:nvPr/>
+          </p:nvSpPr>
+          <p:spPr>
+            <a:xfrm rot="-900000">
+              <a:off x="228600" y="457200"/>
+              <a:ext cx="914400" cy="457200"/>
+            </a:xfrm>
+            <a:prstGeom prst="ellipse">
+              <a:avLst/>
+            </a:prstGeom>
+            <a:solidFill>
+              <a:schemeClr val="bg1"/>
+            </a:solidFill>
+            <a:ln w="50800">
               <a:solidFill>
-                <a:srgbClr val="333333"/>
+                <a:schemeClr val="tx1"/>
               </a:solidFill>
-              <a:ln w="50800">
-                <a:solidFill>
-                  <a:schemeClr val="tx1"/>
-                </a:solidFill>
-              </a:ln>
-            </p:spPr>
-            <p:style>
-              <a:lnRef idx="2">
-                <a:schemeClr val="accent1">
-                  <a:shade val="50000"/>
-                </a:schemeClr>
-              </a:lnRef>
-              <a:fillRef idx="1">
-                <a:schemeClr val="accent1"/>
-              </a:fillRef>
-              <a:effectRef idx="0">
-                <a:schemeClr val="accent1"/>
-              </a:effectRef>
-              <a:fontRef idx="minor">
-                <a:schemeClr val="lt1"/>
-              </a:fontRef>
-            </p:style>
-            <p:txBody>
-              <a:bodyPr rtlCol="0" anchor="ctr"/>
-              <a:lstStyle/>
-              <a:p>
-                <a:pPr algn="ctr"/>
-                <a:endParaRPr lang="en-US"/>
-              </a:p>
-            </p:txBody>
-          </p:sp>
-        </p:grpSp>
+            </a:ln>
+          </p:spPr>
+          <p:style>
+            <a:lnRef idx="2">
+              <a:schemeClr val="accent1">
+                <a:shade val="50000"/>
+              </a:schemeClr>
+            </a:lnRef>
+            <a:fillRef idx="1">
+              <a:schemeClr val="accent1"/>
+            </a:fillRef>
+            <a:effectRef idx="0">
+              <a:schemeClr val="accent1"/>
+            </a:effectRef>
+            <a:fontRef idx="minor">
+              <a:schemeClr val="lt1"/>
+            </a:fontRef>
+          </p:style>
+          <p:txBody>
+            <a:bodyPr rtlCol="0" anchor="ctr"/>
+            <a:lstStyle/>
+            <a:p>
+              <a:pPr algn="ctr"/>
+              <a:endParaRPr lang="en-US"/>
+            </a:p>
+          </p:txBody>
+        </p:sp>
+        <p:sp>
+          <p:nvSpPr>
+            <p:cNvPr id="25" name="Freeform 24"/>
+            <p:cNvSpPr/>
+            <p:nvPr/>
+          </p:nvSpPr>
+          <p:spPr>
+            <a:xfrm rot="3600000">
+              <a:off x="914400" y="0"/>
+              <a:ext cx="685800" cy="457200"/>
+            </a:xfrm>
+            <a:custGeom>
+              <a:avLst/>
+              <a:gdLst>
+                <a:gd name="connsiteX0" fmla="*/ 457200 w 685800"/>
+                <a:gd name="connsiteY0" fmla="*/ 0 h 457200"/>
+                <a:gd name="connsiteX1" fmla="*/ 685800 w 685800"/>
+                <a:gd name="connsiteY1" fmla="*/ 228600 h 457200"/>
+                <a:gd name="connsiteX2" fmla="*/ 457200 w 685800"/>
+                <a:gd name="connsiteY2" fmla="*/ 457200 h 457200"/>
+                <a:gd name="connsiteX3" fmla="*/ 0 w 685800"/>
+                <a:gd name="connsiteY3" fmla="*/ 228600 h 457200"/>
+                <a:gd name="connsiteX4" fmla="*/ 457200 w 685800"/>
+                <a:gd name="connsiteY4" fmla="*/ 0 h 457200"/>
+              </a:gdLst>
+              <a:ahLst/>
+              <a:cxnLst>
+                <a:cxn ang="0">
+                  <a:pos x="connsiteX0" y="connsiteY0"/>
+                </a:cxn>
+                <a:cxn ang="0">
+                  <a:pos x="connsiteX1" y="connsiteY1"/>
+                </a:cxn>
+                <a:cxn ang="0">
+                  <a:pos x="connsiteX2" y="connsiteY2"/>
+                </a:cxn>
+                <a:cxn ang="0">
+                  <a:pos x="connsiteX3" y="connsiteY3"/>
+                </a:cxn>
+                <a:cxn ang="0">
+                  <a:pos x="connsiteX4" y="connsiteY4"/>
+                </a:cxn>
+              </a:cxnLst>
+              <a:rect l="l" t="t" r="r" b="b"/>
+              <a:pathLst>
+                <a:path w="685800" h="457200">
+                  <a:moveTo>
+                    <a:pt x="457200" y="0"/>
+                  </a:moveTo>
+                  <a:cubicBezTo>
+                    <a:pt x="583452" y="0"/>
+                    <a:pt x="685800" y="102348"/>
+                    <a:pt x="685800" y="228600"/>
+                  </a:cubicBezTo>
+                  <a:cubicBezTo>
+                    <a:pt x="685800" y="354852"/>
+                    <a:pt x="583452" y="457200"/>
+                    <a:pt x="457200" y="457200"/>
+                  </a:cubicBezTo>
+                  <a:cubicBezTo>
+                    <a:pt x="204695" y="457200"/>
+                    <a:pt x="0" y="354852"/>
+                    <a:pt x="0" y="228600"/>
+                  </a:cubicBezTo>
+                  <a:cubicBezTo>
+                    <a:pt x="0" y="102348"/>
+                    <a:pt x="204695" y="0"/>
+                    <a:pt x="457200" y="0"/>
+                  </a:cubicBezTo>
+                  <a:close/>
+                </a:path>
+              </a:pathLst>
+            </a:custGeom>
+            <a:solidFill>
+              <a:srgbClr val="333333"/>
+            </a:solidFill>
+            <a:ln w="50800">
+              <a:solidFill>
+                <a:schemeClr val="tx1"/>
+              </a:solidFill>
+            </a:ln>
+          </p:spPr>
+          <p:style>
+            <a:lnRef idx="2">
+              <a:schemeClr val="accent1">
+                <a:shade val="50000"/>
+              </a:schemeClr>
+            </a:lnRef>
+            <a:fillRef idx="1">
+              <a:schemeClr val="accent1"/>
+            </a:fillRef>
+            <a:effectRef idx="0">
+              <a:schemeClr val="accent1"/>
+            </a:effectRef>
+            <a:fontRef idx="minor">
+              <a:schemeClr val="lt1"/>
+            </a:fontRef>
+          </p:style>
+          <p:txBody>
+            <a:bodyPr rtlCol="0" anchor="ctr"/>
+            <a:lstStyle/>
+            <a:p>
+              <a:pPr algn="ctr"/>
+              <a:endParaRPr lang="en-US"/>
+            </a:p>
+          </p:txBody>
+        </p:sp>
+        <p:sp>
+          <p:nvSpPr>
+            <p:cNvPr id="26" name="Freeform 25"/>
+            <p:cNvSpPr/>
+            <p:nvPr/>
+          </p:nvSpPr>
+          <p:spPr>
+            <a:xfrm rot="7200000">
+              <a:off x="2971800" y="0"/>
+              <a:ext cx="685800" cy="457200"/>
+            </a:xfrm>
+            <a:custGeom>
+              <a:avLst/>
+              <a:gdLst>
+                <a:gd name="connsiteX0" fmla="*/ 457200 w 685800"/>
+                <a:gd name="connsiteY0" fmla="*/ 0 h 457200"/>
+                <a:gd name="connsiteX1" fmla="*/ 685800 w 685800"/>
+                <a:gd name="connsiteY1" fmla="*/ 228600 h 457200"/>
+                <a:gd name="connsiteX2" fmla="*/ 457200 w 685800"/>
+                <a:gd name="connsiteY2" fmla="*/ 457200 h 457200"/>
+                <a:gd name="connsiteX3" fmla="*/ 0 w 685800"/>
+                <a:gd name="connsiteY3" fmla="*/ 228600 h 457200"/>
+                <a:gd name="connsiteX4" fmla="*/ 457200 w 685800"/>
+                <a:gd name="connsiteY4" fmla="*/ 0 h 457200"/>
+              </a:gdLst>
+              <a:ahLst/>
+              <a:cxnLst>
+                <a:cxn ang="0">
+                  <a:pos x="connsiteX0" y="connsiteY0"/>
+                </a:cxn>
+                <a:cxn ang="0">
+                  <a:pos x="connsiteX1" y="connsiteY1"/>
+                </a:cxn>
+                <a:cxn ang="0">
+                  <a:pos x="connsiteX2" y="connsiteY2"/>
+                </a:cxn>
+                <a:cxn ang="0">
+                  <a:pos x="connsiteX3" y="connsiteY3"/>
+                </a:cxn>
+                <a:cxn ang="0">
+                  <a:pos x="connsiteX4" y="connsiteY4"/>
+                </a:cxn>
+              </a:cxnLst>
+              <a:rect l="l" t="t" r="r" b="b"/>
+              <a:pathLst>
+                <a:path w="685800" h="457200">
+                  <a:moveTo>
+                    <a:pt x="457200" y="0"/>
+                  </a:moveTo>
+                  <a:cubicBezTo>
+                    <a:pt x="583452" y="0"/>
+                    <a:pt x="685800" y="102348"/>
+                    <a:pt x="685800" y="228600"/>
+                  </a:cubicBezTo>
+                  <a:cubicBezTo>
+                    <a:pt x="685800" y="354852"/>
+                    <a:pt x="583452" y="457200"/>
+                    <a:pt x="457200" y="457200"/>
+                  </a:cubicBezTo>
+                  <a:cubicBezTo>
+                    <a:pt x="204695" y="457200"/>
+                    <a:pt x="0" y="354852"/>
+                    <a:pt x="0" y="228600"/>
+                  </a:cubicBezTo>
+                  <a:cubicBezTo>
+                    <a:pt x="0" y="102348"/>
+                    <a:pt x="204695" y="0"/>
+                    <a:pt x="457200" y="0"/>
+                  </a:cubicBezTo>
+                  <a:close/>
+                </a:path>
+              </a:pathLst>
+            </a:custGeom>
+            <a:solidFill>
+              <a:srgbClr val="333333"/>
+            </a:solidFill>
+            <a:ln w="50800">
+              <a:solidFill>
+                <a:schemeClr val="tx1"/>
+              </a:solidFill>
+            </a:ln>
+          </p:spPr>
+          <p:style>
+            <a:lnRef idx="2">
+              <a:schemeClr val="accent1">
+                <a:shade val="50000"/>
+              </a:schemeClr>
+            </a:lnRef>
+            <a:fillRef idx="1">
+              <a:schemeClr val="accent1"/>
+            </a:fillRef>
+            <a:effectRef idx="0">
+              <a:schemeClr val="accent1"/>
+            </a:effectRef>
+            <a:fontRef idx="minor">
+              <a:schemeClr val="lt1"/>
+            </a:fontRef>
+          </p:style>
+          <p:txBody>
+            <a:bodyPr rtlCol="0" anchor="ctr"/>
+            <a:lstStyle/>
+            <a:p>
+              <a:pPr algn="ctr"/>
+              <a:endParaRPr lang="en-US"/>
+            </a:p>
+          </p:txBody>
+        </p:sp>
         <p:sp>
           <p:nvSpPr>
             <p:cNvPr id="2" name="Oval 1"/>
@@ -6452,7 +6518,7 @@
           </p:nvSpPr>
           <p:spPr>
             <a:xfrm>
-              <a:off x="4114800" y="228600"/>
+              <a:off x="457200" y="0"/>
               <a:ext cx="3657600" cy="3657600"/>
             </a:xfrm>
             <a:prstGeom prst="ellipse">
@@ -6494,34 +6560,34 @@
         </p:sp>
         <p:sp>
           <p:nvSpPr>
-            <p:cNvPr id="50" name="Freeform 49"/>
+            <p:cNvPr id="61" name="Freeform 60"/>
             <p:cNvSpPr/>
             <p:nvPr/>
           </p:nvSpPr>
           <p:spPr>
             <a:xfrm flipH="1">
-              <a:off x="4132244" y="241980"/>
-              <a:ext cx="2044020" cy="2044020"/>
+              <a:off x="454022" y="0"/>
+              <a:ext cx="2286000" cy="2286000"/>
             </a:xfrm>
             <a:custGeom>
               <a:avLst/>
               <a:gdLst>
-                <a:gd name="connsiteX0" fmla="*/ 441389 w 2044020"/>
-                <a:gd name="connsiteY0" fmla="*/ 0 h 2044020"/>
-                <a:gd name="connsiteX1" fmla="*/ 597167 w 2044020"/>
-                <a:gd name="connsiteY1" fmla="*/ 23775 h 2044020"/>
-                <a:gd name="connsiteX2" fmla="*/ 2020245 w 2044020"/>
-                <a:gd name="connsiteY2" fmla="*/ 1446853 h 2044020"/>
-                <a:gd name="connsiteX3" fmla="*/ 2044020 w 2044020"/>
-                <a:gd name="connsiteY3" fmla="*/ 1602631 h 2044020"/>
-                <a:gd name="connsiteX4" fmla="*/ 2024994 w 2044020"/>
-                <a:gd name="connsiteY4" fmla="*/ 1628074 h 2044020"/>
-                <a:gd name="connsiteX5" fmla="*/ 1143000 w 2044020"/>
-                <a:gd name="connsiteY5" fmla="*/ 2044020 h 2044020"/>
-                <a:gd name="connsiteX6" fmla="*/ 0 w 2044020"/>
-                <a:gd name="connsiteY6" fmla="*/ 901020 h 2044020"/>
-                <a:gd name="connsiteX7" fmla="*/ 415946 w 2044020"/>
-                <a:gd name="connsiteY7" fmla="*/ 19026 h 2044020"/>
+                <a:gd name="connsiteX0" fmla="*/ 457200 w 2286000"/>
+                <a:gd name="connsiteY0" fmla="*/ 0 h 2286000"/>
+                <a:gd name="connsiteX1" fmla="*/ 2286000 w 2286000"/>
+                <a:gd name="connsiteY1" fmla="*/ 1828800 h 2286000"/>
+                <a:gd name="connsiteX2" fmla="*/ 2280396 w 2286000"/>
+                <a:gd name="connsiteY2" fmla="*/ 1939773 h 2286000"/>
+                <a:gd name="connsiteX3" fmla="*/ 2244065 w 2286000"/>
+                <a:gd name="connsiteY3" fmla="*/ 1972793 h 2286000"/>
+                <a:gd name="connsiteX4" fmla="*/ 1371600 w 2286000"/>
+                <a:gd name="connsiteY4" fmla="*/ 2286000 h 2286000"/>
+                <a:gd name="connsiteX5" fmla="*/ 0 w 2286000"/>
+                <a:gd name="connsiteY5" fmla="*/ 914400 h 2286000"/>
+                <a:gd name="connsiteX6" fmla="*/ 313207 w 2286000"/>
+                <a:gd name="connsiteY6" fmla="*/ 41935 h 2286000"/>
+                <a:gd name="connsiteX7" fmla="*/ 346227 w 2286000"/>
+                <a:gd name="connsiteY7" fmla="*/ 5604 h 2286000"/>
               </a:gdLst>
               <a:ahLst/>
               <a:cxnLst>
@@ -6552,39 +6618,39 @@
               </a:cxnLst>
               <a:rect l="l" t="t" r="r" b="b"/>
               <a:pathLst>
-                <a:path w="2044020" h="2044020">
+                <a:path w="2286000" h="2286000">
                   <a:moveTo>
-                    <a:pt x="441389" y="0"/>
+                    <a:pt x="457200" y="0"/>
                   </a:moveTo>
+                  <a:cubicBezTo>
+                    <a:pt x="1467218" y="0"/>
+                    <a:pt x="2286000" y="818782"/>
+                    <a:pt x="2286000" y="1828800"/>
+                  </a:cubicBezTo>
                   <a:lnTo>
-                    <a:pt x="597167" y="23775"/>
+                    <a:pt x="2280396" y="1939773"/>
+                  </a:lnTo>
+                  <a:lnTo>
+                    <a:pt x="2244065" y="1972793"/>
                   </a:lnTo>
                   <a:cubicBezTo>
-                    <a:pt x="1311470" y="169942"/>
-                    <a:pt x="1874078" y="732550"/>
-                    <a:pt x="2020245" y="1446853"/>
+                    <a:pt x="2006972" y="2168460"/>
+                    <a:pt x="1703013" y="2286000"/>
+                    <a:pt x="1371600" y="2286000"/>
+                  </a:cubicBezTo>
+                  <a:cubicBezTo>
+                    <a:pt x="614086" y="2286000"/>
+                    <a:pt x="0" y="1671914"/>
+                    <a:pt x="0" y="914400"/>
+                  </a:cubicBezTo>
+                  <a:cubicBezTo>
+                    <a:pt x="0" y="582988"/>
+                    <a:pt x="117540" y="279028"/>
+                    <a:pt x="313207" y="41935"/>
                   </a:cubicBezTo>
                   <a:lnTo>
-                    <a:pt x="2044020" y="1602631"/>
+                    <a:pt x="346227" y="5604"/>
                   </a:lnTo>
-                  <a:lnTo>
-                    <a:pt x="2024994" y="1628074"/>
-                  </a:lnTo>
-                  <a:cubicBezTo>
-                    <a:pt x="1815351" y="1882103"/>
-                    <a:pt x="1498085" y="2044020"/>
-                    <a:pt x="1143000" y="2044020"/>
-                  </a:cubicBezTo>
-                  <a:cubicBezTo>
-                    <a:pt x="511739" y="2044020"/>
-                    <a:pt x="0" y="1532281"/>
-                    <a:pt x="0" y="901020"/>
-                  </a:cubicBezTo>
-                  <a:cubicBezTo>
-                    <a:pt x="0" y="545936"/>
-                    <a:pt x="161918" y="228669"/>
-                    <a:pt x="415946" y="19026"/>
-                  </a:cubicBezTo>
                   <a:close/>
                 </a:path>
               </a:pathLst>
@@ -6631,7 +6697,7 @@
           </p:nvSpPr>
           <p:spPr>
             <a:xfrm>
-              <a:off x="3657600" y="1143000"/>
+              <a:off x="0" y="1143000"/>
               <a:ext cx="4572000" cy="4114800"/>
             </a:xfrm>
             <a:prstGeom prst="ellipse">
@@ -6639,6 +6705,145 @@
             </a:prstGeom>
             <a:solidFill>
               <a:schemeClr val="bg1"/>
+            </a:solidFill>
+            <a:ln w="50800">
+              <a:solidFill>
+                <a:schemeClr val="tx1"/>
+              </a:solidFill>
+            </a:ln>
+          </p:spPr>
+          <p:style>
+            <a:lnRef idx="2">
+              <a:schemeClr val="accent1">
+                <a:shade val="50000"/>
+              </a:schemeClr>
+            </a:lnRef>
+            <a:fillRef idx="1">
+              <a:schemeClr val="accent1"/>
+            </a:fillRef>
+            <a:effectRef idx="0">
+              <a:schemeClr val="accent1"/>
+            </a:effectRef>
+            <a:fontRef idx="minor">
+              <a:schemeClr val="lt1"/>
+            </a:fontRef>
+          </p:style>
+          <p:txBody>
+            <a:bodyPr rtlCol="0" anchor="ctr"/>
+            <a:lstStyle/>
+            <a:p>
+              <a:pPr algn="ctr"/>
+              <a:endParaRPr lang="en-US"/>
+            </a:p>
+          </p:txBody>
+        </p:sp>
+        <p:sp>
+          <p:nvSpPr>
+            <p:cNvPr id="54" name="Freeform 53"/>
+            <p:cNvSpPr/>
+            <p:nvPr/>
+          </p:nvSpPr>
+          <p:spPr>
+            <a:xfrm flipH="1">
+              <a:off x="73664" y="3657601"/>
+              <a:ext cx="1294758" cy="1239061"/>
+            </a:xfrm>
+            <a:custGeom>
+              <a:avLst/>
+              <a:gdLst>
+                <a:gd name="connsiteX0" fmla="*/ 914400 w 1294758"/>
+                <a:gd name="connsiteY0" fmla="*/ 0 h 1239061"/>
+                <a:gd name="connsiteX1" fmla="*/ 1270326 w 1294758"/>
+                <a:gd name="connsiteY1" fmla="*/ 53894 h 1239061"/>
+                <a:gd name="connsiteX2" fmla="*/ 1294758 w 1294758"/>
+                <a:gd name="connsiteY2" fmla="*/ 63840 h 1239061"/>
+                <a:gd name="connsiteX3" fmla="*/ 1268826 w 1294758"/>
+                <a:gd name="connsiteY3" fmla="*/ 154608 h 1239061"/>
+                <a:gd name="connsiteX4" fmla="*/ 539708 w 1294758"/>
+                <a:gd name="connsiteY4" fmla="*/ 1130390 h 1239061"/>
+                <a:gd name="connsiteX5" fmla="*/ 378238 w 1294758"/>
+                <a:gd name="connsiteY5" fmla="*/ 1239061 h 1239061"/>
+                <a:gd name="connsiteX6" fmla="*/ 267822 w 1294758"/>
+                <a:gd name="connsiteY6" fmla="*/ 1170734 h 1239061"/>
+                <a:gd name="connsiteX7" fmla="*/ 0 w 1294758"/>
+                <a:gd name="connsiteY7" fmla="*/ 685800 h 1239061"/>
+                <a:gd name="connsiteX8" fmla="*/ 914400 w 1294758"/>
+                <a:gd name="connsiteY8" fmla="*/ 0 h 1239061"/>
+              </a:gdLst>
+              <a:ahLst/>
+              <a:cxnLst>
+                <a:cxn ang="0">
+                  <a:pos x="connsiteX0" y="connsiteY0"/>
+                </a:cxn>
+                <a:cxn ang="0">
+                  <a:pos x="connsiteX1" y="connsiteY1"/>
+                </a:cxn>
+                <a:cxn ang="0">
+                  <a:pos x="connsiteX2" y="connsiteY2"/>
+                </a:cxn>
+                <a:cxn ang="0">
+                  <a:pos x="connsiteX3" y="connsiteY3"/>
+                </a:cxn>
+                <a:cxn ang="0">
+                  <a:pos x="connsiteX4" y="connsiteY4"/>
+                </a:cxn>
+                <a:cxn ang="0">
+                  <a:pos x="connsiteX5" y="connsiteY5"/>
+                </a:cxn>
+                <a:cxn ang="0">
+                  <a:pos x="connsiteX6" y="connsiteY6"/>
+                </a:cxn>
+                <a:cxn ang="0">
+                  <a:pos x="connsiteX7" y="connsiteY7"/>
+                </a:cxn>
+                <a:cxn ang="0">
+                  <a:pos x="connsiteX8" y="connsiteY8"/>
+                </a:cxn>
+              </a:cxnLst>
+              <a:rect l="l" t="t" r="r" b="b"/>
+              <a:pathLst>
+                <a:path w="1294758" h="1239061">
+                  <a:moveTo>
+                    <a:pt x="914400" y="0"/>
+                  </a:moveTo>
+                  <a:cubicBezTo>
+                    <a:pt x="1040652" y="0"/>
+                    <a:pt x="1160929" y="19190"/>
+                    <a:pt x="1270326" y="53894"/>
+                  </a:cubicBezTo>
+                  <a:lnTo>
+                    <a:pt x="1294758" y="63840"/>
+                  </a:lnTo>
+                  <a:lnTo>
+                    <a:pt x="1268826" y="154608"/>
+                  </a:lnTo>
+                  <a:cubicBezTo>
+                    <a:pt x="1135241" y="541148"/>
+                    <a:pt x="878413" y="878819"/>
+                    <a:pt x="539708" y="1130390"/>
+                  </a:cubicBezTo>
+                  <a:lnTo>
+                    <a:pt x="378238" y="1239061"/>
+                  </a:lnTo>
+                  <a:lnTo>
+                    <a:pt x="267822" y="1170734"/>
+                  </a:lnTo>
+                  <a:cubicBezTo>
+                    <a:pt x="102348" y="1046629"/>
+                    <a:pt x="0" y="875179"/>
+                    <a:pt x="0" y="685800"/>
+                  </a:cubicBezTo>
+                  <a:cubicBezTo>
+                    <a:pt x="0" y="307043"/>
+                    <a:pt x="409391" y="0"/>
+                    <a:pt x="914400" y="0"/>
+                  </a:cubicBezTo>
+                  <a:close/>
+                </a:path>
+              </a:pathLst>
+            </a:custGeom>
+            <a:solidFill>
+              <a:srgbClr val="009966"/>
             </a:solidFill>
             <a:ln w="50800">
               <a:solidFill>
@@ -6679,7 +6884,7 @@
           </p:nvSpPr>
           <p:spPr>
             <a:xfrm>
-              <a:off x="3886200" y="4800600"/>
+              <a:off x="228600" y="4800600"/>
               <a:ext cx="1828800" cy="914400"/>
             </a:xfrm>
             <a:custGeom>
@@ -6786,7 +6991,7 @@
           </p:nvSpPr>
           <p:spPr>
             <a:xfrm>
-              <a:off x="6172200" y="4800600"/>
+              <a:off x="2514600" y="4800600"/>
               <a:ext cx="1828800" cy="914400"/>
             </a:xfrm>
             <a:custGeom>
@@ -6887,132 +7092,34 @@
         </p:sp>
         <p:sp>
           <p:nvSpPr>
-            <p:cNvPr id="13" name="Oval 12"/>
-            <p:cNvSpPr/>
-            <p:nvPr/>
-          </p:nvSpPr>
-          <p:spPr>
-            <a:xfrm rot="300000">
-              <a:off x="7086600" y="685800"/>
-              <a:ext cx="914400" cy="457200"/>
-            </a:xfrm>
-            <a:prstGeom prst="ellipse">
-              <a:avLst/>
-            </a:prstGeom>
-            <a:solidFill>
-              <a:schemeClr val="bg1"/>
-            </a:solidFill>
-            <a:ln w="50800">
-              <a:solidFill>
-                <a:schemeClr val="tx1"/>
-              </a:solidFill>
-            </a:ln>
-          </p:spPr>
-          <p:style>
-            <a:lnRef idx="2">
-              <a:schemeClr val="accent1">
-                <a:shade val="50000"/>
-              </a:schemeClr>
-            </a:lnRef>
-            <a:fillRef idx="1">
-              <a:schemeClr val="accent1"/>
-            </a:fillRef>
-            <a:effectRef idx="0">
-              <a:schemeClr val="accent1"/>
-            </a:effectRef>
-            <a:fontRef idx="minor">
-              <a:schemeClr val="lt1"/>
-            </a:fontRef>
-          </p:style>
-          <p:txBody>
-            <a:bodyPr rtlCol="0" anchor="ctr"/>
-            <a:lstStyle/>
-            <a:p>
-              <a:pPr algn="ctr"/>
-              <a:endParaRPr lang="en-US"/>
-            </a:p>
-          </p:txBody>
-        </p:sp>
-        <p:sp>
-          <p:nvSpPr>
-            <p:cNvPr id="14" name="Oval 13"/>
-            <p:cNvSpPr/>
-            <p:nvPr/>
-          </p:nvSpPr>
-          <p:spPr>
-            <a:xfrm rot="21300000">
-              <a:off x="3886200" y="685800"/>
-              <a:ext cx="914400" cy="457200"/>
-            </a:xfrm>
-            <a:prstGeom prst="ellipse">
-              <a:avLst/>
-            </a:prstGeom>
-            <a:solidFill>
-              <a:schemeClr val="bg1"/>
-            </a:solidFill>
-            <a:ln w="50800">
-              <a:solidFill>
-                <a:schemeClr val="tx1"/>
-              </a:solidFill>
-            </a:ln>
-          </p:spPr>
-          <p:style>
-            <a:lnRef idx="2">
-              <a:schemeClr val="accent1">
-                <a:shade val="50000"/>
-              </a:schemeClr>
-            </a:lnRef>
-            <a:fillRef idx="1">
-              <a:schemeClr val="accent1"/>
-            </a:fillRef>
-            <a:effectRef idx="0">
-              <a:schemeClr val="accent1"/>
-            </a:effectRef>
-            <a:fontRef idx="minor">
-              <a:schemeClr val="lt1"/>
-            </a:fontRef>
-          </p:style>
-          <p:txBody>
-            <a:bodyPr rtlCol="0" anchor="ctr"/>
-            <a:lstStyle/>
-            <a:p>
-              <a:pPr algn="ctr"/>
-              <a:endParaRPr lang="en-US"/>
-            </a:p>
-          </p:txBody>
-        </p:sp>
-        <p:sp>
-          <p:nvSpPr>
-            <p:cNvPr id="47" name="Freeform 46"/>
+            <p:cNvPr id="57" name="Freeform 56"/>
             <p:cNvSpPr/>
             <p:nvPr/>
           </p:nvSpPr>
           <p:spPr>
             <a:xfrm flipH="1">
-              <a:off x="7319264" y="1908626"/>
-              <a:ext cx="914400" cy="1748974"/>
+              <a:off x="3197221" y="1487800"/>
+              <a:ext cx="1297937" cy="1712601"/>
             </a:xfrm>
             <a:custGeom>
               <a:avLst/>
               <a:gdLst>
-                <a:gd name="connsiteX0" fmla="*/ 507950 w 914400"/>
-                <a:gd name="connsiteY0" fmla="*/ 0 h 1748974"/>
-                <a:gd name="connsiteX1" fmla="*/ 555493 w 914400"/>
-                <a:gd name="connsiteY1" fmla="*/ 30537 h 1748974"/>
-                <a:gd name="connsiteX2" fmla="*/ 914400 w 914400"/>
-                <a:gd name="connsiteY2" fmla="*/ 834574 h 1748974"/>
-                <a:gd name="connsiteX3" fmla="*/ 228600 w 914400"/>
-                <a:gd name="connsiteY3" fmla="*/ 1748974 h 1748974"/>
-                <a:gd name="connsiteX4" fmla="*/ 90388 w 914400"/>
-                <a:gd name="connsiteY4" fmla="*/ 1730397 h 1748974"/>
-                <a:gd name="connsiteX5" fmla="*/ 49268 w 914400"/>
-                <a:gd name="connsiteY5" fmla="*/ 1716300 h 1748974"/>
-                <a:gd name="connsiteX6" fmla="*/ 46444 w 914400"/>
-                <a:gd name="connsiteY6" fmla="*/ 1706412 h 1748974"/>
-                <a:gd name="connsiteX7" fmla="*/ 0 w 914400"/>
-                <a:gd name="connsiteY7" fmla="*/ 1291774 h 1748974"/>
-                <a:gd name="connsiteX8" fmla="*/ 390413 w 914400"/>
-                <a:gd name="connsiteY8" fmla="*/ 141462 h 1748974"/>
+                <a:gd name="connsiteX0" fmla="*/ 946234 w 1297937"/>
+                <a:gd name="connsiteY0" fmla="*/ 0 h 1712601"/>
+                <a:gd name="connsiteX1" fmla="*/ 995574 w 1297937"/>
+                <a:gd name="connsiteY1" fmla="*/ 39966 h 1712601"/>
+                <a:gd name="connsiteX2" fmla="*/ 1297937 w 1297937"/>
+                <a:gd name="connsiteY2" fmla="*/ 798201 h 1712601"/>
+                <a:gd name="connsiteX3" fmla="*/ 612137 w 1297937"/>
+                <a:gd name="connsiteY3" fmla="*/ 1712601 h 1712601"/>
+                <a:gd name="connsiteX4" fmla="*/ 43461 w 1297937"/>
+                <a:gd name="connsiteY4" fmla="*/ 1309451 h 1712601"/>
+                <a:gd name="connsiteX5" fmla="*/ 0 w 1297937"/>
+                <a:gd name="connsiteY5" fmla="*/ 1202689 h 1712601"/>
+                <a:gd name="connsiteX6" fmla="*/ 29111 w 1297937"/>
+                <a:gd name="connsiteY6" fmla="*/ 1100793 h 1712601"/>
+                <a:gd name="connsiteX7" fmla="*/ 934213 w 1297937"/>
+                <a:gd name="connsiteY7" fmla="*/ 6573 h 1712601"/>
               </a:gdLst>
               <a:ahLst/>
               <a:cxnLst>
@@ -7040,49 +7147,41 @@
                 <a:cxn ang="0">
                   <a:pos x="connsiteX7" y="connsiteY7"/>
                 </a:cxn>
-                <a:cxn ang="0">
-                  <a:pos x="connsiteX8" y="connsiteY8"/>
-                </a:cxn>
               </a:cxnLst>
               <a:rect l="l" t="t" r="r" b="b"/>
               <a:pathLst>
-                <a:path w="914400" h="1748974">
+                <a:path w="1297937" h="1712601">
                   <a:moveTo>
-                    <a:pt x="507950" y="0"/>
+                    <a:pt x="946234" y="0"/>
                   </a:moveTo>
                   <a:lnTo>
-                    <a:pt x="555493" y="30537"/>
+                    <a:pt x="995574" y="39966"/>
                   </a:lnTo>
                   <a:cubicBezTo>
-                    <a:pt x="769275" y="185381"/>
-                    <a:pt x="914400" y="487380"/>
-                    <a:pt x="914400" y="834574"/>
+                    <a:pt x="1177998" y="204291"/>
+                    <a:pt x="1297937" y="482570"/>
+                    <a:pt x="1297937" y="798201"/>
                   </a:cubicBezTo>
                   <a:cubicBezTo>
-                    <a:pt x="914400" y="1339583"/>
-                    <a:pt x="607357" y="1748974"/>
-                    <a:pt x="228600" y="1748974"/>
+                    <a:pt x="1297937" y="1303210"/>
+                    <a:pt x="990894" y="1712601"/>
+                    <a:pt x="612137" y="1712601"/>
                   </a:cubicBezTo>
                   <a:cubicBezTo>
-                    <a:pt x="181256" y="1748974"/>
-                    <a:pt x="135031" y="1742577"/>
-                    <a:pt x="90388" y="1730397"/>
+                    <a:pt x="375414" y="1712601"/>
+                    <a:pt x="166704" y="1552683"/>
+                    <a:pt x="43461" y="1309451"/>
                   </a:cubicBezTo>
                   <a:lnTo>
-                    <a:pt x="49268" y="1716300"/>
+                    <a:pt x="0" y="1202689"/>
                   </a:lnTo>
                   <a:lnTo>
-                    <a:pt x="46444" y="1706412"/>
+                    <a:pt x="29111" y="1100793"/>
                   </a:lnTo>
                   <a:cubicBezTo>
-                    <a:pt x="15992" y="1572480"/>
-                    <a:pt x="0" y="1433808"/>
-                    <a:pt x="0" y="1291774"/>
-                  </a:cubicBezTo>
-                  <a:cubicBezTo>
-                    <a:pt x="0" y="865673"/>
-                    <a:pt x="143927" y="469825"/>
-                    <a:pt x="390413" y="141462"/>
+                    <a:pt x="184960" y="649830"/>
+                    <a:pt x="508557" y="265383"/>
+                    <a:pt x="934213" y="6573"/>
                   </a:cubicBezTo>
                   <a:close/>
                 </a:path>
@@ -7124,169 +7223,36 @@
         </p:sp>
         <p:sp>
           <p:nvSpPr>
-            <p:cNvPr id="44" name="Freeform 43"/>
-            <p:cNvSpPr/>
-            <p:nvPr/>
-          </p:nvSpPr>
-          <p:spPr>
-            <a:xfrm flipH="1">
-              <a:off x="3721608" y="3657600"/>
-              <a:ext cx="854455" cy="1078676"/>
-            </a:xfrm>
-            <a:custGeom>
-              <a:avLst/>
-              <a:gdLst>
-                <a:gd name="connsiteX0" fmla="*/ 800100 w 854455"/>
-                <a:gd name="connsiteY0" fmla="*/ 0 h 1078676"/>
-                <a:gd name="connsiteX1" fmla="*/ 854455 w 854455"/>
-                <a:gd name="connsiteY1" fmla="*/ 4697 h 1078676"/>
-                <a:gd name="connsiteX2" fmla="*/ 811626 w 854455"/>
-                <a:gd name="connsiteY2" fmla="*/ 154608 h 1078676"/>
-                <a:gd name="connsiteX3" fmla="*/ 244846 w 854455"/>
-                <a:gd name="connsiteY3" fmla="*/ 997602 h 1078676"/>
-                <a:gd name="connsiteX4" fmla="*/ 145730 w 854455"/>
-                <a:gd name="connsiteY4" fmla="*/ 1078676 h 1078676"/>
-                <a:gd name="connsiteX5" fmla="*/ 136645 w 854455"/>
-                <a:gd name="connsiteY5" fmla="*/ 1069238 h 1078676"/>
-                <a:gd name="connsiteX6" fmla="*/ 0 w 854455"/>
-                <a:gd name="connsiteY6" fmla="*/ 685800 h 1078676"/>
-                <a:gd name="connsiteX7" fmla="*/ 800100 w 854455"/>
-                <a:gd name="connsiteY7" fmla="*/ 0 h 1078676"/>
-              </a:gdLst>
-              <a:ahLst/>
-              <a:cxnLst>
-                <a:cxn ang="0">
-                  <a:pos x="connsiteX0" y="connsiteY0"/>
-                </a:cxn>
-                <a:cxn ang="0">
-                  <a:pos x="connsiteX1" y="connsiteY1"/>
-                </a:cxn>
-                <a:cxn ang="0">
-                  <a:pos x="connsiteX2" y="connsiteY2"/>
-                </a:cxn>
-                <a:cxn ang="0">
-                  <a:pos x="connsiteX3" y="connsiteY3"/>
-                </a:cxn>
-                <a:cxn ang="0">
-                  <a:pos x="connsiteX4" y="connsiteY4"/>
-                </a:cxn>
-                <a:cxn ang="0">
-                  <a:pos x="connsiteX5" y="connsiteY5"/>
-                </a:cxn>
-                <a:cxn ang="0">
-                  <a:pos x="connsiteX6" y="connsiteY6"/>
-                </a:cxn>
-                <a:cxn ang="0">
-                  <a:pos x="connsiteX7" y="connsiteY7"/>
-                </a:cxn>
-              </a:cxnLst>
-              <a:rect l="l" t="t" r="r" b="b"/>
-              <a:pathLst>
-                <a:path w="854455" h="1078676">
-                  <a:moveTo>
-                    <a:pt x="800100" y="0"/>
-                  </a:moveTo>
-                  <a:lnTo>
-                    <a:pt x="854455" y="4697"/>
-                  </a:lnTo>
-                  <a:lnTo>
-                    <a:pt x="811626" y="154608"/>
-                  </a:lnTo>
-                  <a:cubicBezTo>
-                    <a:pt x="700306" y="476725"/>
-                    <a:pt x="503399" y="764904"/>
-                    <a:pt x="244846" y="997602"/>
-                  </a:cubicBezTo>
-                  <a:lnTo>
-                    <a:pt x="145730" y="1078676"/>
-                  </a:lnTo>
-                  <a:lnTo>
-                    <a:pt x="136645" y="1069238"/>
-                  </a:lnTo>
-                  <a:cubicBezTo>
-                    <a:pt x="50375" y="959783"/>
-                    <a:pt x="0" y="827834"/>
-                    <a:pt x="0" y="685800"/>
-                  </a:cubicBezTo>
-                  <a:cubicBezTo>
-                    <a:pt x="0" y="307043"/>
-                    <a:pt x="358217" y="0"/>
-                    <a:pt x="800100" y="0"/>
-                  </a:cubicBezTo>
-                  <a:close/>
-                </a:path>
-              </a:pathLst>
-            </a:custGeom>
-            <a:solidFill>
-              <a:srgbClr val="009966"/>
-            </a:solidFill>
-            <a:ln w="50800">
-              <a:solidFill>
-                <a:schemeClr val="tx1"/>
-              </a:solidFill>
-            </a:ln>
-          </p:spPr>
-          <p:style>
-            <a:lnRef idx="2">
-              <a:schemeClr val="accent1">
-                <a:shade val="50000"/>
-              </a:schemeClr>
-            </a:lnRef>
-            <a:fillRef idx="1">
-              <a:schemeClr val="accent1"/>
-            </a:fillRef>
-            <a:effectRef idx="0">
-              <a:schemeClr val="accent1"/>
-            </a:effectRef>
-            <a:fontRef idx="minor">
-              <a:schemeClr val="lt1"/>
-            </a:fontRef>
-          </p:style>
-          <p:txBody>
-            <a:bodyPr rtlCol="0" anchor="ctr"/>
-            <a:lstStyle/>
-            <a:p>
-              <a:pPr algn="ctr"/>
-              <a:endParaRPr lang="en-US"/>
-            </a:p>
-          </p:txBody>
-        </p:sp>
-        <p:sp>
-          <p:nvSpPr>
-            <p:cNvPr id="36" name="Freeform 35"/>
+            <p:cNvPr id="24" name="Freeform 23"/>
             <p:cNvSpPr/>
             <p:nvPr/>
           </p:nvSpPr>
           <p:spPr>
             <a:xfrm>
-              <a:off x="5029200" y="2286000"/>
-              <a:ext cx="1028700" cy="2286000"/>
+              <a:off x="1600200" y="1600200"/>
+              <a:ext cx="1030768" cy="2640707"/>
             </a:xfrm>
             <a:custGeom>
               <a:avLst/>
               <a:gdLst>
-                <a:gd name="connsiteX0" fmla="*/ 914400 w 1028700"/>
-                <a:gd name="connsiteY0" fmla="*/ 0 h 2286000"/>
-                <a:gd name="connsiteX1" fmla="*/ 1007892 w 1028700"/>
-                <a:gd name="connsiteY1" fmla="*/ 5901 h 2286000"/>
-                <a:gd name="connsiteX2" fmla="*/ 1028700 w 1028700"/>
-                <a:gd name="connsiteY2" fmla="*/ 9871 h 2286000"/>
-                <a:gd name="connsiteX3" fmla="*/ 958717 w 1028700"/>
-                <a:gd name="connsiteY3" fmla="*/ 23222 h 2286000"/>
-                <a:gd name="connsiteX4" fmla="*/ 228600 w 1028700"/>
-                <a:gd name="connsiteY4" fmla="*/ 1143000 h 2286000"/>
-                <a:gd name="connsiteX5" fmla="*/ 958717 w 1028700"/>
-                <a:gd name="connsiteY5" fmla="*/ 2262779 h 2286000"/>
-                <a:gd name="connsiteX6" fmla="*/ 1028700 w 1028700"/>
-                <a:gd name="connsiteY6" fmla="*/ 2276129 h 2286000"/>
-                <a:gd name="connsiteX7" fmla="*/ 1007892 w 1028700"/>
-                <a:gd name="connsiteY7" fmla="*/ 2280099 h 2286000"/>
-                <a:gd name="connsiteX8" fmla="*/ 914400 w 1028700"/>
-                <a:gd name="connsiteY8" fmla="*/ 2286000 h 2286000"/>
-                <a:gd name="connsiteX9" fmla="*/ 0 w 1028700"/>
-                <a:gd name="connsiteY9" fmla="*/ 1143000 h 2286000"/>
-                <a:gd name="connsiteX10" fmla="*/ 914400 w 1028700"/>
-                <a:gd name="connsiteY10" fmla="*/ 0 h 2286000"/>
+                <a:gd name="connsiteX0" fmla="*/ 568118 w 1030768"/>
+                <a:gd name="connsiteY0" fmla="*/ 0 h 2640707"/>
+                <a:gd name="connsiteX1" fmla="*/ 561357 w 1030768"/>
+                <a:gd name="connsiteY1" fmla="*/ 8215 h 2640707"/>
+                <a:gd name="connsiteX2" fmla="*/ 228600 w 1030768"/>
+                <a:gd name="connsiteY2" fmla="*/ 1154808 h 2640707"/>
+                <a:gd name="connsiteX3" fmla="*/ 958717 w 1030768"/>
+                <a:gd name="connsiteY3" fmla="*/ 2610520 h 2640707"/>
+                <a:gd name="connsiteX4" fmla="*/ 1030768 w 1030768"/>
+                <a:gd name="connsiteY4" fmla="*/ 2628389 h 2640707"/>
+                <a:gd name="connsiteX5" fmla="*/ 1007892 w 1030768"/>
+                <a:gd name="connsiteY5" fmla="*/ 2633626 h 2640707"/>
+                <a:gd name="connsiteX6" fmla="*/ 914400 w 1030768"/>
+                <a:gd name="connsiteY6" fmla="*/ 2640707 h 2640707"/>
+                <a:gd name="connsiteX7" fmla="*/ 0 w 1030768"/>
+                <a:gd name="connsiteY7" fmla="*/ 1269107 h 2640707"/>
+                <a:gd name="connsiteX8" fmla="*/ 558474 w 1030768"/>
+                <a:gd name="connsiteY8" fmla="*/ 5294 h 2640707"/>
               </a:gdLst>
               <a:ahLst/>
               <a:cxnLst>
@@ -7317,60 +7283,46 @@
                 <a:cxn ang="0">
                   <a:pos x="connsiteX8" y="connsiteY8"/>
                 </a:cxn>
-                <a:cxn ang="0">
-                  <a:pos x="connsiteX9" y="connsiteY9"/>
-                </a:cxn>
-                <a:cxn ang="0">
-                  <a:pos x="connsiteX10" y="connsiteY10"/>
-                </a:cxn>
               </a:cxnLst>
               <a:rect l="l" t="t" r="r" b="b"/>
               <a:pathLst>
-                <a:path w="1028700" h="2286000">
+                <a:path w="1030768" h="2640707">
                   <a:moveTo>
-                    <a:pt x="914400" y="0"/>
+                    <a:pt x="568118" y="0"/>
                   </a:moveTo>
+                  <a:lnTo>
+                    <a:pt x="561357" y="8215"/>
+                  </a:lnTo>
                   <a:cubicBezTo>
-                    <a:pt x="945963" y="0"/>
-                    <a:pt x="977153" y="1999"/>
-                    <a:pt x="1007892" y="5901"/>
+                    <a:pt x="358134" y="280751"/>
+                    <a:pt x="228600" y="693198"/>
+                    <a:pt x="228600" y="1154808"/>
+                  </a:cubicBezTo>
+                  <a:cubicBezTo>
+                    <a:pt x="228600" y="1872868"/>
+                    <a:pt x="542040" y="2471965"/>
+                    <a:pt x="958717" y="2610520"/>
                   </a:cubicBezTo>
                   <a:lnTo>
-                    <a:pt x="1028700" y="9871"/>
+                    <a:pt x="1030768" y="2628389"/>
                   </a:lnTo>
                   <a:lnTo>
-                    <a:pt x="958717" y="23222"/>
+                    <a:pt x="1007892" y="2633626"/>
                   </a:lnTo>
                   <a:cubicBezTo>
-                    <a:pt x="542040" y="129802"/>
-                    <a:pt x="228600" y="590647"/>
-                    <a:pt x="228600" y="1143000"/>
+                    <a:pt x="977153" y="2638308"/>
+                    <a:pt x="945963" y="2640707"/>
+                    <a:pt x="914400" y="2640707"/>
                   </a:cubicBezTo>
                   <a:cubicBezTo>
-                    <a:pt x="228600" y="1695353"/>
-                    <a:pt x="542040" y="2156198"/>
-                    <a:pt x="958717" y="2262779"/>
-                  </a:cubicBezTo>
-                  <a:lnTo>
-                    <a:pt x="1028700" y="2276129"/>
-                  </a:lnTo>
-                  <a:lnTo>
-                    <a:pt x="1007892" y="2280099"/>
-                  </a:lnTo>
-                  <a:cubicBezTo>
-                    <a:pt x="977153" y="2284001"/>
-                    <a:pt x="945963" y="2286000"/>
-                    <a:pt x="914400" y="2286000"/>
+                    <a:pt x="409391" y="2640707"/>
+                    <a:pt x="0" y="2026621"/>
+                    <a:pt x="0" y="1269107"/>
                   </a:cubicBezTo>
                   <a:cubicBezTo>
-                    <a:pt x="409391" y="2286000"/>
-                    <a:pt x="0" y="1774261"/>
-                    <a:pt x="0" y="1143000"/>
-                  </a:cubicBezTo>
-                  <a:cubicBezTo>
-                    <a:pt x="0" y="511739"/>
-                    <a:pt x="409391" y="0"/>
-                    <a:pt x="914400" y="0"/>
+                    <a:pt x="0" y="700972"/>
+                    <a:pt x="230282" y="213514"/>
+                    <a:pt x="558474" y="5294"/>
                   </a:cubicBezTo>
                   <a:close/>
                 </a:path>
@@ -7412,18 +7364,77 @@
         </p:sp>
         <p:sp>
           <p:nvSpPr>
-            <p:cNvPr id="8" name="Oval 7"/>
+            <p:cNvPr id="27" name="Freeform 26"/>
             <p:cNvSpPr/>
             <p:nvPr/>
           </p:nvSpPr>
           <p:spPr>
-            <a:xfrm>
-              <a:off x="5715000" y="4343400"/>
-              <a:ext cx="457200" cy="457200"/>
+            <a:xfrm rot="12600000">
+              <a:off x="2286000" y="4114800"/>
+              <a:ext cx="685800" cy="457200"/>
             </a:xfrm>
-            <a:prstGeom prst="ellipse">
+            <a:custGeom>
               <a:avLst/>
-            </a:prstGeom>
+              <a:gdLst>
+                <a:gd name="connsiteX0" fmla="*/ 457200 w 685800"/>
+                <a:gd name="connsiteY0" fmla="*/ 0 h 457200"/>
+                <a:gd name="connsiteX1" fmla="*/ 685800 w 685800"/>
+                <a:gd name="connsiteY1" fmla="*/ 228600 h 457200"/>
+                <a:gd name="connsiteX2" fmla="*/ 457200 w 685800"/>
+                <a:gd name="connsiteY2" fmla="*/ 457200 h 457200"/>
+                <a:gd name="connsiteX3" fmla="*/ 0 w 685800"/>
+                <a:gd name="connsiteY3" fmla="*/ 228600 h 457200"/>
+                <a:gd name="connsiteX4" fmla="*/ 457200 w 685800"/>
+                <a:gd name="connsiteY4" fmla="*/ 0 h 457200"/>
+              </a:gdLst>
+              <a:ahLst/>
+              <a:cxnLst>
+                <a:cxn ang="0">
+                  <a:pos x="connsiteX0" y="connsiteY0"/>
+                </a:cxn>
+                <a:cxn ang="0">
+                  <a:pos x="connsiteX1" y="connsiteY1"/>
+                </a:cxn>
+                <a:cxn ang="0">
+                  <a:pos x="connsiteX2" y="connsiteY2"/>
+                </a:cxn>
+                <a:cxn ang="0">
+                  <a:pos x="connsiteX3" y="connsiteY3"/>
+                </a:cxn>
+                <a:cxn ang="0">
+                  <a:pos x="connsiteX4" y="connsiteY4"/>
+                </a:cxn>
+              </a:cxnLst>
+              <a:rect l="l" t="t" r="r" b="b"/>
+              <a:pathLst>
+                <a:path w="685800" h="457200">
+                  <a:moveTo>
+                    <a:pt x="457200" y="0"/>
+                  </a:moveTo>
+                  <a:cubicBezTo>
+                    <a:pt x="583452" y="0"/>
+                    <a:pt x="685800" y="102348"/>
+                    <a:pt x="685800" y="228600"/>
+                  </a:cubicBezTo>
+                  <a:cubicBezTo>
+                    <a:pt x="685800" y="354852"/>
+                    <a:pt x="583452" y="457200"/>
+                    <a:pt x="457200" y="457200"/>
+                  </a:cubicBezTo>
+                  <a:cubicBezTo>
+                    <a:pt x="204695" y="457200"/>
+                    <a:pt x="0" y="354852"/>
+                    <a:pt x="0" y="228600"/>
+                  </a:cubicBezTo>
+                  <a:cubicBezTo>
+                    <a:pt x="0" y="102348"/>
+                    <a:pt x="204695" y="0"/>
+                    <a:pt x="457200" y="0"/>
+                  </a:cubicBezTo>
+                  <a:close/>
+                </a:path>
+              </a:pathLst>
+            </a:custGeom>
             <a:solidFill>
               <a:srgbClr val="333333"/>
             </a:solidFill>
@@ -7462,7 +7473,7 @@
     </p:spTree>
     <p:extLst>
       <p:ext uri="{BB962C8B-B14F-4D97-AF65-F5344CB8AC3E}">
-        <p14:creationId xmlns:p14="http://schemas.microsoft.com/office/powerpoint/2010/main" val="4147990376"/>
+        <p14:creationId xmlns:p14="http://schemas.microsoft.com/office/powerpoint/2010/main" val="3804621353"/>
       </p:ext>
     </p:extLst>
   </p:cSld>

--- a/Presentation1.pptx
+++ b/Presentation1.pptx
@@ -4078,6 +4078,35 @@
           </a:prstGeom>
         </p:spPr>
       </p:pic>
+      <p:pic>
+        <p:nvPicPr>
+          <p:cNvPr id="2" name="Picture 1" descr="Adobe Dreamweaver CC 2017 - [index.html]"/>
+          <p:cNvPicPr>
+            <a:picLocks noChangeAspect="1"/>
+          </p:cNvPicPr>
+          <p:nvPr/>
+        </p:nvPicPr>
+        <p:blipFill rotWithShape="1">
+          <a:blip r:embed="rId3">
+            <a:extLst>
+              <a:ext uri="{28A0092B-C50C-407E-A947-70E740481C1C}">
+                <a14:useLocalDpi xmlns:a14="http://schemas.microsoft.com/office/drawing/2010/main" val="0"/>
+              </a:ext>
+            </a:extLst>
+          </a:blip>
+          <a:srcRect l="18317" t="43222" r="63913" b="36135"/>
+          <a:stretch/>
+        </p:blipFill>
+        <p:spPr>
+          <a:xfrm>
+            <a:off x="4745364" y="2203840"/>
+            <a:ext cx="6691745" cy="4273103"/>
+          </a:xfrm>
+          <a:prstGeom prst="rect">
+            <a:avLst/>
+          </a:prstGeom>
+        </p:spPr>
+      </p:pic>
     </p:spTree>
     <p:extLst>
       <p:ext uri="{BB962C8B-B14F-4D97-AF65-F5344CB8AC3E}">

--- a/Presentation1.pptx
+++ b/Presentation1.pptx
@@ -4094,13 +4094,13 @@
               </a:ext>
             </a:extLst>
           </a:blip>
-          <a:srcRect l="18317" t="43222" r="63913" b="36135"/>
+          <a:srcRect l="12633" t="41962" r="63913" b="29819"/>
           <a:stretch/>
         </p:blipFill>
         <p:spPr>
           <a:xfrm>
-            <a:off x="4745364" y="2203840"/>
-            <a:ext cx="6691745" cy="4273103"/>
+            <a:off x="1441056" y="2344489"/>
+            <a:ext cx="5998835" cy="3967403"/>
           </a:xfrm>
           <a:prstGeom prst="rect">
             <a:avLst/>

--- a/Presentation1.pptx
+++ b/Presentation1.pptx
@@ -12,6 +12,7 @@
     <p:sldId id="261" r:id="rId6"/>
     <p:sldId id="262" r:id="rId7"/>
     <p:sldId id="263" r:id="rId8"/>
+    <p:sldId id="264" r:id="rId9"/>
   </p:sldIdLst>
   <p:sldSz cx="12192000" cy="6858000"/>
   <p:notesSz cx="6858000" cy="9144000"/>
@@ -249,7 +250,7 @@
           <a:p>
             <a:fld id="{F686C300-4B60-40C4-85AF-05819ECEBA59}" type="datetimeFigureOut">
               <a:rPr lang="en-US" smtClean="0"/>
-              <a:t>6/28/2017</a:t>
+              <a:t>6/30/2017</a:t>
             </a:fld>
             <a:endParaRPr lang="en-US"/>
           </a:p>
@@ -419,7 +420,7 @@
           <a:p>
             <a:fld id="{F686C300-4B60-40C4-85AF-05819ECEBA59}" type="datetimeFigureOut">
               <a:rPr lang="en-US" smtClean="0"/>
-              <a:t>6/28/2017</a:t>
+              <a:t>6/30/2017</a:t>
             </a:fld>
             <a:endParaRPr lang="en-US"/>
           </a:p>
@@ -599,7 +600,7 @@
           <a:p>
             <a:fld id="{F686C300-4B60-40C4-85AF-05819ECEBA59}" type="datetimeFigureOut">
               <a:rPr lang="en-US" smtClean="0"/>
-              <a:t>6/28/2017</a:t>
+              <a:t>6/30/2017</a:t>
             </a:fld>
             <a:endParaRPr lang="en-US"/>
           </a:p>
@@ -769,7 +770,7 @@
           <a:p>
             <a:fld id="{F686C300-4B60-40C4-85AF-05819ECEBA59}" type="datetimeFigureOut">
               <a:rPr lang="en-US" smtClean="0"/>
-              <a:t>6/28/2017</a:t>
+              <a:t>6/30/2017</a:t>
             </a:fld>
             <a:endParaRPr lang="en-US"/>
           </a:p>
@@ -1015,7 +1016,7 @@
           <a:p>
             <a:fld id="{F686C300-4B60-40C4-85AF-05819ECEBA59}" type="datetimeFigureOut">
               <a:rPr lang="en-US" smtClean="0"/>
-              <a:t>6/28/2017</a:t>
+              <a:t>6/30/2017</a:t>
             </a:fld>
             <a:endParaRPr lang="en-US"/>
           </a:p>
@@ -1247,7 +1248,7 @@
           <a:p>
             <a:fld id="{F686C300-4B60-40C4-85AF-05819ECEBA59}" type="datetimeFigureOut">
               <a:rPr lang="en-US" smtClean="0"/>
-              <a:t>6/28/2017</a:t>
+              <a:t>6/30/2017</a:t>
             </a:fld>
             <a:endParaRPr lang="en-US"/>
           </a:p>
@@ -1614,7 +1615,7 @@
           <a:p>
             <a:fld id="{F686C300-4B60-40C4-85AF-05819ECEBA59}" type="datetimeFigureOut">
               <a:rPr lang="en-US" smtClean="0"/>
-              <a:t>6/28/2017</a:t>
+              <a:t>6/30/2017</a:t>
             </a:fld>
             <a:endParaRPr lang="en-US"/>
           </a:p>
@@ -1732,7 +1733,7 @@
           <a:p>
             <a:fld id="{F686C300-4B60-40C4-85AF-05819ECEBA59}" type="datetimeFigureOut">
               <a:rPr lang="en-US" smtClean="0"/>
-              <a:t>6/28/2017</a:t>
+              <a:t>6/30/2017</a:t>
             </a:fld>
             <a:endParaRPr lang="en-US"/>
           </a:p>
@@ -1827,7 +1828,7 @@
           <a:p>
             <a:fld id="{F686C300-4B60-40C4-85AF-05819ECEBA59}" type="datetimeFigureOut">
               <a:rPr lang="en-US" smtClean="0"/>
-              <a:t>6/28/2017</a:t>
+              <a:t>6/30/2017</a:t>
             </a:fld>
             <a:endParaRPr lang="en-US"/>
           </a:p>
@@ -2104,7 +2105,7 @@
           <a:p>
             <a:fld id="{F686C300-4B60-40C4-85AF-05819ECEBA59}" type="datetimeFigureOut">
               <a:rPr lang="en-US" smtClean="0"/>
-              <a:t>6/28/2017</a:t>
+              <a:t>6/30/2017</a:t>
             </a:fld>
             <a:endParaRPr lang="en-US"/>
           </a:p>
@@ -2357,7 +2358,7 @@
           <a:p>
             <a:fld id="{F686C300-4B60-40C4-85AF-05819ECEBA59}" type="datetimeFigureOut">
               <a:rPr lang="en-US" smtClean="0"/>
-              <a:t>6/28/2017</a:t>
+              <a:t>6/30/2017</a:t>
             </a:fld>
             <a:endParaRPr lang="en-US"/>
           </a:p>
@@ -2570,7 +2571,7 @@
           <a:p>
             <a:fld id="{F686C300-4B60-40C4-85AF-05819ECEBA59}" type="datetimeFigureOut">
               <a:rPr lang="en-US" smtClean="0"/>
-              <a:t>6/28/2017</a:t>
+              <a:t>6/30/2017</a:t>
             </a:fld>
             <a:endParaRPr lang="en-US"/>
           </a:p>
@@ -7512,6 +7513,70 @@
 </p:sld>
 </file>
 
+<file path=ppt/slides/slide8.xml><?xml version="1.0" encoding="utf-8"?>
+<p:sld xmlns:a="http://schemas.openxmlformats.org/drawingml/2006/main" xmlns:r="http://schemas.openxmlformats.org/officeDocument/2006/relationships" xmlns:p="http://schemas.openxmlformats.org/presentationml/2006/main">
+  <p:cSld>
+    <p:spTree>
+      <p:nvGrpSpPr>
+        <p:cNvPr id="1" name=""/>
+        <p:cNvGrpSpPr/>
+        <p:nvPr/>
+      </p:nvGrpSpPr>
+      <p:grpSpPr>
+        <a:xfrm>
+          <a:off x="0" y="0"/>
+          <a:ext cx="0" cy="0"/>
+          <a:chOff x="0" y="0"/>
+          <a:chExt cx="0" cy="0"/>
+        </a:xfrm>
+      </p:grpSpPr>
+      <p:sp>
+        <p:nvSpPr>
+          <p:cNvPr id="2" name="TextBox 1"/>
+          <p:cNvSpPr txBox="1"/>
+          <p:nvPr/>
+        </p:nvSpPr>
+        <p:spPr>
+          <a:xfrm>
+            <a:off x="1638795" y="2422566"/>
+            <a:ext cx="3776996" cy="1569660"/>
+          </a:xfrm>
+          <a:prstGeom prst="rect">
+            <a:avLst/>
+          </a:prstGeom>
+          <a:noFill/>
+        </p:spPr>
+        <p:txBody>
+          <a:bodyPr wrap="none" rtlCol="0">
+            <a:spAutoFit/>
+          </a:bodyPr>
+          <a:lstStyle/>
+          <a:p>
+            <a:r>
+              <a:rPr lang="en-US" sz="9600" dirty="0" smtClean="0">
+                <a:latin typeface="AR JULIAN" panose="02000000000000000000" pitchFamily="2" charset="0"/>
+              </a:rPr>
+              <a:t>WIP :)</a:t>
+            </a:r>
+            <a:endParaRPr lang="en-US" sz="9600" dirty="0">
+              <a:latin typeface="AR JULIAN" panose="02000000000000000000" pitchFamily="2" charset="0"/>
+            </a:endParaRPr>
+          </a:p>
+        </p:txBody>
+      </p:sp>
+    </p:spTree>
+    <p:extLst>
+      <p:ext uri="{BB962C8B-B14F-4D97-AF65-F5344CB8AC3E}">
+        <p14:creationId xmlns:p14="http://schemas.microsoft.com/office/powerpoint/2010/main" val="647508412"/>
+      </p:ext>
+    </p:extLst>
+  </p:cSld>
+  <p:clrMapOvr>
+    <a:masterClrMapping/>
+  </p:clrMapOvr>
+</p:sld>
+</file>
+
 <file path=ppt/theme/theme1.xml><?xml version="1.0" encoding="utf-8"?>
 <a:theme xmlns:a="http://schemas.openxmlformats.org/drawingml/2006/main" name="Office Theme">
   <a:themeElements>

--- a/Presentation1.pptx
+++ b/Presentation1.pptx
@@ -250,7 +250,7 @@
           <a:p>
             <a:fld id="{F686C300-4B60-40C4-85AF-05819ECEBA59}" type="datetimeFigureOut">
               <a:rPr lang="en-US" smtClean="0"/>
-              <a:t>6/30/2017</a:t>
+              <a:t>7/3/2017</a:t>
             </a:fld>
             <a:endParaRPr lang="en-US"/>
           </a:p>
@@ -420,7 +420,7 @@
           <a:p>
             <a:fld id="{F686C300-4B60-40C4-85AF-05819ECEBA59}" type="datetimeFigureOut">
               <a:rPr lang="en-US" smtClean="0"/>
-              <a:t>6/30/2017</a:t>
+              <a:t>7/3/2017</a:t>
             </a:fld>
             <a:endParaRPr lang="en-US"/>
           </a:p>
@@ -600,7 +600,7 @@
           <a:p>
             <a:fld id="{F686C300-4B60-40C4-85AF-05819ECEBA59}" type="datetimeFigureOut">
               <a:rPr lang="en-US" smtClean="0"/>
-              <a:t>6/30/2017</a:t>
+              <a:t>7/3/2017</a:t>
             </a:fld>
             <a:endParaRPr lang="en-US"/>
           </a:p>
@@ -770,7 +770,7 @@
           <a:p>
             <a:fld id="{F686C300-4B60-40C4-85AF-05819ECEBA59}" type="datetimeFigureOut">
               <a:rPr lang="en-US" smtClean="0"/>
-              <a:t>6/30/2017</a:t>
+              <a:t>7/3/2017</a:t>
             </a:fld>
             <a:endParaRPr lang="en-US"/>
           </a:p>
@@ -1016,7 +1016,7 @@
           <a:p>
             <a:fld id="{F686C300-4B60-40C4-85AF-05819ECEBA59}" type="datetimeFigureOut">
               <a:rPr lang="en-US" smtClean="0"/>
-              <a:t>6/30/2017</a:t>
+              <a:t>7/3/2017</a:t>
             </a:fld>
             <a:endParaRPr lang="en-US"/>
           </a:p>
@@ -1248,7 +1248,7 @@
           <a:p>
             <a:fld id="{F686C300-4B60-40C4-85AF-05819ECEBA59}" type="datetimeFigureOut">
               <a:rPr lang="en-US" smtClean="0"/>
-              <a:t>6/30/2017</a:t>
+              <a:t>7/3/2017</a:t>
             </a:fld>
             <a:endParaRPr lang="en-US"/>
           </a:p>
@@ -1615,7 +1615,7 @@
           <a:p>
             <a:fld id="{F686C300-4B60-40C4-85AF-05819ECEBA59}" type="datetimeFigureOut">
               <a:rPr lang="en-US" smtClean="0"/>
-              <a:t>6/30/2017</a:t>
+              <a:t>7/3/2017</a:t>
             </a:fld>
             <a:endParaRPr lang="en-US"/>
           </a:p>
@@ -1733,7 +1733,7 @@
           <a:p>
             <a:fld id="{F686C300-4B60-40C4-85AF-05819ECEBA59}" type="datetimeFigureOut">
               <a:rPr lang="en-US" smtClean="0"/>
-              <a:t>6/30/2017</a:t>
+              <a:t>7/3/2017</a:t>
             </a:fld>
             <a:endParaRPr lang="en-US"/>
           </a:p>
@@ -1828,7 +1828,7 @@
           <a:p>
             <a:fld id="{F686C300-4B60-40C4-85AF-05819ECEBA59}" type="datetimeFigureOut">
               <a:rPr lang="en-US" smtClean="0"/>
-              <a:t>6/30/2017</a:t>
+              <a:t>7/3/2017</a:t>
             </a:fld>
             <a:endParaRPr lang="en-US"/>
           </a:p>
@@ -2105,7 +2105,7 @@
           <a:p>
             <a:fld id="{F686C300-4B60-40C4-85AF-05819ECEBA59}" type="datetimeFigureOut">
               <a:rPr lang="en-US" smtClean="0"/>
-              <a:t>6/30/2017</a:t>
+              <a:t>7/3/2017</a:t>
             </a:fld>
             <a:endParaRPr lang="en-US"/>
           </a:p>
@@ -2358,7 +2358,7 @@
           <a:p>
             <a:fld id="{F686C300-4B60-40C4-85AF-05819ECEBA59}" type="datetimeFigureOut">
               <a:rPr lang="en-US" smtClean="0"/>
-              <a:t>6/30/2017</a:t>
+              <a:t>7/3/2017</a:t>
             </a:fld>
             <a:endParaRPr lang="en-US"/>
           </a:p>
@@ -2571,7 +2571,7 @@
           <a:p>
             <a:fld id="{F686C300-4B60-40C4-85AF-05819ECEBA59}" type="datetimeFigureOut">
               <a:rPr lang="en-US" smtClean="0"/>
-              <a:t>6/30/2017</a:t>
+              <a:t>7/3/2017</a:t>
             </a:fld>
             <a:endParaRPr lang="en-US"/>
           </a:p>
@@ -7564,6 +7564,61 @@
           </a:p>
         </p:txBody>
       </p:sp>
+      <p:sp>
+        <p:nvSpPr>
+          <p:cNvPr id="3" name="Rectangle 2"/>
+          <p:cNvSpPr/>
+          <p:nvPr/>
+        </p:nvSpPr>
+        <p:spPr>
+          <a:xfrm>
+            <a:off x="4546786" y="2118885"/>
+            <a:ext cx="4572000" cy="4572000"/>
+          </a:xfrm>
+          <a:prstGeom prst="rect">
+            <a:avLst/>
+          </a:prstGeom>
+          <a:gradFill flip="none" rotWithShape="1">
+            <a:gsLst>
+              <a:gs pos="0">
+                <a:schemeClr val="bg1"/>
+              </a:gs>
+              <a:gs pos="100000">
+                <a:srgbClr val="009966"/>
+              </a:gs>
+            </a:gsLst>
+            <a:lin ang="2700000" scaled="1"/>
+            <a:tileRect/>
+          </a:gradFill>
+          <a:ln>
+            <a:noFill/>
+          </a:ln>
+        </p:spPr>
+        <p:style>
+          <a:lnRef idx="2">
+            <a:schemeClr val="accent1">
+              <a:shade val="50000"/>
+            </a:schemeClr>
+          </a:lnRef>
+          <a:fillRef idx="1">
+            <a:schemeClr val="accent1"/>
+          </a:fillRef>
+          <a:effectRef idx="0">
+            <a:schemeClr val="accent1"/>
+          </a:effectRef>
+          <a:fontRef idx="minor">
+            <a:schemeClr val="lt1"/>
+          </a:fontRef>
+        </p:style>
+        <p:txBody>
+          <a:bodyPr rtlCol="0" anchor="ctr"/>
+          <a:lstStyle/>
+          <a:p>
+            <a:pPr algn="ctr"/>
+            <a:endParaRPr lang="en-US"/>
+          </a:p>
+        </p:txBody>
+      </p:sp>
     </p:spTree>
     <p:extLst>
       <p:ext uri="{BB962C8B-B14F-4D97-AF65-F5344CB8AC3E}">
